--- a/lectures/2. Quantization and _entropy coding.pptx
+++ b/lectures/2. Quantization and _entropy coding.pptx
@@ -1896,7 +1896,7 @@
         </p:nvSpPr>
         <p:spPr>
           <a:xfrm>
-            <a:off x="381300" y="685800"/>
+            <a:off x="381000" y="685800"/>
             <a:ext cx="6096000" cy="3429000"/>
           </a:xfrm>
           <a:custGeom>
@@ -2000,7 +2000,7 @@
         </p:nvSpPr>
         <p:spPr>
           <a:xfrm>
-            <a:off x="381300" y="685800"/>
+            <a:off x="381000" y="685800"/>
             <a:ext cx="6096000" cy="3429000"/>
           </a:xfrm>
           <a:custGeom>
@@ -2312,7 +2312,7 @@
         </p:nvSpPr>
         <p:spPr>
           <a:xfrm>
-            <a:off x="381300" y="685800"/>
+            <a:off x="381000" y="685800"/>
             <a:ext cx="6096000" cy="3429000"/>
           </a:xfrm>
           <a:custGeom>
@@ -2520,7 +2520,7 @@
         </p:nvSpPr>
         <p:spPr>
           <a:xfrm>
-            <a:off x="381300" y="685800"/>
+            <a:off x="381000" y="685800"/>
             <a:ext cx="6096000" cy="3429000"/>
           </a:xfrm>
           <a:custGeom>
@@ -10135,6 +10135,9 @@
           <a:lstStyle/>
           <a:p>
             <a:pPr marL="457200" lvl="0" indent="-342900" algn="l" rtl="0">
+              <a:lnSpc>
+                <a:spcPct val="200000"/>
+              </a:lnSpc>
               <a:spcBef>
                 <a:spcPts val="0"/>
               </a:spcBef>
@@ -10145,13 +10148,16 @@
               <a:buChar char="●"/>
             </a:pPr>
             <a:r>
-              <a:rPr lang="en"/>
+              <a:rPr lang="en" dirty="0"/>
               <a:t>Scalar quantization: uniform, non-uniform, differential PCM</a:t>
             </a:r>
-            <a:endParaRPr/>
+            <a:endParaRPr dirty="0"/>
           </a:p>
           <a:p>
             <a:pPr marL="457200" lvl="0" indent="-342900" algn="l" rtl="0">
+              <a:lnSpc>
+                <a:spcPct val="200000"/>
+              </a:lnSpc>
               <a:spcBef>
                 <a:spcPts val="0"/>
               </a:spcBef>
@@ -10162,13 +10168,16 @@
               <a:buChar char="●"/>
             </a:pPr>
             <a:r>
-              <a:rPr lang="en"/>
+              <a:rPr lang="en" dirty="0"/>
               <a:t>Vector quantization</a:t>
             </a:r>
-            <a:endParaRPr/>
+            <a:endParaRPr dirty="0"/>
           </a:p>
           <a:p>
             <a:pPr marL="457200" lvl="0" indent="-342900" algn="l" rtl="0">
+              <a:lnSpc>
+                <a:spcPct val="200000"/>
+              </a:lnSpc>
               <a:spcBef>
                 <a:spcPts val="0"/>
               </a:spcBef>
@@ -10179,13 +10188,16 @@
               <a:buChar char="●"/>
             </a:pPr>
             <a:r>
-              <a:rPr lang="en"/>
+              <a:rPr lang="en" dirty="0"/>
               <a:t>Bit-allocation algorithms</a:t>
             </a:r>
-            <a:endParaRPr/>
+            <a:endParaRPr dirty="0"/>
           </a:p>
           <a:p>
             <a:pPr marL="457200" lvl="0" indent="-342900" algn="l" rtl="0">
+              <a:lnSpc>
+                <a:spcPct val="200000"/>
+              </a:lnSpc>
               <a:spcBef>
                 <a:spcPts val="0"/>
               </a:spcBef>
@@ -10196,10 +10208,10 @@
               <a:buChar char="●"/>
             </a:pPr>
             <a:r>
-              <a:rPr lang="en"/>
+              <a:rPr lang="en" dirty="0"/>
               <a:t>Entropy coding: Huffman coding</a:t>
             </a:r>
-            <a:endParaRPr/>
+            <a:endParaRPr dirty="0"/>
           </a:p>
           <a:p>
             <a:pPr marL="0" lvl="0" indent="0" algn="l" rtl="0">
@@ -10211,7 +10223,7 @@
               </a:spcAft>
               <a:buNone/>
             </a:pPr>
-            <a:endParaRPr/>
+            <a:endParaRPr dirty="0"/>
           </a:p>
         </p:txBody>
       </p:sp>
@@ -10314,10 +10326,10 @@
               <a:buChar char="●"/>
             </a:pPr>
             <a:r>
-              <a:rPr lang="en"/>
+              <a:rPr lang="en" dirty="0"/>
               <a:t>Statistical entropy alone does not provide a good measure of compressibility in the case of audio coding. Quantization noise, masking thresholds, and tone- and noise masking effects must be accounted for.</a:t>
             </a:r>
-            <a:endParaRPr/>
+            <a:endParaRPr dirty="0"/>
           </a:p>
           <a:p>
             <a:pPr marL="457200" lvl="0" indent="-342900" algn="l" rtl="0">
@@ -10331,10 +10343,10 @@
               <a:buChar char="●"/>
             </a:pPr>
             <a:r>
-              <a:rPr lang="en"/>
-              <a:t>Most popular entropy coding approach: Huffman coding</a:t>
+              <a:rPr lang="en" dirty="0"/>
+              <a:t>Most popular entropy coding approach: Huffman coding.</a:t>
             </a:r>
-            <a:endParaRPr/>
+            <a:endParaRPr dirty="0"/>
           </a:p>
         </p:txBody>
       </p:sp>
@@ -10680,7 +10692,7 @@
         </p:nvSpPr>
         <p:spPr>
           <a:xfrm>
-            <a:off x="285325" y="789875"/>
+            <a:off x="285325" y="773973"/>
             <a:ext cx="8520600" cy="4240200"/>
           </a:xfrm>
           <a:prstGeom prst="rect">
@@ -10707,31 +10719,31 @@
               <a:buAutoNum type="arabicPeriod"/>
             </a:pPr>
             <a:r>
-              <a:rPr lang="en" b="1">
+              <a:rPr lang="en" b="1" dirty="0">
                 <a:solidFill>
-                  <a:srgbClr val="666666"/>
+                  <a:schemeClr val="tx1"/>
                 </a:solidFill>
               </a:rPr>
               <a:t>Calculate Frequencies</a:t>
             </a:r>
             <a:br>
-              <a:rPr lang="en" b="1">
+              <a:rPr lang="en" b="1" dirty="0">
                 <a:solidFill>
-                  <a:srgbClr val="666666"/>
+                  <a:schemeClr val="tx1"/>
                 </a:solidFill>
               </a:rPr>
             </a:br>
             <a:r>
-              <a:rPr lang="en">
+              <a:rPr lang="en" dirty="0">
                 <a:solidFill>
-                  <a:srgbClr val="666666"/>
+                  <a:schemeClr val="tx1"/>
                 </a:solidFill>
               </a:rPr>
               <a:t>Calculate the frequency of each character in the input array.</a:t>
             </a:r>
-            <a:endParaRPr>
+            <a:endParaRPr dirty="0">
               <a:solidFill>
-                <a:srgbClr val="666666"/>
+                <a:schemeClr val="tx1"/>
               </a:solidFill>
             </a:endParaRPr>
           </a:p>
@@ -10750,31 +10762,31 @@
               <a:buAutoNum type="arabicPeriod"/>
             </a:pPr>
             <a:r>
-              <a:rPr lang="en" b="1">
+              <a:rPr lang="en" b="1" dirty="0">
                 <a:solidFill>
-                  <a:srgbClr val="666666"/>
+                  <a:schemeClr val="tx1"/>
                 </a:solidFill>
               </a:rPr>
               <a:t>Build the Huffman Tree</a:t>
             </a:r>
             <a:br>
-              <a:rPr lang="en" b="1">
+              <a:rPr lang="en" b="1" dirty="0">
                 <a:solidFill>
-                  <a:srgbClr val="666666"/>
+                  <a:schemeClr val="tx1"/>
                 </a:solidFill>
               </a:rPr>
             </a:br>
             <a:r>
-              <a:rPr lang="en">
+              <a:rPr lang="en" dirty="0">
                 <a:solidFill>
-                  <a:srgbClr val="666666"/>
+                  <a:schemeClr val="tx1"/>
                 </a:solidFill>
               </a:rPr>
               <a:t>The tree is built by merging the two least frequent nodes until there is only one node left. This node becomes the root of the tree.</a:t>
             </a:r>
-            <a:endParaRPr>
+            <a:endParaRPr dirty="0">
               <a:solidFill>
-                <a:srgbClr val="666666"/>
+                <a:schemeClr val="tx1"/>
               </a:solidFill>
             </a:endParaRPr>
           </a:p>
@@ -10793,31 +10805,31 @@
               <a:buAutoNum type="arabicPeriod"/>
             </a:pPr>
             <a:r>
-              <a:rPr lang="en" b="1">
+              <a:rPr lang="en" b="1" dirty="0">
                 <a:solidFill>
-                  <a:srgbClr val="666666"/>
+                  <a:schemeClr val="tx1"/>
                 </a:solidFill>
               </a:rPr>
               <a:t>Generate Huffman Codes</a:t>
             </a:r>
             <a:br>
-              <a:rPr lang="en" b="1">
+              <a:rPr lang="en" b="1" dirty="0">
                 <a:solidFill>
-                  <a:srgbClr val="666666"/>
+                  <a:schemeClr val="tx1"/>
                 </a:solidFill>
               </a:rPr>
             </a:br>
             <a:r>
-              <a:rPr lang="en">
+              <a:rPr lang="en" dirty="0">
                 <a:solidFill>
-                  <a:srgbClr val="666666"/>
+                  <a:schemeClr val="tx1"/>
                 </a:solidFill>
               </a:rPr>
               <a:t>The codes are generated by traversing the tree. A left edge corresponds to appending '0' to the code, and a right edge corresponds to appending '1'.</a:t>
             </a:r>
-            <a:endParaRPr>
+            <a:endParaRPr dirty="0">
               <a:solidFill>
-                <a:srgbClr val="666666"/>
+                <a:schemeClr val="tx1"/>
               </a:solidFill>
             </a:endParaRPr>
           </a:p>
@@ -10836,31 +10848,31 @@
               <a:buAutoNum type="arabicPeriod"/>
             </a:pPr>
             <a:r>
-              <a:rPr lang="en" b="1">
+              <a:rPr lang="en" b="1" dirty="0">
                 <a:solidFill>
-                  <a:srgbClr val="666666"/>
+                  <a:schemeClr val="tx1"/>
                 </a:solidFill>
               </a:rPr>
               <a:t>Encode the Input</a:t>
             </a:r>
             <a:br>
-              <a:rPr lang="en" b="1">
+              <a:rPr lang="en" b="1" dirty="0">
                 <a:solidFill>
-                  <a:srgbClr val="666666"/>
+                  <a:schemeClr val="tx1"/>
                 </a:solidFill>
               </a:rPr>
             </a:br>
             <a:r>
-              <a:rPr lang="en">
+              <a:rPr lang="en" dirty="0">
                 <a:solidFill>
-                  <a:srgbClr val="666666"/>
+                  <a:schemeClr val="tx1"/>
                 </a:solidFill>
               </a:rPr>
               <a:t>The input array is encoded using the generated codes.</a:t>
             </a:r>
-            <a:endParaRPr>
+            <a:endParaRPr dirty="0">
               <a:solidFill>
-                <a:srgbClr val="666666"/>
+                <a:schemeClr val="tx1"/>
               </a:solidFill>
             </a:endParaRPr>
           </a:p>
@@ -10879,31 +10891,31 @@
               <a:buAutoNum type="arabicPeriod"/>
             </a:pPr>
             <a:r>
-              <a:rPr lang="en" b="1">
+              <a:rPr lang="en" b="1" dirty="0">
                 <a:solidFill>
-                  <a:srgbClr val="666666"/>
+                  <a:schemeClr val="tx1"/>
                 </a:solidFill>
               </a:rPr>
               <a:t>Decode the Encoded Data</a:t>
             </a:r>
             <a:br>
-              <a:rPr lang="en" b="1">
+              <a:rPr lang="en" b="1" dirty="0">
                 <a:solidFill>
-                  <a:srgbClr val="666666"/>
+                  <a:schemeClr val="tx1"/>
                 </a:solidFill>
               </a:rPr>
             </a:br>
             <a:r>
-              <a:rPr lang="en">
+              <a:rPr lang="en" dirty="0">
                 <a:solidFill>
-                  <a:srgbClr val="666666"/>
+                  <a:schemeClr val="tx1"/>
                 </a:solidFill>
               </a:rPr>
               <a:t>The encoded data is decoded by traversing the tree.</a:t>
             </a:r>
-            <a:endParaRPr>
+            <a:endParaRPr dirty="0">
               <a:solidFill>
-                <a:srgbClr val="666666"/>
+                <a:schemeClr val="tx1"/>
               </a:solidFill>
             </a:endParaRPr>
           </a:p>
@@ -11107,10 +11119,10 @@
               <a:buChar char="●"/>
             </a:pPr>
             <a:r>
-              <a:rPr lang="en"/>
-              <a:t>Data reduction by removing irrelevance</a:t>
+              <a:rPr lang="en" dirty="0"/>
+              <a:t>Data reduction by removing irrelevance.</a:t>
             </a:r>
-            <a:endParaRPr/>
+            <a:endParaRPr dirty="0"/>
           </a:p>
           <a:p>
             <a:pPr marL="457200" lvl="0" indent="-342900" algn="l" rtl="0">
@@ -11124,10 +11136,10 @@
               <a:buChar char="●"/>
             </a:pPr>
             <a:r>
-              <a:rPr lang="en"/>
-              <a:t>Explicit control of quantization distortion according to time/frequency-dependent masking threshold (perceptual coder)</a:t>
+              <a:rPr lang="en" dirty="0"/>
+              <a:t>Explicit control of quantization distortion according to time/frequency-dependent masking threshold (perceptual coder).</a:t>
             </a:r>
-            <a:endParaRPr/>
+            <a:endParaRPr dirty="0"/>
           </a:p>
           <a:p>
             <a:pPr marL="457200" lvl="0" indent="-342900" algn="l" rtl="0">
@@ -11141,10 +11153,10 @@
               <a:buChar char="●"/>
             </a:pPr>
             <a:r>
-              <a:rPr lang="en"/>
-              <a:t>High variability in local SNR (e.g. 0db ..&gt; 30db)</a:t>
+              <a:rPr lang="en" dirty="0"/>
+              <a:t>High variability in local SNR (e.g. 0db ..&gt; 30db).</a:t>
             </a:r>
-            <a:endParaRPr/>
+            <a:endParaRPr dirty="0"/>
           </a:p>
           <a:p>
             <a:pPr marL="457200" lvl="0" indent="-342900" algn="l" rtl="0">
@@ -11158,10 +11170,10 @@
               <a:buChar char="●"/>
             </a:pPr>
             <a:r>
-              <a:rPr lang="en"/>
-              <a:t>Most popular case: Scalar quantization</a:t>
+              <a:rPr lang="en" dirty="0"/>
+              <a:t>Most popular case: scalar quantization.</a:t>
             </a:r>
-            <a:endParaRPr/>
+            <a:endParaRPr dirty="0"/>
           </a:p>
         </p:txBody>
       </p:sp>

--- a/lectures/2. Quantization and _entropy coding.pptx
+++ b/lectures/2. Quantization and _entropy coding.pptx
@@ -5,32 +5,35 @@
     <p:sldMasterId id="2147483659" r:id="rId1"/>
   </p:sldMasterIdLst>
   <p:notesMasterIdLst>
-    <p:notesMasterId r:id="rId25"/>
+    <p:notesMasterId r:id="rId28"/>
   </p:notesMasterIdLst>
   <p:sldIdLst>
     <p:sldId id="256" r:id="rId2"/>
     <p:sldId id="257" r:id="rId3"/>
     <p:sldId id="258" r:id="rId4"/>
     <p:sldId id="259" r:id="rId5"/>
-    <p:sldId id="260" r:id="rId6"/>
-    <p:sldId id="261" r:id="rId7"/>
-    <p:sldId id="262" r:id="rId8"/>
-    <p:sldId id="263" r:id="rId9"/>
-    <p:sldId id="264" r:id="rId10"/>
-    <p:sldId id="265" r:id="rId11"/>
-    <p:sldId id="266" r:id="rId12"/>
-    <p:sldId id="267" r:id="rId13"/>
-    <p:sldId id="268" r:id="rId14"/>
-    <p:sldId id="269" r:id="rId15"/>
-    <p:sldId id="270" r:id="rId16"/>
-    <p:sldId id="271" r:id="rId17"/>
-    <p:sldId id="272" r:id="rId18"/>
-    <p:sldId id="273" r:id="rId19"/>
-    <p:sldId id="274" r:id="rId20"/>
-    <p:sldId id="275" r:id="rId21"/>
-    <p:sldId id="276" r:id="rId22"/>
-    <p:sldId id="277" r:id="rId23"/>
-    <p:sldId id="278" r:id="rId24"/>
+    <p:sldId id="273" r:id="rId6"/>
+    <p:sldId id="274" r:id="rId7"/>
+    <p:sldId id="260" r:id="rId8"/>
+    <p:sldId id="261" r:id="rId9"/>
+    <p:sldId id="262" r:id="rId10"/>
+    <p:sldId id="263" r:id="rId11"/>
+    <p:sldId id="264" r:id="rId12"/>
+    <p:sldId id="265" r:id="rId13"/>
+    <p:sldId id="266" r:id="rId14"/>
+    <p:sldId id="267" r:id="rId15"/>
+    <p:sldId id="268" r:id="rId16"/>
+    <p:sldId id="269" r:id="rId17"/>
+    <p:sldId id="270" r:id="rId18"/>
+    <p:sldId id="271" r:id="rId19"/>
+    <p:sldId id="279" r:id="rId20"/>
+    <p:sldId id="272" r:id="rId21"/>
+    <p:sldId id="280" r:id="rId22"/>
+    <p:sldId id="275" r:id="rId23"/>
+    <p:sldId id="276" r:id="rId24"/>
+    <p:sldId id="277" r:id="rId25"/>
+    <p:sldId id="278" r:id="rId26"/>
+    <p:sldId id="281" r:id="rId27"/>
   </p:sldIdLst>
   <p:sldSz cx="9144000" cy="5143500" type="screen16x9"/>
   <p:notesSz cx="6858000" cy="9144000"/>
@@ -832,6 +835,214 @@
   <p:cSld>
     <p:spTree>
       <p:nvGrpSpPr>
+        <p:cNvPr id="1" name="Shape 98"/>
+        <p:cNvGrpSpPr/>
+        <p:nvPr/>
+      </p:nvGrpSpPr>
+      <p:grpSpPr>
+        <a:xfrm>
+          <a:off x="0" y="0"/>
+          <a:ext cx="0" cy="0"/>
+          <a:chOff x="0" y="0"/>
+          <a:chExt cx="0" cy="0"/>
+        </a:xfrm>
+      </p:grpSpPr>
+      <p:sp>
+        <p:nvSpPr>
+          <p:cNvPr id="99" name="Google Shape;99;g2203594a410_0_28:notes"/>
+          <p:cNvSpPr>
+            <a:spLocks noGrp="1" noRot="1" noChangeAspect="1"/>
+          </p:cNvSpPr>
+          <p:nvPr>
+            <p:ph type="sldImg" idx="2"/>
+          </p:nvPr>
+        </p:nvSpPr>
+        <p:spPr>
+          <a:xfrm>
+            <a:off x="381300" y="685800"/>
+            <a:ext cx="6096000" cy="3429000"/>
+          </a:xfrm>
+          <a:custGeom>
+            <a:avLst/>
+            <a:gdLst/>
+            <a:ahLst/>
+            <a:cxnLst/>
+            <a:rect l="l" t="t" r="r" b="b"/>
+            <a:pathLst>
+              <a:path w="120000" h="120000" extrusionOk="0">
+                <a:moveTo>
+                  <a:pt x="0" y="0"/>
+                </a:moveTo>
+                <a:lnTo>
+                  <a:pt x="120000" y="0"/>
+                </a:lnTo>
+                <a:lnTo>
+                  <a:pt x="120000" y="120000"/>
+                </a:lnTo>
+                <a:lnTo>
+                  <a:pt x="0" y="120000"/>
+                </a:lnTo>
+                <a:close/>
+              </a:path>
+            </a:pathLst>
+          </a:custGeom>
+        </p:spPr>
+      </p:sp>
+      <p:sp>
+        <p:nvSpPr>
+          <p:cNvPr id="100" name="Google Shape;100;g2203594a410_0_28:notes"/>
+          <p:cNvSpPr txBox="1">
+            <a:spLocks noGrp="1"/>
+          </p:cNvSpPr>
+          <p:nvPr>
+            <p:ph type="body" idx="1"/>
+          </p:nvPr>
+        </p:nvSpPr>
+        <p:spPr>
+          <a:xfrm>
+            <a:off x="685800" y="4343400"/>
+            <a:ext cx="5486400" cy="4114800"/>
+          </a:xfrm>
+          <a:prstGeom prst="rect">
+            <a:avLst/>
+          </a:prstGeom>
+        </p:spPr>
+        <p:txBody>
+          <a:bodyPr spcFirstLastPara="1" wrap="square" lIns="91425" tIns="91425" rIns="91425" bIns="91425" anchor="t" anchorCtr="0">
+            <a:noAutofit/>
+          </a:bodyPr>
+          <a:lstStyle/>
+          <a:p>
+            <a:pPr marL="0" lvl="0" indent="0" algn="l" rtl="0">
+              <a:spcBef>
+                <a:spcPts val="0"/>
+              </a:spcBef>
+              <a:spcAft>
+                <a:spcPts val="0"/>
+              </a:spcAft>
+              <a:buNone/>
+            </a:pPr>
+            <a:endParaRPr/>
+          </a:p>
+        </p:txBody>
+      </p:sp>
+    </p:spTree>
+  </p:cSld>
+  <p:clrMapOvr>
+    <a:masterClrMapping/>
+  </p:clrMapOvr>
+</p:notes>
+</file>
+
+<file path=ppt/notesSlides/notesSlide11.xml><?xml version="1.0" encoding="utf-8"?>
+<p:notes xmlns:a="http://schemas.openxmlformats.org/drawingml/2006/main" xmlns:r="http://schemas.openxmlformats.org/officeDocument/2006/relationships" xmlns:p="http://schemas.openxmlformats.org/presentationml/2006/main" showMasterSp="0" showMasterPhAnim="0">
+  <p:cSld>
+    <p:spTree>
+      <p:nvGrpSpPr>
+        <p:cNvPr id="1" name="Shape 105"/>
+        <p:cNvGrpSpPr/>
+        <p:nvPr/>
+      </p:nvGrpSpPr>
+      <p:grpSpPr>
+        <a:xfrm>
+          <a:off x="0" y="0"/>
+          <a:ext cx="0" cy="0"/>
+          <a:chOff x="0" y="0"/>
+          <a:chExt cx="0" cy="0"/>
+        </a:xfrm>
+      </p:grpSpPr>
+      <p:sp>
+        <p:nvSpPr>
+          <p:cNvPr id="106" name="Google Shape;106;g2203594a410_0_113:notes"/>
+          <p:cNvSpPr>
+            <a:spLocks noGrp="1" noRot="1" noChangeAspect="1"/>
+          </p:cNvSpPr>
+          <p:nvPr>
+            <p:ph type="sldImg" idx="2"/>
+          </p:nvPr>
+        </p:nvSpPr>
+        <p:spPr>
+          <a:xfrm>
+            <a:off x="381000" y="685800"/>
+            <a:ext cx="6096000" cy="3429000"/>
+          </a:xfrm>
+          <a:custGeom>
+            <a:avLst/>
+            <a:gdLst/>
+            <a:ahLst/>
+            <a:cxnLst/>
+            <a:rect l="l" t="t" r="r" b="b"/>
+            <a:pathLst>
+              <a:path w="120000" h="120000" extrusionOk="0">
+                <a:moveTo>
+                  <a:pt x="0" y="0"/>
+                </a:moveTo>
+                <a:lnTo>
+                  <a:pt x="120000" y="0"/>
+                </a:lnTo>
+                <a:lnTo>
+                  <a:pt x="120000" y="120000"/>
+                </a:lnTo>
+                <a:lnTo>
+                  <a:pt x="0" y="120000"/>
+                </a:lnTo>
+                <a:close/>
+              </a:path>
+            </a:pathLst>
+          </a:custGeom>
+        </p:spPr>
+      </p:sp>
+      <p:sp>
+        <p:nvSpPr>
+          <p:cNvPr id="107" name="Google Shape;107;g2203594a410_0_113:notes"/>
+          <p:cNvSpPr txBox="1">
+            <a:spLocks noGrp="1"/>
+          </p:cNvSpPr>
+          <p:nvPr>
+            <p:ph type="body" idx="1"/>
+          </p:nvPr>
+        </p:nvSpPr>
+        <p:spPr>
+          <a:xfrm>
+            <a:off x="685800" y="4343400"/>
+            <a:ext cx="5486400" cy="4114800"/>
+          </a:xfrm>
+          <a:prstGeom prst="rect">
+            <a:avLst/>
+          </a:prstGeom>
+        </p:spPr>
+        <p:txBody>
+          <a:bodyPr spcFirstLastPara="1" wrap="square" lIns="91425" tIns="91425" rIns="91425" bIns="91425" anchor="t" anchorCtr="0">
+            <a:noAutofit/>
+          </a:bodyPr>
+          <a:lstStyle/>
+          <a:p>
+            <a:pPr marL="0" lvl="0" indent="0" algn="l" rtl="0">
+              <a:spcBef>
+                <a:spcPts val="0"/>
+              </a:spcBef>
+              <a:spcAft>
+                <a:spcPts val="0"/>
+              </a:spcAft>
+              <a:buNone/>
+            </a:pPr>
+            <a:endParaRPr/>
+          </a:p>
+        </p:txBody>
+      </p:sp>
+    </p:spTree>
+  </p:cSld>
+  <p:clrMapOvr>
+    <a:masterClrMapping/>
+  </p:clrMapOvr>
+</p:notes>
+</file>
+
+<file path=ppt/notesSlides/notesSlide12.xml><?xml version="1.0" encoding="utf-8"?>
+<p:notes xmlns:a="http://schemas.openxmlformats.org/drawingml/2006/main" xmlns:r="http://schemas.openxmlformats.org/officeDocument/2006/relationships" xmlns:p="http://schemas.openxmlformats.org/presentationml/2006/main" showMasterSp="0" showMasterPhAnim="0">
+  <p:cSld>
+    <p:spTree>
+      <p:nvGrpSpPr>
         <p:cNvPr id="1" name="Shape 112"/>
         <p:cNvGrpSpPr/>
         <p:nvPr/>
@@ -931,7 +1142,7 @@
 </p:notes>
 </file>
 
-<file path=ppt/notesSlides/notesSlide11.xml><?xml version="1.0" encoding="utf-8"?>
+<file path=ppt/notesSlides/notesSlide13.xml><?xml version="1.0" encoding="utf-8"?>
 <p:notes xmlns:a="http://schemas.openxmlformats.org/drawingml/2006/main" xmlns:r="http://schemas.openxmlformats.org/officeDocument/2006/relationships" xmlns:p="http://schemas.openxmlformats.org/presentationml/2006/main" showMasterSp="0" showMasterPhAnim="0">
   <p:cSld>
     <p:spTree>
@@ -960,7 +1171,7 @@
         </p:nvSpPr>
         <p:spPr>
           <a:xfrm>
-            <a:off x="381300" y="685800"/>
+            <a:off x="381000" y="685800"/>
             <a:ext cx="6096000" cy="3429000"/>
           </a:xfrm>
           <a:custGeom>
@@ -1035,7 +1246,7 @@
 </p:notes>
 </file>
 
-<file path=ppt/notesSlides/notesSlide12.xml><?xml version="1.0" encoding="utf-8"?>
+<file path=ppt/notesSlides/notesSlide14.xml><?xml version="1.0" encoding="utf-8"?>
 <p:notes xmlns:a="http://schemas.openxmlformats.org/drawingml/2006/main" xmlns:r="http://schemas.openxmlformats.org/officeDocument/2006/relationships" xmlns:p="http://schemas.openxmlformats.org/presentationml/2006/main" showMasterSp="0" showMasterPhAnim="0">
   <p:cSld>
     <p:spTree>
@@ -1139,7 +1350,7 @@
 </p:notes>
 </file>
 
-<file path=ppt/notesSlides/notesSlide13.xml><?xml version="1.0" encoding="utf-8"?>
+<file path=ppt/notesSlides/notesSlide15.xml><?xml version="1.0" encoding="utf-8"?>
 <p:notes xmlns:a="http://schemas.openxmlformats.org/drawingml/2006/main" xmlns:r="http://schemas.openxmlformats.org/officeDocument/2006/relationships" xmlns:p="http://schemas.openxmlformats.org/presentationml/2006/main" showMasterSp="0" showMasterPhAnim="0">
   <p:cSld>
     <p:spTree>
@@ -1168,7 +1379,7 @@
         </p:nvSpPr>
         <p:spPr>
           <a:xfrm>
-            <a:off x="381300" y="685800"/>
+            <a:off x="381000" y="685800"/>
             <a:ext cx="6096000" cy="3429000"/>
           </a:xfrm>
           <a:custGeom>
@@ -1243,7 +1454,7 @@
 </p:notes>
 </file>
 
-<file path=ppt/notesSlides/notesSlide14.xml><?xml version="1.0" encoding="utf-8"?>
+<file path=ppt/notesSlides/notesSlide16.xml><?xml version="1.0" encoding="utf-8"?>
 <p:notes xmlns:a="http://schemas.openxmlformats.org/drawingml/2006/main" xmlns:r="http://schemas.openxmlformats.org/officeDocument/2006/relationships" xmlns:p="http://schemas.openxmlformats.org/presentationml/2006/main" showMasterSp="0" showMasterPhAnim="0">
   <p:cSld>
     <p:spTree>
@@ -1272,7 +1483,7 @@
         </p:nvSpPr>
         <p:spPr>
           <a:xfrm>
-            <a:off x="381300" y="685800"/>
+            <a:off x="381000" y="685800"/>
             <a:ext cx="6096000" cy="3429000"/>
           </a:xfrm>
           <a:custGeom>
@@ -1347,7 +1558,7 @@
 </p:notes>
 </file>
 
-<file path=ppt/notesSlides/notesSlide15.xml><?xml version="1.0" encoding="utf-8"?>
+<file path=ppt/notesSlides/notesSlide17.xml><?xml version="1.0" encoding="utf-8"?>
 <p:notes xmlns:a="http://schemas.openxmlformats.org/drawingml/2006/main" xmlns:r="http://schemas.openxmlformats.org/officeDocument/2006/relationships" xmlns:p="http://schemas.openxmlformats.org/presentationml/2006/main" showMasterSp="0" showMasterPhAnim="0">
   <p:cSld>
     <p:spTree>
@@ -1376,7 +1587,7 @@
         </p:nvSpPr>
         <p:spPr>
           <a:xfrm>
-            <a:off x="381300" y="685800"/>
+            <a:off x="381000" y="685800"/>
             <a:ext cx="6096000" cy="3429000"/>
           </a:xfrm>
           <a:custGeom>
@@ -1451,7 +1662,7 @@
 </p:notes>
 </file>
 
-<file path=ppt/notesSlides/notesSlide16.xml><?xml version="1.0" encoding="utf-8"?>
+<file path=ppt/notesSlides/notesSlide18.xml><?xml version="1.0" encoding="utf-8"?>
 <p:notes xmlns:a="http://schemas.openxmlformats.org/drawingml/2006/main" xmlns:r="http://schemas.openxmlformats.org/officeDocument/2006/relationships" xmlns:p="http://schemas.openxmlformats.org/presentationml/2006/main" showMasterSp="0" showMasterPhAnim="0">
   <p:cSld>
     <p:spTree>
@@ -1480,7 +1691,7 @@
         </p:nvSpPr>
         <p:spPr>
           <a:xfrm>
-            <a:off x="381300" y="685800"/>
+            <a:off x="381000" y="685800"/>
             <a:ext cx="6096000" cy="3429000"/>
           </a:xfrm>
           <a:custGeom>
@@ -1555,12 +1766,18 @@
 </p:notes>
 </file>
 
-<file path=ppt/notesSlides/notesSlide17.xml><?xml version="1.0" encoding="utf-8"?>
+<file path=ppt/notesSlides/notesSlide19.xml><?xml version="1.0" encoding="utf-8"?>
 <p:notes xmlns:a="http://schemas.openxmlformats.org/drawingml/2006/main" xmlns:r="http://schemas.openxmlformats.org/officeDocument/2006/relationships" xmlns:p="http://schemas.openxmlformats.org/presentationml/2006/main" showMasterSp="0" showMasterPhAnim="0">
   <p:cSld>
     <p:spTree>
       <p:nvGrpSpPr>
-        <p:cNvPr id="1" name="Shape 166"/>
+        <p:cNvPr id="1" name="Shape 159">
+          <a:extLst>
+            <a:ext uri="{FF2B5EF4-FFF2-40B4-BE49-F238E27FC236}">
+              <a16:creationId xmlns:a16="http://schemas.microsoft.com/office/drawing/2014/main" id="{A9DADFA4-7573-5834-2A05-AB0932251558}"/>
+            </a:ext>
+          </a:extLst>
+        </p:cNvPr>
         <p:cNvGrpSpPr/>
         <p:nvPr/>
       </p:nvGrpSpPr>
@@ -1574,7 +1791,13 @@
       </p:grpSpPr>
       <p:sp>
         <p:nvSpPr>
-          <p:cNvPr id="167" name="Google Shape;167;g2203594a410_0_66:notes"/>
+          <p:cNvPr id="160" name="Google Shape;160;g2203594a410_0_61:notes">
+            <a:extLst>
+              <a:ext uri="{FF2B5EF4-FFF2-40B4-BE49-F238E27FC236}">
+                <a16:creationId xmlns:a16="http://schemas.microsoft.com/office/drawing/2014/main" id="{E4681978-645C-4365-C145-ADF61B732799}"/>
+              </a:ext>
+            </a:extLst>
+          </p:cNvPr>
           <p:cNvSpPr>
             <a:spLocks noGrp="1" noRot="1" noChangeAspect="1"/>
           </p:cNvSpPr>
@@ -1584,7 +1807,7 @@
         </p:nvSpPr>
         <p:spPr>
           <a:xfrm>
-            <a:off x="381300" y="685800"/>
+            <a:off x="381000" y="685800"/>
             <a:ext cx="6096000" cy="3429000"/>
           </a:xfrm>
           <a:custGeom>
@@ -1615,7 +1838,13 @@
       </p:sp>
       <p:sp>
         <p:nvSpPr>
-          <p:cNvPr id="168" name="Google Shape;168;g2203594a410_0_66:notes"/>
+          <p:cNvPr id="161" name="Google Shape;161;g2203594a410_0_61:notes">
+            <a:extLst>
+              <a:ext uri="{FF2B5EF4-FFF2-40B4-BE49-F238E27FC236}">
+                <a16:creationId xmlns:a16="http://schemas.microsoft.com/office/drawing/2014/main" id="{48A6271B-5E6E-CF32-AAAC-647741A63935}"/>
+              </a:ext>
+            </a:extLst>
+          </p:cNvPr>
           <p:cNvSpPr txBox="1">
             <a:spLocks noGrp="1"/>
           </p:cNvSpPr>
@@ -1652,214 +1881,11 @@
         </p:txBody>
       </p:sp>
     </p:spTree>
-  </p:cSld>
-  <p:clrMapOvr>
-    <a:masterClrMapping/>
-  </p:clrMapOvr>
-</p:notes>
-</file>
-
-<file path=ppt/notesSlides/notesSlide18.xml><?xml version="1.0" encoding="utf-8"?>
-<p:notes xmlns:a="http://schemas.openxmlformats.org/drawingml/2006/main" xmlns:r="http://schemas.openxmlformats.org/officeDocument/2006/relationships" xmlns:p="http://schemas.openxmlformats.org/presentationml/2006/main" showMasterSp="0" showMasterPhAnim="0">
-  <p:cSld>
-    <p:spTree>
-      <p:nvGrpSpPr>
-        <p:cNvPr id="1" name="Shape 175"/>
-        <p:cNvGrpSpPr/>
-        <p:nvPr/>
-      </p:nvGrpSpPr>
-      <p:grpSpPr>
-        <a:xfrm>
-          <a:off x="0" y="0"/>
-          <a:ext cx="0" cy="0"/>
-          <a:chOff x="0" y="0"/>
-          <a:chExt cx="0" cy="0"/>
-        </a:xfrm>
-      </p:grpSpPr>
-      <p:sp>
-        <p:nvSpPr>
-          <p:cNvPr id="176" name="Google Shape;176;g2203594a410_0_11:notes"/>
-          <p:cNvSpPr>
-            <a:spLocks noGrp="1" noRot="1" noChangeAspect="1"/>
-          </p:cNvSpPr>
-          <p:nvPr>
-            <p:ph type="sldImg" idx="2"/>
-          </p:nvPr>
-        </p:nvSpPr>
-        <p:spPr>
-          <a:xfrm>
-            <a:off x="381300" y="685800"/>
-            <a:ext cx="6096000" cy="3429000"/>
-          </a:xfrm>
-          <a:custGeom>
-            <a:avLst/>
-            <a:gdLst/>
-            <a:ahLst/>
-            <a:cxnLst/>
-            <a:rect l="l" t="t" r="r" b="b"/>
-            <a:pathLst>
-              <a:path w="120000" h="120000" extrusionOk="0">
-                <a:moveTo>
-                  <a:pt x="0" y="0"/>
-                </a:moveTo>
-                <a:lnTo>
-                  <a:pt x="120000" y="0"/>
-                </a:lnTo>
-                <a:lnTo>
-                  <a:pt x="120000" y="120000"/>
-                </a:lnTo>
-                <a:lnTo>
-                  <a:pt x="0" y="120000"/>
-                </a:lnTo>
-                <a:close/>
-              </a:path>
-            </a:pathLst>
-          </a:custGeom>
-        </p:spPr>
-      </p:sp>
-      <p:sp>
-        <p:nvSpPr>
-          <p:cNvPr id="177" name="Google Shape;177;g2203594a410_0_11:notes"/>
-          <p:cNvSpPr txBox="1">
-            <a:spLocks noGrp="1"/>
-          </p:cNvSpPr>
-          <p:nvPr>
-            <p:ph type="body" idx="1"/>
-          </p:nvPr>
-        </p:nvSpPr>
-        <p:spPr>
-          <a:xfrm>
-            <a:off x="685800" y="4343400"/>
-            <a:ext cx="5486400" cy="4114800"/>
-          </a:xfrm>
-          <a:prstGeom prst="rect">
-            <a:avLst/>
-          </a:prstGeom>
-        </p:spPr>
-        <p:txBody>
-          <a:bodyPr spcFirstLastPara="1" wrap="square" lIns="91425" tIns="91425" rIns="91425" bIns="91425" anchor="t" anchorCtr="0">
-            <a:noAutofit/>
-          </a:bodyPr>
-          <a:lstStyle/>
-          <a:p>
-            <a:pPr marL="0" lvl="0" indent="0" algn="l" rtl="0">
-              <a:spcBef>
-                <a:spcPts val="0"/>
-              </a:spcBef>
-              <a:spcAft>
-                <a:spcPts val="0"/>
-              </a:spcAft>
-              <a:buNone/>
-            </a:pPr>
-            <a:endParaRPr/>
-          </a:p>
-        </p:txBody>
-      </p:sp>
-    </p:spTree>
-  </p:cSld>
-  <p:clrMapOvr>
-    <a:masterClrMapping/>
-  </p:clrMapOvr>
-</p:notes>
-</file>
-
-<file path=ppt/notesSlides/notesSlide19.xml><?xml version="1.0" encoding="utf-8"?>
-<p:notes xmlns:a="http://schemas.openxmlformats.org/drawingml/2006/main" xmlns:r="http://schemas.openxmlformats.org/officeDocument/2006/relationships" xmlns:p="http://schemas.openxmlformats.org/presentationml/2006/main" showMasterSp="0" showMasterPhAnim="0">
-  <p:cSld>
-    <p:spTree>
-      <p:nvGrpSpPr>
-        <p:cNvPr id="1" name="Shape 183"/>
-        <p:cNvGrpSpPr/>
-        <p:nvPr/>
-      </p:nvGrpSpPr>
-      <p:grpSpPr>
-        <a:xfrm>
-          <a:off x="0" y="0"/>
-          <a:ext cx="0" cy="0"/>
-          <a:chOff x="0" y="0"/>
-          <a:chExt cx="0" cy="0"/>
-        </a:xfrm>
-      </p:grpSpPr>
-      <p:sp>
-        <p:nvSpPr>
-          <p:cNvPr id="184" name="Google Shape;184;g2203594a410_0_91:notes"/>
-          <p:cNvSpPr>
-            <a:spLocks noGrp="1" noRot="1" noChangeAspect="1"/>
-          </p:cNvSpPr>
-          <p:nvPr>
-            <p:ph type="sldImg" idx="2"/>
-          </p:nvPr>
-        </p:nvSpPr>
-        <p:spPr>
-          <a:xfrm>
-            <a:off x="381300" y="685800"/>
-            <a:ext cx="6096000" cy="3429000"/>
-          </a:xfrm>
-          <a:custGeom>
-            <a:avLst/>
-            <a:gdLst/>
-            <a:ahLst/>
-            <a:cxnLst/>
-            <a:rect l="l" t="t" r="r" b="b"/>
-            <a:pathLst>
-              <a:path w="120000" h="120000" extrusionOk="0">
-                <a:moveTo>
-                  <a:pt x="0" y="0"/>
-                </a:moveTo>
-                <a:lnTo>
-                  <a:pt x="120000" y="0"/>
-                </a:lnTo>
-                <a:lnTo>
-                  <a:pt x="120000" y="120000"/>
-                </a:lnTo>
-                <a:lnTo>
-                  <a:pt x="0" y="120000"/>
-                </a:lnTo>
-                <a:close/>
-              </a:path>
-            </a:pathLst>
-          </a:custGeom>
-        </p:spPr>
-      </p:sp>
-      <p:sp>
-        <p:nvSpPr>
-          <p:cNvPr id="185" name="Google Shape;185;g2203594a410_0_91:notes"/>
-          <p:cNvSpPr txBox="1">
-            <a:spLocks noGrp="1"/>
-          </p:cNvSpPr>
-          <p:nvPr>
-            <p:ph type="body" idx="1"/>
-          </p:nvPr>
-        </p:nvSpPr>
-        <p:spPr>
-          <a:xfrm>
-            <a:off x="685800" y="4343400"/>
-            <a:ext cx="5486400" cy="4114800"/>
-          </a:xfrm>
-          <a:prstGeom prst="rect">
-            <a:avLst/>
-          </a:prstGeom>
-        </p:spPr>
-        <p:txBody>
-          <a:bodyPr spcFirstLastPara="1" wrap="square" lIns="91425" tIns="91425" rIns="91425" bIns="91425" anchor="t" anchorCtr="0">
-            <a:noAutofit/>
-          </a:bodyPr>
-          <a:lstStyle/>
-          <a:p>
-            <a:pPr marL="0" lvl="0" indent="0" algn="l" rtl="0">
-              <a:spcBef>
-                <a:spcPts val="0"/>
-              </a:spcBef>
-              <a:spcAft>
-                <a:spcPts val="0"/>
-              </a:spcAft>
-              <a:buNone/>
-            </a:pPr>
-            <a:endParaRPr/>
-          </a:p>
-        </p:txBody>
-      </p:sp>
-    </p:spTree>
+    <p:extLst>
+      <p:ext uri="{BB962C8B-B14F-4D97-AF65-F5344CB8AC3E}">
+        <p14:creationId xmlns:p14="http://schemas.microsoft.com/office/powerpoint/2010/main" val="3245142130"/>
+      </p:ext>
+    </p:extLst>
   </p:cSld>
   <p:clrMapOvr>
     <a:masterClrMapping/>
@@ -1976,6 +2002,110 @@
   <p:cSld>
     <p:spTree>
       <p:nvGrpSpPr>
+        <p:cNvPr id="1" name="Shape 166"/>
+        <p:cNvGrpSpPr/>
+        <p:nvPr/>
+      </p:nvGrpSpPr>
+      <p:grpSpPr>
+        <a:xfrm>
+          <a:off x="0" y="0"/>
+          <a:ext cx="0" cy="0"/>
+          <a:chOff x="0" y="0"/>
+          <a:chExt cx="0" cy="0"/>
+        </a:xfrm>
+      </p:grpSpPr>
+      <p:sp>
+        <p:nvSpPr>
+          <p:cNvPr id="167" name="Google Shape;167;g2203594a410_0_66:notes"/>
+          <p:cNvSpPr>
+            <a:spLocks noGrp="1" noRot="1" noChangeAspect="1"/>
+          </p:cNvSpPr>
+          <p:nvPr>
+            <p:ph type="sldImg" idx="2"/>
+          </p:nvPr>
+        </p:nvSpPr>
+        <p:spPr>
+          <a:xfrm>
+            <a:off x="381000" y="685800"/>
+            <a:ext cx="6096000" cy="3429000"/>
+          </a:xfrm>
+          <a:custGeom>
+            <a:avLst/>
+            <a:gdLst/>
+            <a:ahLst/>
+            <a:cxnLst/>
+            <a:rect l="l" t="t" r="r" b="b"/>
+            <a:pathLst>
+              <a:path w="120000" h="120000" extrusionOk="0">
+                <a:moveTo>
+                  <a:pt x="0" y="0"/>
+                </a:moveTo>
+                <a:lnTo>
+                  <a:pt x="120000" y="0"/>
+                </a:lnTo>
+                <a:lnTo>
+                  <a:pt x="120000" y="120000"/>
+                </a:lnTo>
+                <a:lnTo>
+                  <a:pt x="0" y="120000"/>
+                </a:lnTo>
+                <a:close/>
+              </a:path>
+            </a:pathLst>
+          </a:custGeom>
+        </p:spPr>
+      </p:sp>
+      <p:sp>
+        <p:nvSpPr>
+          <p:cNvPr id="168" name="Google Shape;168;g2203594a410_0_66:notes"/>
+          <p:cNvSpPr txBox="1">
+            <a:spLocks noGrp="1"/>
+          </p:cNvSpPr>
+          <p:nvPr>
+            <p:ph type="body" idx="1"/>
+          </p:nvPr>
+        </p:nvSpPr>
+        <p:spPr>
+          <a:xfrm>
+            <a:off x="685800" y="4343400"/>
+            <a:ext cx="5486400" cy="4114800"/>
+          </a:xfrm>
+          <a:prstGeom prst="rect">
+            <a:avLst/>
+          </a:prstGeom>
+        </p:spPr>
+        <p:txBody>
+          <a:bodyPr spcFirstLastPara="1" wrap="square" lIns="91425" tIns="91425" rIns="91425" bIns="91425" anchor="t" anchorCtr="0">
+            <a:noAutofit/>
+          </a:bodyPr>
+          <a:lstStyle/>
+          <a:p>
+            <a:pPr marL="0" lvl="0" indent="0" algn="l" rtl="0">
+              <a:spcBef>
+                <a:spcPts val="0"/>
+              </a:spcBef>
+              <a:spcAft>
+                <a:spcPts val="0"/>
+              </a:spcAft>
+              <a:buNone/>
+            </a:pPr>
+            <a:endParaRPr/>
+          </a:p>
+        </p:txBody>
+      </p:sp>
+    </p:spTree>
+  </p:cSld>
+  <p:clrMapOvr>
+    <a:masterClrMapping/>
+  </p:clrMapOvr>
+</p:notes>
+</file>
+
+<file path=ppt/notesSlides/notesSlide21.xml><?xml version="1.0" encoding="utf-8"?>
+<p:notes xmlns:a="http://schemas.openxmlformats.org/drawingml/2006/main" xmlns:r="http://schemas.openxmlformats.org/officeDocument/2006/relationships" xmlns:p="http://schemas.openxmlformats.org/presentationml/2006/main" showMasterSp="0" showMasterPhAnim="0">
+  <p:cSld>
+    <p:spTree>
+      <p:nvGrpSpPr>
         <p:cNvPr id="1" name="Shape 193"/>
         <p:cNvGrpSpPr/>
         <p:nvPr/>
@@ -2075,7 +2205,7 @@
 </p:notes>
 </file>
 
-<file path=ppt/notesSlides/notesSlide21.xml><?xml version="1.0" encoding="utf-8"?>
+<file path=ppt/notesSlides/notesSlide22.xml><?xml version="1.0" encoding="utf-8"?>
 <p:notes xmlns:a="http://schemas.openxmlformats.org/drawingml/2006/main" xmlns:r="http://schemas.openxmlformats.org/officeDocument/2006/relationships" xmlns:p="http://schemas.openxmlformats.org/presentationml/2006/main" showMasterSp="0" showMasterPhAnim="0">
   <p:cSld>
     <p:spTree>
@@ -2104,7 +2234,7 @@
         </p:nvSpPr>
         <p:spPr>
           <a:xfrm>
-            <a:off x="381300" y="685800"/>
+            <a:off x="381000" y="685800"/>
             <a:ext cx="6096000" cy="3429000"/>
           </a:xfrm>
           <a:custGeom>
@@ -2179,7 +2309,7 @@
 </p:notes>
 </file>
 
-<file path=ppt/notesSlides/notesSlide22.xml><?xml version="1.0" encoding="utf-8"?>
+<file path=ppt/notesSlides/notesSlide23.xml><?xml version="1.0" encoding="utf-8"?>
 <p:notes xmlns:a="http://schemas.openxmlformats.org/drawingml/2006/main" xmlns:r="http://schemas.openxmlformats.org/officeDocument/2006/relationships" xmlns:p="http://schemas.openxmlformats.org/presentationml/2006/main" showMasterSp="0" showMasterPhAnim="0">
   <p:cSld>
     <p:spTree>
@@ -2208,7 +2338,7 @@
         </p:nvSpPr>
         <p:spPr>
           <a:xfrm>
-            <a:off x="381300" y="685800"/>
+            <a:off x="381000" y="685800"/>
             <a:ext cx="6096000" cy="3429000"/>
           </a:xfrm>
           <a:custGeom>
@@ -2283,7 +2413,7 @@
 </p:notes>
 </file>
 
-<file path=ppt/notesSlides/notesSlide23.xml><?xml version="1.0" encoding="utf-8"?>
+<file path=ppt/notesSlides/notesSlide24.xml><?xml version="1.0" encoding="utf-8"?>
 <p:notes xmlns:a="http://schemas.openxmlformats.org/drawingml/2006/main" xmlns:r="http://schemas.openxmlformats.org/officeDocument/2006/relationships" xmlns:p="http://schemas.openxmlformats.org/presentationml/2006/main" showMasterSp="0" showMasterPhAnim="0">
   <p:cSld>
     <p:spTree>
@@ -2600,6 +2730,214 @@
   <p:cSld>
     <p:spTree>
       <p:nvGrpSpPr>
+        <p:cNvPr id="1" name="Shape 175"/>
+        <p:cNvGrpSpPr/>
+        <p:nvPr/>
+      </p:nvGrpSpPr>
+      <p:grpSpPr>
+        <a:xfrm>
+          <a:off x="0" y="0"/>
+          <a:ext cx="0" cy="0"/>
+          <a:chOff x="0" y="0"/>
+          <a:chExt cx="0" cy="0"/>
+        </a:xfrm>
+      </p:grpSpPr>
+      <p:sp>
+        <p:nvSpPr>
+          <p:cNvPr id="176" name="Google Shape;176;g2203594a410_0_11:notes"/>
+          <p:cNvSpPr>
+            <a:spLocks noGrp="1" noRot="1" noChangeAspect="1"/>
+          </p:cNvSpPr>
+          <p:nvPr>
+            <p:ph type="sldImg" idx="2"/>
+          </p:nvPr>
+        </p:nvSpPr>
+        <p:spPr>
+          <a:xfrm>
+            <a:off x="381000" y="685800"/>
+            <a:ext cx="6096000" cy="3429000"/>
+          </a:xfrm>
+          <a:custGeom>
+            <a:avLst/>
+            <a:gdLst/>
+            <a:ahLst/>
+            <a:cxnLst/>
+            <a:rect l="l" t="t" r="r" b="b"/>
+            <a:pathLst>
+              <a:path w="120000" h="120000" extrusionOk="0">
+                <a:moveTo>
+                  <a:pt x="0" y="0"/>
+                </a:moveTo>
+                <a:lnTo>
+                  <a:pt x="120000" y="0"/>
+                </a:lnTo>
+                <a:lnTo>
+                  <a:pt x="120000" y="120000"/>
+                </a:lnTo>
+                <a:lnTo>
+                  <a:pt x="0" y="120000"/>
+                </a:lnTo>
+                <a:close/>
+              </a:path>
+            </a:pathLst>
+          </a:custGeom>
+        </p:spPr>
+      </p:sp>
+      <p:sp>
+        <p:nvSpPr>
+          <p:cNvPr id="177" name="Google Shape;177;g2203594a410_0_11:notes"/>
+          <p:cNvSpPr txBox="1">
+            <a:spLocks noGrp="1"/>
+          </p:cNvSpPr>
+          <p:nvPr>
+            <p:ph type="body" idx="1"/>
+          </p:nvPr>
+        </p:nvSpPr>
+        <p:spPr>
+          <a:xfrm>
+            <a:off x="685800" y="4343400"/>
+            <a:ext cx="5486400" cy="4114800"/>
+          </a:xfrm>
+          <a:prstGeom prst="rect">
+            <a:avLst/>
+          </a:prstGeom>
+        </p:spPr>
+        <p:txBody>
+          <a:bodyPr spcFirstLastPara="1" wrap="square" lIns="91425" tIns="91425" rIns="91425" bIns="91425" anchor="t" anchorCtr="0">
+            <a:noAutofit/>
+          </a:bodyPr>
+          <a:lstStyle/>
+          <a:p>
+            <a:pPr marL="0" lvl="0" indent="0" algn="l" rtl="0">
+              <a:spcBef>
+                <a:spcPts val="0"/>
+              </a:spcBef>
+              <a:spcAft>
+                <a:spcPts val="0"/>
+              </a:spcAft>
+              <a:buNone/>
+            </a:pPr>
+            <a:endParaRPr/>
+          </a:p>
+        </p:txBody>
+      </p:sp>
+    </p:spTree>
+  </p:cSld>
+  <p:clrMapOvr>
+    <a:masterClrMapping/>
+  </p:clrMapOvr>
+</p:notes>
+</file>
+
+<file path=ppt/notesSlides/notesSlide6.xml><?xml version="1.0" encoding="utf-8"?>
+<p:notes xmlns:a="http://schemas.openxmlformats.org/drawingml/2006/main" xmlns:r="http://schemas.openxmlformats.org/officeDocument/2006/relationships" xmlns:p="http://schemas.openxmlformats.org/presentationml/2006/main" showMasterSp="0" showMasterPhAnim="0">
+  <p:cSld>
+    <p:spTree>
+      <p:nvGrpSpPr>
+        <p:cNvPr id="1" name="Shape 183"/>
+        <p:cNvGrpSpPr/>
+        <p:nvPr/>
+      </p:nvGrpSpPr>
+      <p:grpSpPr>
+        <a:xfrm>
+          <a:off x="0" y="0"/>
+          <a:ext cx="0" cy="0"/>
+          <a:chOff x="0" y="0"/>
+          <a:chExt cx="0" cy="0"/>
+        </a:xfrm>
+      </p:grpSpPr>
+      <p:sp>
+        <p:nvSpPr>
+          <p:cNvPr id="184" name="Google Shape;184;g2203594a410_0_91:notes"/>
+          <p:cNvSpPr>
+            <a:spLocks noGrp="1" noRot="1" noChangeAspect="1"/>
+          </p:cNvSpPr>
+          <p:nvPr>
+            <p:ph type="sldImg" idx="2"/>
+          </p:nvPr>
+        </p:nvSpPr>
+        <p:spPr>
+          <a:xfrm>
+            <a:off x="381000" y="685800"/>
+            <a:ext cx="6096000" cy="3429000"/>
+          </a:xfrm>
+          <a:custGeom>
+            <a:avLst/>
+            <a:gdLst/>
+            <a:ahLst/>
+            <a:cxnLst/>
+            <a:rect l="l" t="t" r="r" b="b"/>
+            <a:pathLst>
+              <a:path w="120000" h="120000" extrusionOk="0">
+                <a:moveTo>
+                  <a:pt x="0" y="0"/>
+                </a:moveTo>
+                <a:lnTo>
+                  <a:pt x="120000" y="0"/>
+                </a:lnTo>
+                <a:lnTo>
+                  <a:pt x="120000" y="120000"/>
+                </a:lnTo>
+                <a:lnTo>
+                  <a:pt x="0" y="120000"/>
+                </a:lnTo>
+                <a:close/>
+              </a:path>
+            </a:pathLst>
+          </a:custGeom>
+        </p:spPr>
+      </p:sp>
+      <p:sp>
+        <p:nvSpPr>
+          <p:cNvPr id="185" name="Google Shape;185;g2203594a410_0_91:notes"/>
+          <p:cNvSpPr txBox="1">
+            <a:spLocks noGrp="1"/>
+          </p:cNvSpPr>
+          <p:nvPr>
+            <p:ph type="body" idx="1"/>
+          </p:nvPr>
+        </p:nvSpPr>
+        <p:spPr>
+          <a:xfrm>
+            <a:off x="685800" y="4343400"/>
+            <a:ext cx="5486400" cy="4114800"/>
+          </a:xfrm>
+          <a:prstGeom prst="rect">
+            <a:avLst/>
+          </a:prstGeom>
+        </p:spPr>
+        <p:txBody>
+          <a:bodyPr spcFirstLastPara="1" wrap="square" lIns="91425" tIns="91425" rIns="91425" bIns="91425" anchor="t" anchorCtr="0">
+            <a:noAutofit/>
+          </a:bodyPr>
+          <a:lstStyle/>
+          <a:p>
+            <a:pPr marL="0" lvl="0" indent="0" algn="l" rtl="0">
+              <a:spcBef>
+                <a:spcPts val="0"/>
+              </a:spcBef>
+              <a:spcAft>
+                <a:spcPts val="0"/>
+              </a:spcAft>
+              <a:buNone/>
+            </a:pPr>
+            <a:endParaRPr/>
+          </a:p>
+        </p:txBody>
+      </p:sp>
+    </p:spTree>
+  </p:cSld>
+  <p:clrMapOvr>
+    <a:masterClrMapping/>
+  </p:clrMapOvr>
+</p:notes>
+</file>
+
+<file path=ppt/notesSlides/notesSlide7.xml><?xml version="1.0" encoding="utf-8"?>
+<p:notes xmlns:a="http://schemas.openxmlformats.org/drawingml/2006/main" xmlns:r="http://schemas.openxmlformats.org/officeDocument/2006/relationships" xmlns:p="http://schemas.openxmlformats.org/presentationml/2006/main" showMasterSp="0" showMasterPhAnim="0">
+  <p:cSld>
+    <p:spTree>
+      <p:nvGrpSpPr>
         <p:cNvPr id="1" name="Shape 74"/>
         <p:cNvGrpSpPr/>
         <p:nvPr/>
@@ -2699,7 +3037,7 @@
 </p:notes>
 </file>
 
-<file path=ppt/notesSlides/notesSlide6.xml><?xml version="1.0" encoding="utf-8"?>
+<file path=ppt/notesSlides/notesSlide8.xml><?xml version="1.0" encoding="utf-8"?>
 <p:notes xmlns:a="http://schemas.openxmlformats.org/drawingml/2006/main" xmlns:r="http://schemas.openxmlformats.org/officeDocument/2006/relationships" xmlns:p="http://schemas.openxmlformats.org/presentationml/2006/main" showMasterSp="0" showMasterPhAnim="0">
   <p:cSld>
     <p:spTree>
@@ -2803,7 +3141,7 @@
 </p:notes>
 </file>
 
-<file path=ppt/notesSlides/notesSlide7.xml><?xml version="1.0" encoding="utf-8"?>
+<file path=ppt/notesSlides/notesSlide9.xml><?xml version="1.0" encoding="utf-8"?>
 <p:notes xmlns:a="http://schemas.openxmlformats.org/drawingml/2006/main" xmlns:r="http://schemas.openxmlformats.org/officeDocument/2006/relationships" xmlns:p="http://schemas.openxmlformats.org/presentationml/2006/main" showMasterSp="0" showMasterPhAnim="0">
   <p:cSld>
     <p:spTree>
@@ -2832,7 +3170,7 @@
         </p:nvSpPr>
         <p:spPr>
           <a:xfrm>
-            <a:off x="381300" y="685800"/>
+            <a:off x="381000" y="685800"/>
             <a:ext cx="6096000" cy="3429000"/>
           </a:xfrm>
           <a:custGeom>
@@ -2864,214 +3202,6 @@
       <p:sp>
         <p:nvSpPr>
           <p:cNvPr id="91" name="Google Shape;91;g2203594a410_0_104:notes"/>
-          <p:cNvSpPr txBox="1">
-            <a:spLocks noGrp="1"/>
-          </p:cNvSpPr>
-          <p:nvPr>
-            <p:ph type="body" idx="1"/>
-          </p:nvPr>
-        </p:nvSpPr>
-        <p:spPr>
-          <a:xfrm>
-            <a:off x="685800" y="4343400"/>
-            <a:ext cx="5486400" cy="4114800"/>
-          </a:xfrm>
-          <a:prstGeom prst="rect">
-            <a:avLst/>
-          </a:prstGeom>
-        </p:spPr>
-        <p:txBody>
-          <a:bodyPr spcFirstLastPara="1" wrap="square" lIns="91425" tIns="91425" rIns="91425" bIns="91425" anchor="t" anchorCtr="0">
-            <a:noAutofit/>
-          </a:bodyPr>
-          <a:lstStyle/>
-          <a:p>
-            <a:pPr marL="0" lvl="0" indent="0" algn="l" rtl="0">
-              <a:spcBef>
-                <a:spcPts val="0"/>
-              </a:spcBef>
-              <a:spcAft>
-                <a:spcPts val="0"/>
-              </a:spcAft>
-              <a:buNone/>
-            </a:pPr>
-            <a:endParaRPr/>
-          </a:p>
-        </p:txBody>
-      </p:sp>
-    </p:spTree>
-  </p:cSld>
-  <p:clrMapOvr>
-    <a:masterClrMapping/>
-  </p:clrMapOvr>
-</p:notes>
-</file>
-
-<file path=ppt/notesSlides/notesSlide8.xml><?xml version="1.0" encoding="utf-8"?>
-<p:notes xmlns:a="http://schemas.openxmlformats.org/drawingml/2006/main" xmlns:r="http://schemas.openxmlformats.org/officeDocument/2006/relationships" xmlns:p="http://schemas.openxmlformats.org/presentationml/2006/main" showMasterSp="0" showMasterPhAnim="0">
-  <p:cSld>
-    <p:spTree>
-      <p:nvGrpSpPr>
-        <p:cNvPr id="1" name="Shape 98"/>
-        <p:cNvGrpSpPr/>
-        <p:nvPr/>
-      </p:nvGrpSpPr>
-      <p:grpSpPr>
-        <a:xfrm>
-          <a:off x="0" y="0"/>
-          <a:ext cx="0" cy="0"/>
-          <a:chOff x="0" y="0"/>
-          <a:chExt cx="0" cy="0"/>
-        </a:xfrm>
-      </p:grpSpPr>
-      <p:sp>
-        <p:nvSpPr>
-          <p:cNvPr id="99" name="Google Shape;99;g2203594a410_0_28:notes"/>
-          <p:cNvSpPr>
-            <a:spLocks noGrp="1" noRot="1" noChangeAspect="1"/>
-          </p:cNvSpPr>
-          <p:nvPr>
-            <p:ph type="sldImg" idx="2"/>
-          </p:nvPr>
-        </p:nvSpPr>
-        <p:spPr>
-          <a:xfrm>
-            <a:off x="381300" y="685800"/>
-            <a:ext cx="6096000" cy="3429000"/>
-          </a:xfrm>
-          <a:custGeom>
-            <a:avLst/>
-            <a:gdLst/>
-            <a:ahLst/>
-            <a:cxnLst/>
-            <a:rect l="l" t="t" r="r" b="b"/>
-            <a:pathLst>
-              <a:path w="120000" h="120000" extrusionOk="0">
-                <a:moveTo>
-                  <a:pt x="0" y="0"/>
-                </a:moveTo>
-                <a:lnTo>
-                  <a:pt x="120000" y="0"/>
-                </a:lnTo>
-                <a:lnTo>
-                  <a:pt x="120000" y="120000"/>
-                </a:lnTo>
-                <a:lnTo>
-                  <a:pt x="0" y="120000"/>
-                </a:lnTo>
-                <a:close/>
-              </a:path>
-            </a:pathLst>
-          </a:custGeom>
-        </p:spPr>
-      </p:sp>
-      <p:sp>
-        <p:nvSpPr>
-          <p:cNvPr id="100" name="Google Shape;100;g2203594a410_0_28:notes"/>
-          <p:cNvSpPr txBox="1">
-            <a:spLocks noGrp="1"/>
-          </p:cNvSpPr>
-          <p:nvPr>
-            <p:ph type="body" idx="1"/>
-          </p:nvPr>
-        </p:nvSpPr>
-        <p:spPr>
-          <a:xfrm>
-            <a:off x="685800" y="4343400"/>
-            <a:ext cx="5486400" cy="4114800"/>
-          </a:xfrm>
-          <a:prstGeom prst="rect">
-            <a:avLst/>
-          </a:prstGeom>
-        </p:spPr>
-        <p:txBody>
-          <a:bodyPr spcFirstLastPara="1" wrap="square" lIns="91425" tIns="91425" rIns="91425" bIns="91425" anchor="t" anchorCtr="0">
-            <a:noAutofit/>
-          </a:bodyPr>
-          <a:lstStyle/>
-          <a:p>
-            <a:pPr marL="0" lvl="0" indent="0" algn="l" rtl="0">
-              <a:spcBef>
-                <a:spcPts val="0"/>
-              </a:spcBef>
-              <a:spcAft>
-                <a:spcPts val="0"/>
-              </a:spcAft>
-              <a:buNone/>
-            </a:pPr>
-            <a:endParaRPr/>
-          </a:p>
-        </p:txBody>
-      </p:sp>
-    </p:spTree>
-  </p:cSld>
-  <p:clrMapOvr>
-    <a:masterClrMapping/>
-  </p:clrMapOvr>
-</p:notes>
-</file>
-
-<file path=ppt/notesSlides/notesSlide9.xml><?xml version="1.0" encoding="utf-8"?>
-<p:notes xmlns:a="http://schemas.openxmlformats.org/drawingml/2006/main" xmlns:r="http://schemas.openxmlformats.org/officeDocument/2006/relationships" xmlns:p="http://schemas.openxmlformats.org/presentationml/2006/main" showMasterSp="0" showMasterPhAnim="0">
-  <p:cSld>
-    <p:spTree>
-      <p:nvGrpSpPr>
-        <p:cNvPr id="1" name="Shape 105"/>
-        <p:cNvGrpSpPr/>
-        <p:nvPr/>
-      </p:nvGrpSpPr>
-      <p:grpSpPr>
-        <a:xfrm>
-          <a:off x="0" y="0"/>
-          <a:ext cx="0" cy="0"/>
-          <a:chOff x="0" y="0"/>
-          <a:chExt cx="0" cy="0"/>
-        </a:xfrm>
-      </p:grpSpPr>
-      <p:sp>
-        <p:nvSpPr>
-          <p:cNvPr id="106" name="Google Shape;106;g2203594a410_0_113:notes"/>
-          <p:cNvSpPr>
-            <a:spLocks noGrp="1" noRot="1" noChangeAspect="1"/>
-          </p:cNvSpPr>
-          <p:nvPr>
-            <p:ph type="sldImg" idx="2"/>
-          </p:nvPr>
-        </p:nvSpPr>
-        <p:spPr>
-          <a:xfrm>
-            <a:off x="381300" y="685800"/>
-            <a:ext cx="6096000" cy="3429000"/>
-          </a:xfrm>
-          <a:custGeom>
-            <a:avLst/>
-            <a:gdLst/>
-            <a:ahLst/>
-            <a:cxnLst/>
-            <a:rect l="l" t="t" r="r" b="b"/>
-            <a:pathLst>
-              <a:path w="120000" h="120000" extrusionOk="0">
-                <a:moveTo>
-                  <a:pt x="0" y="0"/>
-                </a:moveTo>
-                <a:lnTo>
-                  <a:pt x="120000" y="0"/>
-                </a:lnTo>
-                <a:lnTo>
-                  <a:pt x="120000" y="120000"/>
-                </a:lnTo>
-                <a:lnTo>
-                  <a:pt x="0" y="120000"/>
-                </a:lnTo>
-                <a:close/>
-              </a:path>
-            </a:pathLst>
-          </a:custGeom>
-        </p:spPr>
-      </p:sp>
-      <p:sp>
-        <p:nvSpPr>
-          <p:cNvPr id="107" name="Google Shape;107;g2203594a410_0_113:notes"/>
           <p:cNvSpPr txBox="1">
             <a:spLocks noGrp="1"/>
           </p:cNvSpPr>
@@ -7985,6 +8115,300 @@
   <p:cSld>
     <p:spTree>
       <p:nvGrpSpPr>
+        <p:cNvPr id="1" name="Shape 101"/>
+        <p:cNvGrpSpPr/>
+        <p:nvPr/>
+      </p:nvGrpSpPr>
+      <p:grpSpPr>
+        <a:xfrm>
+          <a:off x="0" y="0"/>
+          <a:ext cx="0" cy="0"/>
+          <a:chOff x="0" y="0"/>
+          <a:chExt cx="0" cy="0"/>
+        </a:xfrm>
+      </p:grpSpPr>
+      <p:sp>
+        <p:nvSpPr>
+          <p:cNvPr id="102" name="Google Shape;102;p20"/>
+          <p:cNvSpPr txBox="1">
+            <a:spLocks noGrp="1"/>
+          </p:cNvSpPr>
+          <p:nvPr>
+            <p:ph type="title"/>
+          </p:nvPr>
+        </p:nvSpPr>
+        <p:spPr>
+          <a:xfrm>
+            <a:off x="311700" y="164750"/>
+            <a:ext cx="8520600" cy="572700"/>
+          </a:xfrm>
+          <a:prstGeom prst="rect">
+            <a:avLst/>
+          </a:prstGeom>
+        </p:spPr>
+        <p:txBody>
+          <a:bodyPr spcFirstLastPara="1" wrap="square" lIns="91425" tIns="91425" rIns="91425" bIns="91425" anchor="t" anchorCtr="0">
+            <a:normAutofit fontScale="90000"/>
+          </a:bodyPr>
+          <a:lstStyle/>
+          <a:p>
+            <a:pPr marL="0" lvl="0" indent="0" algn="l" rtl="0">
+              <a:spcBef>
+                <a:spcPts val="0"/>
+              </a:spcBef>
+              <a:spcAft>
+                <a:spcPts val="0"/>
+              </a:spcAft>
+              <a:buNone/>
+            </a:pPr>
+            <a:r>
+              <a:rPr lang="en"/>
+              <a:t>Scalar quantization: non uniform </a:t>
+            </a:r>
+            <a:endParaRPr/>
+          </a:p>
+        </p:txBody>
+      </p:sp>
+      <p:pic>
+        <p:nvPicPr>
+          <p:cNvPr id="103" name="Google Shape;103;p20"/>
+          <p:cNvPicPr preferRelativeResize="0"/>
+          <p:nvPr/>
+        </p:nvPicPr>
+        <p:blipFill>
+          <a:blip r:embed="rId3">
+            <a:alphaModFix/>
+          </a:blip>
+          <a:stretch>
+            <a:fillRect/>
+          </a:stretch>
+        </p:blipFill>
+        <p:spPr>
+          <a:xfrm>
+            <a:off x="152400" y="1170125"/>
+            <a:ext cx="4330575" cy="3552500"/>
+          </a:xfrm>
+          <a:prstGeom prst="rect">
+            <a:avLst/>
+          </a:prstGeom>
+          <a:noFill/>
+          <a:ln>
+            <a:noFill/>
+          </a:ln>
+        </p:spPr>
+      </p:pic>
+      <p:pic>
+        <p:nvPicPr>
+          <p:cNvPr id="104" name="Google Shape;104;p20"/>
+          <p:cNvPicPr preferRelativeResize="0"/>
+          <p:nvPr/>
+        </p:nvPicPr>
+        <p:blipFill>
+          <a:blip r:embed="rId4">
+            <a:alphaModFix/>
+          </a:blip>
+          <a:stretch>
+            <a:fillRect/>
+          </a:stretch>
+        </p:blipFill>
+        <p:spPr>
+          <a:xfrm>
+            <a:off x="5422225" y="1282350"/>
+            <a:ext cx="3100025" cy="3192950"/>
+          </a:xfrm>
+          <a:prstGeom prst="rect">
+            <a:avLst/>
+          </a:prstGeom>
+          <a:noFill/>
+          <a:ln>
+            <a:noFill/>
+          </a:ln>
+        </p:spPr>
+      </p:pic>
+    </p:spTree>
+  </p:cSld>
+  <p:clrMapOvr>
+    <a:masterClrMapping/>
+  </p:clrMapOvr>
+</p:sld>
+</file>
+
+<file path=ppt/slides/slide11.xml><?xml version="1.0" encoding="utf-8"?>
+<p:sld xmlns:a="http://schemas.openxmlformats.org/drawingml/2006/main" xmlns:r="http://schemas.openxmlformats.org/officeDocument/2006/relationships" xmlns:p="http://schemas.openxmlformats.org/presentationml/2006/main">
+  <p:cSld>
+    <p:spTree>
+      <p:nvGrpSpPr>
+        <p:cNvPr id="1" name="Shape 108"/>
+        <p:cNvGrpSpPr/>
+        <p:nvPr/>
+      </p:nvGrpSpPr>
+      <p:grpSpPr>
+        <a:xfrm>
+          <a:off x="0" y="0"/>
+          <a:ext cx="0" cy="0"/>
+          <a:chOff x="0" y="0"/>
+          <a:chExt cx="0" cy="0"/>
+        </a:xfrm>
+      </p:grpSpPr>
+      <p:sp>
+        <p:nvSpPr>
+          <p:cNvPr id="109" name="Google Shape;109;p21"/>
+          <p:cNvSpPr txBox="1">
+            <a:spLocks noGrp="1"/>
+          </p:cNvSpPr>
+          <p:nvPr>
+            <p:ph type="body" idx="1"/>
+          </p:nvPr>
+        </p:nvSpPr>
+        <p:spPr>
+          <a:xfrm>
+            <a:off x="129550" y="695275"/>
+            <a:ext cx="8907900" cy="2482200"/>
+          </a:xfrm>
+          <a:prstGeom prst="rect">
+            <a:avLst/>
+          </a:prstGeom>
+        </p:spPr>
+        <p:txBody>
+          <a:bodyPr spcFirstLastPara="1" wrap="square" lIns="91425" tIns="91425" rIns="91425" bIns="91425" anchor="t" anchorCtr="0">
+            <a:normAutofit/>
+          </a:bodyPr>
+          <a:lstStyle/>
+          <a:p>
+            <a:pPr marL="457200" lvl="0" indent="-342900" algn="l" rtl="0">
+              <a:spcBef>
+                <a:spcPts val="0"/>
+              </a:spcBef>
+              <a:spcAft>
+                <a:spcPts val="0"/>
+              </a:spcAft>
+              <a:buSzPts val="1800"/>
+              <a:buChar char="●"/>
+            </a:pPr>
+            <a:r>
+              <a:rPr lang="en"/>
+              <a:t>Non-uniform PCM quantizers use a non uniform step size that can be determined from the statistical structure of the signal.</a:t>
+            </a:r>
+            <a:endParaRPr/>
+          </a:p>
+          <a:p>
+            <a:pPr marL="457200" lvl="0" indent="-342900" algn="l" rtl="0">
+              <a:spcBef>
+                <a:spcPts val="0"/>
+              </a:spcBef>
+              <a:spcAft>
+                <a:spcPts val="0"/>
+              </a:spcAft>
+              <a:buSzPts val="1800"/>
+              <a:buChar char="●"/>
+            </a:pPr>
+            <a:r>
+              <a:rPr lang="en"/>
+              <a:t>PDF-optimized PCM uses fine step sizes for frequently occurring amplitudes and coarse step sizes for less frequently occurring amplitudes.</a:t>
+            </a:r>
+            <a:endParaRPr/>
+          </a:p>
+          <a:p>
+            <a:pPr marL="457200" lvl="0" indent="-342900" algn="l" rtl="0">
+              <a:spcBef>
+                <a:spcPts val="0"/>
+              </a:spcBef>
+              <a:spcAft>
+                <a:spcPts val="0"/>
+              </a:spcAft>
+              <a:buSzPts val="1800"/>
+              <a:buChar char="●"/>
+            </a:pPr>
+            <a:r>
+              <a:rPr lang="en"/>
+              <a:t>A signal with a Gaussian PDF can be quantized more efficiently by computing the quantization step sizes and the corresponding centroids such that the mean square quantization noise is minimized.</a:t>
+            </a:r>
+            <a:endParaRPr/>
+          </a:p>
+        </p:txBody>
+      </p:sp>
+      <p:pic>
+        <p:nvPicPr>
+          <p:cNvPr id="110" name="Google Shape;110;p21"/>
+          <p:cNvPicPr preferRelativeResize="0"/>
+          <p:nvPr/>
+        </p:nvPicPr>
+        <p:blipFill rotWithShape="1">
+          <a:blip r:embed="rId3">
+            <a:alphaModFix/>
+          </a:blip>
+          <a:srcRect l="3956"/>
+          <a:stretch/>
+        </p:blipFill>
+        <p:spPr>
+          <a:xfrm>
+            <a:off x="4997675" y="2612425"/>
+            <a:ext cx="3704536" cy="2531075"/>
+          </a:xfrm>
+          <a:prstGeom prst="rect">
+            <a:avLst/>
+          </a:prstGeom>
+          <a:noFill/>
+          <a:ln>
+            <a:noFill/>
+          </a:ln>
+        </p:spPr>
+      </p:pic>
+      <p:sp>
+        <p:nvSpPr>
+          <p:cNvPr id="111" name="Google Shape;111;p21"/>
+          <p:cNvSpPr txBox="1">
+            <a:spLocks noGrp="1"/>
+          </p:cNvSpPr>
+          <p:nvPr>
+            <p:ph type="title"/>
+          </p:nvPr>
+        </p:nvSpPr>
+        <p:spPr>
+          <a:xfrm>
+            <a:off x="273600" y="140225"/>
+            <a:ext cx="8520600" cy="572700"/>
+          </a:xfrm>
+          <a:prstGeom prst="rect">
+            <a:avLst/>
+          </a:prstGeom>
+        </p:spPr>
+        <p:txBody>
+          <a:bodyPr spcFirstLastPara="1" wrap="square" lIns="91425" tIns="91425" rIns="91425" bIns="91425" anchor="t" anchorCtr="0">
+            <a:normAutofit fontScale="90000"/>
+          </a:bodyPr>
+          <a:lstStyle/>
+          <a:p>
+            <a:pPr marL="0" lvl="0" indent="0" algn="l" rtl="0">
+              <a:spcBef>
+                <a:spcPts val="0"/>
+              </a:spcBef>
+              <a:spcAft>
+                <a:spcPts val="0"/>
+              </a:spcAft>
+              <a:buNone/>
+            </a:pPr>
+            <a:r>
+              <a:rPr lang="en"/>
+              <a:t>PDF-optimized PCM</a:t>
+            </a:r>
+            <a:endParaRPr/>
+          </a:p>
+        </p:txBody>
+      </p:sp>
+    </p:spTree>
+  </p:cSld>
+  <p:clrMapOvr>
+    <a:masterClrMapping/>
+  </p:clrMapOvr>
+</p:sld>
+</file>
+
+<file path=ppt/slides/slide12.xml><?xml version="1.0" encoding="utf-8"?>
+<p:sld xmlns:a="http://schemas.openxmlformats.org/drawingml/2006/main" xmlns:r="http://schemas.openxmlformats.org/officeDocument/2006/relationships" xmlns:p="http://schemas.openxmlformats.org/presentationml/2006/main">
+  <p:cSld>
+    <p:spTree>
+      <p:nvGrpSpPr>
         <p:cNvPr id="1" name="Shape 115"/>
         <p:cNvGrpSpPr/>
         <p:nvPr/>
@@ -8153,7 +8577,7 @@
 </p:sld>
 </file>
 
-<file path=ppt/slides/slide11.xml><?xml version="1.0" encoding="utf-8"?>
+<file path=ppt/slides/slide13.xml><?xml version="1.0" encoding="utf-8"?>
 <p:sld xmlns:a="http://schemas.openxmlformats.org/drawingml/2006/main" xmlns:r="http://schemas.openxmlformats.org/officeDocument/2006/relationships" xmlns:p="http://schemas.openxmlformats.org/presentationml/2006/main">
   <p:cSld>
     <p:spTree>
@@ -8224,7 +8648,7 @@
         </p:nvSpPr>
         <p:spPr>
           <a:xfrm>
-            <a:off x="68575" y="1000075"/>
+            <a:off x="68575" y="661033"/>
             <a:ext cx="8961000" cy="3416400"/>
           </a:xfrm>
           <a:prstGeom prst="rect">
@@ -8238,6 +8662,9 @@
           <a:lstStyle/>
           <a:p>
             <a:pPr marL="457200" lvl="0" indent="-342900" algn="l" rtl="0">
+              <a:lnSpc>
+                <a:spcPct val="150000"/>
+              </a:lnSpc>
               <a:spcBef>
                 <a:spcPts val="0"/>
               </a:spcBef>
@@ -8248,13 +8675,16 @@
               <a:buChar char="●"/>
             </a:pPr>
             <a:r>
-              <a:rPr lang="en"/>
+              <a:rPr lang="en" dirty="0"/>
               <a:t>DPCM removes redundancy in the signal by exploiting the correlation between adjacent samples.</a:t>
             </a:r>
-            <a:endParaRPr/>
+            <a:endParaRPr dirty="0"/>
           </a:p>
           <a:p>
             <a:pPr marL="457200" lvl="0" indent="-342900" algn="l" rtl="0">
+              <a:lnSpc>
+                <a:spcPct val="150000"/>
+              </a:lnSpc>
               <a:spcBef>
                 <a:spcPts val="0"/>
               </a:spcBef>
@@ -8265,13 +8695,16 @@
               <a:buChar char="●"/>
             </a:pPr>
             <a:r>
-              <a:rPr lang="en"/>
+              <a:rPr lang="en" dirty="0"/>
               <a:t>Simplest DPCM encodes only the difference between successive samples.</a:t>
             </a:r>
-            <a:endParaRPr/>
+            <a:endParaRPr dirty="0"/>
           </a:p>
           <a:p>
             <a:pPr marL="457200" lvl="0" indent="-342900" algn="l" rtl="0">
+              <a:lnSpc>
+                <a:spcPct val="150000"/>
+              </a:lnSpc>
               <a:spcBef>
                 <a:spcPts val="0"/>
               </a:spcBef>
@@ -8282,17 +8715,17 @@
               <a:buChar char="●"/>
             </a:pPr>
             <a:r>
-              <a:rPr lang="en"/>
+              <a:rPr lang="en" dirty="0"/>
               <a:t>Common DPCM incorporates short-term prediction process:     </a:t>
             </a:r>
             <a:br>
-              <a:rPr lang="en"/>
+              <a:rPr lang="en" dirty="0"/>
             </a:br>
             <a:r>
-              <a:rPr lang="en"/>
+              <a:rPr lang="en" dirty="0"/>
               <a:t>                     </a:t>
             </a:r>
-            <a:endParaRPr/>
+            <a:endParaRPr dirty="0"/>
           </a:p>
         </p:txBody>
       </p:sp>
@@ -8360,7 +8793,7 @@
 </p:sld>
 </file>
 
-<file path=ppt/slides/slide12.xml><?xml version="1.0" encoding="utf-8"?>
+<file path=ppt/slides/slide14.xml><?xml version="1.0" encoding="utf-8"?>
 <p:sld xmlns:a="http://schemas.openxmlformats.org/drawingml/2006/main" xmlns:r="http://schemas.openxmlformats.org/officeDocument/2006/relationships" xmlns:p="http://schemas.openxmlformats.org/presentationml/2006/main">
   <p:cSld>
     <p:spTree>
@@ -8455,7 +8888,7 @@
 </p:sld>
 </file>
 
-<file path=ppt/slides/slide13.xml><?xml version="1.0" encoding="utf-8"?>
+<file path=ppt/slides/slide15.xml><?xml version="1.0" encoding="utf-8"?>
 <p:sld xmlns:a="http://schemas.openxmlformats.org/drawingml/2006/main" xmlns:r="http://schemas.openxmlformats.org/officeDocument/2006/relationships" xmlns:p="http://schemas.openxmlformats.org/presentationml/2006/main">
   <p:cSld>
     <p:spTree>
@@ -8572,7 +9005,7 @@
         </p:blipFill>
         <p:spPr>
           <a:xfrm>
-            <a:off x="120025" y="1952625"/>
+            <a:off x="181669" y="1952625"/>
             <a:ext cx="4972050" cy="2647950"/>
           </a:xfrm>
           <a:prstGeom prst="rect">
@@ -8670,7 +9103,7 @@
 </p:sld>
 </file>
 
-<file path=ppt/slides/slide14.xml><?xml version="1.0" encoding="utf-8"?>
+<file path=ppt/slides/slide16.xml><?xml version="1.0" encoding="utf-8"?>
 <p:sld xmlns:a="http://schemas.openxmlformats.org/drawingml/2006/main" xmlns:r="http://schemas.openxmlformats.org/officeDocument/2006/relationships" xmlns:p="http://schemas.openxmlformats.org/presentationml/2006/main">
   <p:cSld>
     <p:spTree>
@@ -8687,6 +9120,163 @@
           <a:chExt cx="0" cy="0"/>
         </a:xfrm>
       </p:grpSpPr>
+      <p:sp>
+        <p:nvSpPr>
+          <p:cNvPr id="148" name="Google Shape;148;p26"/>
+          <p:cNvSpPr txBox="1">
+            <a:spLocks noGrp="1"/>
+          </p:cNvSpPr>
+          <p:nvPr>
+            <p:ph type="body" idx="1"/>
+          </p:nvPr>
+        </p:nvSpPr>
+        <p:spPr>
+          <a:xfrm>
+            <a:off x="83825" y="678175"/>
+            <a:ext cx="8748600" cy="4271700"/>
+          </a:xfrm>
+          <a:prstGeom prst="rect">
+            <a:avLst/>
+          </a:prstGeom>
+        </p:spPr>
+        <p:txBody>
+          <a:bodyPr spcFirstLastPara="1" wrap="square" lIns="91425" tIns="91425" rIns="91425" bIns="91425" anchor="t" anchorCtr="0">
+            <a:normAutofit/>
+          </a:bodyPr>
+          <a:lstStyle/>
+          <a:p>
+            <a:pPr marL="457200" lvl="0" indent="-342900" algn="l" rtl="0">
+              <a:spcBef>
+                <a:spcPts val="0"/>
+              </a:spcBef>
+              <a:spcAft>
+                <a:spcPts val="0"/>
+              </a:spcAft>
+              <a:buSzPts val="1800"/>
+              <a:buChar char="●"/>
+            </a:pPr>
+            <a:r>
+              <a:rPr lang="en" dirty="0"/>
+              <a:t>The quantizer maps the </a:t>
+            </a:r>
+            <a:r>
+              <a:rPr lang="en" dirty="0" err="1"/>
+              <a:t>i-th</a:t>
+            </a:r>
+            <a:r>
+              <a:rPr lang="en" dirty="0"/>
+              <a:t> incoming N vector given by</a:t>
+            </a:r>
+            <a:br>
+              <a:rPr lang="en" dirty="0"/>
+            </a:br>
+            <a:r>
+              <a:rPr lang="en" dirty="0"/>
+              <a:t>                         T                to a n-</a:t>
+            </a:r>
+            <a:r>
+              <a:rPr lang="en" dirty="0" err="1"/>
+              <a:t>th</a:t>
+            </a:r>
+            <a:r>
+              <a:rPr lang="en" dirty="0"/>
+              <a:t> channel symbol </a:t>
+            </a:r>
+            <a:endParaRPr dirty="0"/>
+          </a:p>
+          <a:p>
+            <a:pPr marL="457200" lvl="0" indent="-342900" algn="l" rtl="0">
+              <a:spcBef>
+                <a:spcPts val="0"/>
+              </a:spcBef>
+              <a:spcAft>
+                <a:spcPts val="0"/>
+              </a:spcAft>
+              <a:buSzPts val="1800"/>
+              <a:buChar char="●"/>
+            </a:pPr>
+            <a:r>
+              <a:rPr lang="en" dirty="0"/>
+              <a:t>The codebook consists of L code vectors,</a:t>
+            </a:r>
+            <a:br>
+              <a:rPr lang="en" dirty="0"/>
+            </a:br>
+            <a:r>
+              <a:rPr lang="en" dirty="0"/>
+              <a:t>which reside in the memory of the transmitter and the receiver.</a:t>
+            </a:r>
+            <a:endParaRPr dirty="0"/>
+          </a:p>
+          <a:p>
+            <a:pPr marL="457200" lvl="0" indent="-342900" algn="l" rtl="0">
+              <a:spcBef>
+                <a:spcPts val="0"/>
+              </a:spcBef>
+              <a:spcAft>
+                <a:spcPts val="0"/>
+              </a:spcAft>
+              <a:buSzPts val="1800"/>
+              <a:buChar char="●"/>
+            </a:pPr>
+            <a:r>
+              <a:rPr lang="en" dirty="0"/>
+              <a:t>The input vectors are compared to each codeword and the address of the closest codeword determines the channel symbol to be transmitted.</a:t>
+            </a:r>
+            <a:endParaRPr dirty="0"/>
+          </a:p>
+          <a:p>
+            <a:pPr marL="457200" lvl="0" indent="-342900" algn="l" rtl="0">
+              <a:spcBef>
+                <a:spcPts val="0"/>
+              </a:spcBef>
+              <a:spcAft>
+                <a:spcPts val="0"/>
+              </a:spcAft>
+              <a:buSzPts val="1800"/>
+              <a:buChar char="●"/>
+            </a:pPr>
+            <a:r>
+              <a:rPr lang="en" dirty="0"/>
+              <a:t>The most commonly used distortion measure is the sum of squared errors, </a:t>
+            </a:r>
+            <a:endParaRPr dirty="0"/>
+          </a:p>
+          <a:p>
+            <a:pPr marL="0" lvl="0" indent="0" algn="l" rtl="0">
+              <a:spcBef>
+                <a:spcPts val="1200"/>
+              </a:spcBef>
+              <a:spcAft>
+                <a:spcPts val="0"/>
+              </a:spcAft>
+              <a:buNone/>
+            </a:pPr>
+            <a:r>
+              <a:rPr lang="es-ES" dirty="0"/>
+              <a:t> </a:t>
+            </a:r>
+            <a:endParaRPr dirty="0"/>
+          </a:p>
+          <a:p>
+            <a:pPr marL="457200" lvl="0" indent="-342900" algn="l" rtl="0">
+              <a:spcBef>
+                <a:spcPts val="1200"/>
+              </a:spcBef>
+              <a:spcAft>
+                <a:spcPts val="0"/>
+              </a:spcAft>
+              <a:buSzPts val="1800"/>
+              <a:buChar char="●"/>
+            </a:pPr>
+            <a:r>
+              <a:rPr lang="en" dirty="0"/>
+              <a:t>Fixed codebooks are designed a priori and the basic design procedure involves an initial guess for the codebook and then iterative improvement by using a large number of training vectors.</a:t>
+            </a:r>
+            <a:endParaRPr dirty="0"/>
+          </a:p>
+        </p:txBody>
+      </p:sp>
       <p:pic>
         <p:nvPicPr>
           <p:cNvPr id="147" name="Google Shape;147;p26"/>
@@ -8703,7 +9293,7 @@
         </p:blipFill>
         <p:spPr>
           <a:xfrm>
-            <a:off x="657225" y="2905110"/>
+            <a:off x="2964010" y="2905110"/>
             <a:ext cx="2571750" cy="666750"/>
           </a:xfrm>
           <a:prstGeom prst="rect">
@@ -8715,143 +9305,6 @@
           </a:ln>
         </p:spPr>
       </p:pic>
-      <p:sp>
-        <p:nvSpPr>
-          <p:cNvPr id="148" name="Google Shape;148;p26"/>
-          <p:cNvSpPr txBox="1">
-            <a:spLocks noGrp="1"/>
-          </p:cNvSpPr>
-          <p:nvPr>
-            <p:ph type="body" idx="1"/>
-          </p:nvPr>
-        </p:nvSpPr>
-        <p:spPr>
-          <a:xfrm>
-            <a:off x="83825" y="678175"/>
-            <a:ext cx="8748600" cy="4271700"/>
-          </a:xfrm>
-          <a:prstGeom prst="rect">
-            <a:avLst/>
-          </a:prstGeom>
-        </p:spPr>
-        <p:txBody>
-          <a:bodyPr spcFirstLastPara="1" wrap="square" lIns="91425" tIns="91425" rIns="91425" bIns="91425" anchor="t" anchorCtr="0">
-            <a:normAutofit/>
-          </a:bodyPr>
-          <a:lstStyle/>
-          <a:p>
-            <a:pPr marL="457200" lvl="0" indent="-342900" algn="l" rtl="0">
-              <a:spcBef>
-                <a:spcPts val="0"/>
-              </a:spcBef>
-              <a:spcAft>
-                <a:spcPts val="0"/>
-              </a:spcAft>
-              <a:buSzPts val="1800"/>
-              <a:buChar char="●"/>
-            </a:pPr>
-            <a:r>
-              <a:rPr lang="en"/>
-              <a:t>The quantizer maps the i-th incoming [N x 1] vector given by</a:t>
-            </a:r>
-            <a:br>
-              <a:rPr lang="en"/>
-            </a:br>
-            <a:r>
-              <a:rPr lang="en"/>
-              <a:t>                         T                to a n-th channel symbol </a:t>
-            </a:r>
-            <a:endParaRPr/>
-          </a:p>
-          <a:p>
-            <a:pPr marL="457200" lvl="0" indent="-342900" algn="l" rtl="0">
-              <a:spcBef>
-                <a:spcPts val="0"/>
-              </a:spcBef>
-              <a:spcAft>
-                <a:spcPts val="0"/>
-              </a:spcAft>
-              <a:buSzPts val="1800"/>
-              <a:buChar char="●"/>
-            </a:pPr>
-            <a:r>
-              <a:rPr lang="en"/>
-              <a:t>The codebook consists of L code vectors,</a:t>
-            </a:r>
-            <a:br>
-              <a:rPr lang="en"/>
-            </a:br>
-            <a:r>
-              <a:rPr lang="en"/>
-              <a:t>which reside in the memory of the transmitter and the receiver.</a:t>
-            </a:r>
-            <a:endParaRPr/>
-          </a:p>
-          <a:p>
-            <a:pPr marL="457200" lvl="0" indent="-342900" algn="l" rtl="0">
-              <a:spcBef>
-                <a:spcPts val="0"/>
-              </a:spcBef>
-              <a:spcAft>
-                <a:spcPts val="0"/>
-              </a:spcAft>
-              <a:buSzPts val="1800"/>
-              <a:buChar char="●"/>
-            </a:pPr>
-            <a:r>
-              <a:rPr lang="en"/>
-              <a:t>The input vectors are compared to each codeword and the address of the closest codeword determines the channel symbol to be transmitted.</a:t>
-            </a:r>
-            <a:endParaRPr/>
-          </a:p>
-          <a:p>
-            <a:pPr marL="457200" lvl="0" indent="-342900" algn="l" rtl="0">
-              <a:spcBef>
-                <a:spcPts val="0"/>
-              </a:spcBef>
-              <a:spcAft>
-                <a:spcPts val="0"/>
-              </a:spcAft>
-              <a:buSzPts val="1800"/>
-              <a:buChar char="●"/>
-            </a:pPr>
-            <a:r>
-              <a:rPr lang="en"/>
-              <a:t>The most commonly used distortion measure is the sum of squared errors, </a:t>
-            </a:r>
-            <a:endParaRPr/>
-          </a:p>
-          <a:p>
-            <a:pPr marL="0" lvl="0" indent="0" algn="l" rtl="0">
-              <a:spcBef>
-                <a:spcPts val="1200"/>
-              </a:spcBef>
-              <a:spcAft>
-                <a:spcPts val="0"/>
-              </a:spcAft>
-              <a:buNone/>
-            </a:pPr>
-            <a:endParaRPr/>
-          </a:p>
-          <a:p>
-            <a:pPr marL="457200" lvl="0" indent="-342900" algn="l" rtl="0">
-              <a:spcBef>
-                <a:spcPts val="1200"/>
-              </a:spcBef>
-              <a:spcAft>
-                <a:spcPts val="0"/>
-              </a:spcAft>
-              <a:buSzPts val="1800"/>
-              <a:buChar char="●"/>
-            </a:pPr>
-            <a:r>
-              <a:rPr lang="en"/>
-              <a:t>Fixed codebooks are designed a priori and the basic design procedure involves an initial guess for the codebook and then iterative improvement by using a large number of training vectors.</a:t>
-            </a:r>
-            <a:endParaRPr/>
-          </a:p>
-        </p:txBody>
-      </p:sp>
       <p:pic>
         <p:nvPicPr>
           <p:cNvPr id="149" name="Google Shape;149;p26"/>
@@ -8944,7 +9397,7 @@
 </p:sld>
 </file>
 
-<file path=ppt/slides/slide15.xml><?xml version="1.0" encoding="utf-8"?>
+<file path=ppt/slides/slide17.xml><?xml version="1.0" encoding="utf-8"?>
 <p:sld xmlns:a="http://schemas.openxmlformats.org/drawingml/2006/main" xmlns:r="http://schemas.openxmlformats.org/officeDocument/2006/relationships" xmlns:p="http://schemas.openxmlformats.org/presentationml/2006/main">
   <p:cSld>
     <p:spTree>
@@ -8973,7 +9426,7 @@
         </p:nvSpPr>
         <p:spPr>
           <a:xfrm>
-            <a:off x="311700" y="445025"/>
+            <a:off x="311700" y="306479"/>
             <a:ext cx="8520600" cy="572700"/>
           </a:xfrm>
           <a:prstGeom prst="rect">
@@ -8996,10 +9449,10 @@
               <a:buNone/>
             </a:pPr>
             <a:r>
-              <a:rPr lang="en"/>
+              <a:rPr lang="en" dirty="0"/>
               <a:t>Structured VQ</a:t>
             </a:r>
-            <a:endParaRPr/>
+            <a:endParaRPr dirty="0"/>
           </a:p>
         </p:txBody>
       </p:sp>
@@ -9099,7 +9552,7 @@
 </p:sld>
 </file>
 
-<file path=ppt/slides/slide16.xml><?xml version="1.0" encoding="utf-8"?>
+<file path=ppt/slides/slide18.xml><?xml version="1.0" encoding="utf-8"?>
 <p:sld xmlns:a="http://schemas.openxmlformats.org/drawingml/2006/main" xmlns:r="http://schemas.openxmlformats.org/officeDocument/2006/relationships" xmlns:p="http://schemas.openxmlformats.org/presentationml/2006/main">
   <p:cSld>
     <p:spTree>
@@ -9170,7 +9623,7 @@
         </p:nvSpPr>
         <p:spPr>
           <a:xfrm>
-            <a:off x="311700" y="847675"/>
+            <a:off x="311700" y="653712"/>
             <a:ext cx="8520600" cy="3416400"/>
           </a:xfrm>
           <a:prstGeom prst="rect">
@@ -9194,10 +9647,10 @@
               <a:buChar char="●"/>
             </a:pPr>
             <a:r>
-              <a:rPr lang="en"/>
+              <a:rPr lang="en" dirty="0"/>
               <a:t>A bit-allocation algorithm determines the number of bits required to quantize an audio frame with reduced audible distortion.</a:t>
             </a:r>
-            <a:endParaRPr/>
+            <a:endParaRPr dirty="0"/>
           </a:p>
           <a:p>
             <a:pPr marL="457200" lvl="0" indent="-342900" algn="l" rtl="0">
@@ -9211,31 +9664,59 @@
               <a:buChar char="●"/>
             </a:pPr>
             <a:r>
-              <a:rPr lang="en"/>
+              <a:rPr lang="en" dirty="0"/>
               <a:t>Bit-allocation can be based on perceptual rules or spectral characteristics.</a:t>
             </a:r>
-            <a:endParaRPr/>
+            <a:endParaRPr dirty="0"/>
           </a:p>
         </p:txBody>
       </p:sp>
       <p:pic>
         <p:nvPicPr>
-          <p:cNvPr id="165" name="Google Shape;165;p28"/>
-          <p:cNvPicPr preferRelativeResize="0"/>
+          <p:cNvPr id="3" name="Picture 2" descr="A table with numbers and symbols&#10;&#10;Description automatically generated">
+            <a:extLst>
+              <a:ext uri="{FF2B5EF4-FFF2-40B4-BE49-F238E27FC236}">
+                <a16:creationId xmlns:a16="http://schemas.microsoft.com/office/drawing/2014/main" id="{ACBF3AA0-2776-8F2A-5E2F-4233B47C68F9}"/>
+              </a:ext>
+            </a:extLst>
+          </p:cNvPr>
+          <p:cNvPicPr>
+            <a:picLocks noChangeAspect="1"/>
+          </p:cNvPicPr>
           <p:nvPr/>
         </p:nvPicPr>
         <p:blipFill>
-          <a:blip r:embed="rId3">
-            <a:alphaModFix/>
-          </a:blip>
+          <a:blip r:embed="rId3"/>
           <a:stretch>
             <a:fillRect/>
           </a:stretch>
         </p:blipFill>
         <p:spPr>
-          <a:xfrm rot="5400000">
-            <a:off x="3076013" y="-660462"/>
-            <a:ext cx="3064551" cy="8347874"/>
+          <a:xfrm>
+            <a:off x="2037757" y="1750537"/>
+            <a:ext cx="5068486" cy="2878668"/>
+          </a:xfrm>
+          <a:prstGeom prst="rect">
+            <a:avLst/>
+          </a:prstGeom>
+        </p:spPr>
+      </p:pic>
+      <p:sp>
+        <p:nvSpPr>
+          <p:cNvPr id="4" name="Google Shape;174;p29">
+            <a:extLst>
+              <a:ext uri="{FF2B5EF4-FFF2-40B4-BE49-F238E27FC236}">
+                <a16:creationId xmlns:a16="http://schemas.microsoft.com/office/drawing/2014/main" id="{7B1C450D-79B8-685A-37BD-E7D79186E95F}"/>
+              </a:ext>
+            </a:extLst>
+          </p:cNvPr>
+          <p:cNvSpPr txBox="1"/>
+          <p:nvPr/>
+        </p:nvSpPr>
+        <p:spPr>
+          <a:xfrm>
+            <a:off x="1731817" y="4549957"/>
+            <a:ext cx="5583383" cy="430857"/>
           </a:xfrm>
           <a:prstGeom prst="rect">
             <a:avLst/>
@@ -9245,7 +9726,77 @@
             <a:noFill/>
           </a:ln>
         </p:spPr>
-      </p:pic>
+        <p:txBody>
+          <a:bodyPr spcFirstLastPara="1" wrap="square" lIns="91425" tIns="91425" rIns="91425" bIns="91425" anchor="t" anchorCtr="0">
+            <a:spAutoFit/>
+          </a:bodyPr>
+          <a:lstStyle/>
+          <a:p>
+            <a:pPr marL="0" lvl="0" indent="0" algn="ctr" rtl="0">
+              <a:spcBef>
+                <a:spcPts val="0"/>
+              </a:spcBef>
+              <a:spcAft>
+                <a:spcPts val="0"/>
+              </a:spcAft>
+              <a:buNone/>
+            </a:pPr>
+            <a:r>
+              <a:rPr lang="en" sz="1600" dirty="0">
+                <a:solidFill>
+                  <a:schemeClr val="dk2"/>
+                </a:solidFill>
+              </a:rPr>
+              <a:t>N = 64 bits available, </a:t>
+            </a:r>
+            <a:r>
+              <a:rPr lang="en" sz="1600" dirty="0" err="1">
+                <a:solidFill>
+                  <a:schemeClr val="dk2"/>
+                </a:solidFill>
+              </a:rPr>
+              <a:t>N_f</a:t>
+            </a:r>
+            <a:r>
+              <a:rPr lang="en" sz="1600" dirty="0">
+                <a:solidFill>
+                  <a:schemeClr val="dk2"/>
+                </a:solidFill>
+              </a:rPr>
+              <a:t> = 16 samples -&gt; </a:t>
+            </a:r>
+            <a:r>
+              <a:rPr lang="en" sz="1600" dirty="0" err="1">
+                <a:solidFill>
+                  <a:schemeClr val="dk2"/>
+                </a:solidFill>
+              </a:rPr>
+              <a:t>n_i</a:t>
+            </a:r>
+            <a:r>
+              <a:rPr lang="en" sz="1600" dirty="0">
+                <a:solidFill>
+                  <a:schemeClr val="dk2"/>
+                </a:solidFill>
+              </a:rPr>
+              <a:t> = 4 for all </a:t>
+            </a:r>
+            <a:r>
+              <a:rPr lang="en" sz="1600" dirty="0" err="1">
+                <a:solidFill>
+                  <a:schemeClr val="dk2"/>
+                </a:solidFill>
+              </a:rPr>
+              <a:t>i</a:t>
+            </a:r>
+            <a:endParaRPr sz="1600" dirty="0">
+              <a:solidFill>
+                <a:schemeClr val="dk2"/>
+              </a:solidFill>
+            </a:endParaRPr>
+          </a:p>
+        </p:txBody>
+      </p:sp>
     </p:spTree>
   </p:cSld>
   <p:clrMapOvr>
@@ -9254,12 +9805,18 @@
 </p:sld>
 </file>
 
-<file path=ppt/slides/slide17.xml><?xml version="1.0" encoding="utf-8"?>
+<file path=ppt/slides/slide19.xml><?xml version="1.0" encoding="utf-8"?>
 <p:sld xmlns:a="http://schemas.openxmlformats.org/drawingml/2006/main" xmlns:r="http://schemas.openxmlformats.org/officeDocument/2006/relationships" xmlns:p="http://schemas.openxmlformats.org/presentationml/2006/main">
   <p:cSld>
     <p:spTree>
       <p:nvGrpSpPr>
-        <p:cNvPr id="1" name="Shape 169"/>
+        <p:cNvPr id="1" name="Shape 162">
+          <a:extLst>
+            <a:ext uri="{FF2B5EF4-FFF2-40B4-BE49-F238E27FC236}">
+              <a16:creationId xmlns:a16="http://schemas.microsoft.com/office/drawing/2014/main" id="{5DE32F10-2737-140A-F22D-5248934095FF}"/>
+            </a:ext>
+          </a:extLst>
+        </p:cNvPr>
         <p:cNvGrpSpPr/>
         <p:nvPr/>
       </p:nvGrpSpPr>
@@ -9273,408 +9830,13 @@
       </p:grpSpPr>
       <p:pic>
         <p:nvPicPr>
-          <p:cNvPr id="170" name="Google Shape;170;p29"/>
-          <p:cNvPicPr preferRelativeResize="0"/>
-          <p:nvPr/>
-        </p:nvPicPr>
-        <p:blipFill rotWithShape="1">
-          <a:blip r:embed="rId3">
-            <a:alphaModFix/>
-          </a:blip>
-          <a:srcRect r="3446"/>
-          <a:stretch/>
-        </p:blipFill>
-        <p:spPr>
-          <a:xfrm>
-            <a:off x="4549125" y="1301940"/>
-            <a:ext cx="1699275" cy="517050"/>
-          </a:xfrm>
-          <a:prstGeom prst="rect">
-            <a:avLst/>
-          </a:prstGeom>
-          <a:noFill/>
-          <a:ln>
-            <a:noFill/>
-          </a:ln>
-        </p:spPr>
-      </p:pic>
-      <p:sp>
-        <p:nvSpPr>
-          <p:cNvPr id="171" name="Google Shape;171;p29"/>
-          <p:cNvSpPr txBox="1">
-            <a:spLocks noGrp="1"/>
-          </p:cNvSpPr>
-          <p:nvPr>
-            <p:ph type="body" idx="1"/>
-          </p:nvPr>
-        </p:nvSpPr>
-        <p:spPr>
-          <a:xfrm>
-            <a:off x="311700" y="695275"/>
-            <a:ext cx="8520600" cy="3416400"/>
-          </a:xfrm>
-          <a:prstGeom prst="rect">
-            <a:avLst/>
-          </a:prstGeom>
-        </p:spPr>
-        <p:txBody>
-          <a:bodyPr spcFirstLastPara="1" wrap="square" lIns="91425" tIns="91425" rIns="91425" bIns="91425" anchor="t" anchorCtr="0">
-            <a:normAutofit/>
-          </a:bodyPr>
-          <a:lstStyle/>
-          <a:p>
-            <a:pPr marL="457200" lvl="0" indent="-342900" algn="l" rtl="0">
-              <a:spcBef>
-                <a:spcPts val="0"/>
-              </a:spcBef>
-              <a:spcAft>
-                <a:spcPts val="0"/>
-              </a:spcAft>
-              <a:buSzPts val="1800"/>
-              <a:buChar char="●"/>
-            </a:pPr>
-            <a:r>
-              <a:rPr lang="en"/>
-              <a:t>Entropy is a measure of uncertainty of a random variable.</a:t>
-            </a:r>
-            <a:endParaRPr/>
-          </a:p>
-          <a:p>
-            <a:pPr marL="457200" lvl="0" indent="-342900" algn="l" rtl="0">
-              <a:spcBef>
-                <a:spcPts val="0"/>
-              </a:spcBef>
-              <a:spcAft>
-                <a:spcPts val="0"/>
-              </a:spcAft>
-              <a:buSzPts val="1800"/>
-              <a:buChar char="●"/>
-            </a:pPr>
-            <a:r>
-              <a:rPr lang="en"/>
-              <a:t>Shannon proved that the minimum number of bits required to encode a message, X, is given by the entropy,                       ,   , where p_i is the probability that the ith symbol is transmitted.</a:t>
-            </a:r>
-            <a:endParaRPr/>
-          </a:p>
-          <a:p>
-            <a:pPr marL="457200" lvl="0" indent="-342900" algn="l" rtl="0">
-              <a:spcBef>
-                <a:spcPts val="0"/>
-              </a:spcBef>
-              <a:spcAft>
-                <a:spcPts val="0"/>
-              </a:spcAft>
-              <a:buSzPts val="1800"/>
-              <a:buChar char="●"/>
-            </a:pPr>
-            <a:r>
-              <a:rPr lang="en"/>
-              <a:t>Typical probability of audio samples: Laplace distribution.</a:t>
-            </a:r>
-            <a:endParaRPr/>
-          </a:p>
-          <a:p>
-            <a:pPr marL="457200" lvl="0" indent="0" algn="l" rtl="0">
-              <a:spcBef>
-                <a:spcPts val="1200"/>
-              </a:spcBef>
-              <a:spcAft>
-                <a:spcPts val="1200"/>
-              </a:spcAft>
-              <a:buNone/>
-            </a:pPr>
-            <a:endParaRPr/>
-          </a:p>
-        </p:txBody>
-      </p:sp>
-      <p:sp>
-        <p:nvSpPr>
-          <p:cNvPr id="172" name="Google Shape;172;p29"/>
-          <p:cNvSpPr txBox="1">
-            <a:spLocks noGrp="1"/>
-          </p:cNvSpPr>
-          <p:nvPr>
-            <p:ph type="title"/>
-          </p:nvPr>
-        </p:nvSpPr>
-        <p:spPr>
-          <a:xfrm>
-            <a:off x="311700" y="140225"/>
-            <a:ext cx="8520600" cy="572700"/>
-          </a:xfrm>
-          <a:prstGeom prst="rect">
-            <a:avLst/>
-          </a:prstGeom>
-        </p:spPr>
-        <p:txBody>
-          <a:bodyPr spcFirstLastPara="1" wrap="square" lIns="91425" tIns="91425" rIns="91425" bIns="91425" anchor="t" anchorCtr="0">
-            <a:normAutofit fontScale="90000"/>
-          </a:bodyPr>
-          <a:lstStyle/>
-          <a:p>
-            <a:pPr marL="0" lvl="0" indent="0" algn="l" rtl="0">
-              <a:spcBef>
-                <a:spcPts val="0"/>
-              </a:spcBef>
-              <a:spcAft>
-                <a:spcPts val="0"/>
-              </a:spcAft>
-              <a:buNone/>
-            </a:pPr>
-            <a:r>
-              <a:rPr lang="en"/>
-              <a:t>Entropy coding</a:t>
-            </a:r>
-            <a:endParaRPr/>
-          </a:p>
-        </p:txBody>
-      </p:sp>
-      <p:pic>
-        <p:nvPicPr>
-          <p:cNvPr id="173" name="Google Shape;173;p29"/>
-          <p:cNvPicPr preferRelativeResize="0"/>
-          <p:nvPr/>
-        </p:nvPicPr>
-        <p:blipFill>
-          <a:blip r:embed="rId4">
-            <a:alphaModFix/>
-          </a:blip>
-          <a:stretch>
-            <a:fillRect/>
-          </a:stretch>
-        </p:blipFill>
-        <p:spPr>
-          <a:xfrm>
-            <a:off x="1899275" y="2571750"/>
-            <a:ext cx="5194950" cy="1965375"/>
-          </a:xfrm>
-          <a:prstGeom prst="rect">
-            <a:avLst/>
-          </a:prstGeom>
-          <a:noFill/>
-          <a:ln>
-            <a:noFill/>
-          </a:ln>
-        </p:spPr>
-      </p:pic>
-      <p:sp>
-        <p:nvSpPr>
-          <p:cNvPr id="174" name="Google Shape;174;p29"/>
-          <p:cNvSpPr txBox="1"/>
-          <p:nvPr/>
-        </p:nvSpPr>
-        <p:spPr>
-          <a:xfrm>
-            <a:off x="2705225" y="4537125"/>
-            <a:ext cx="3322200" cy="461700"/>
-          </a:xfrm>
-          <a:prstGeom prst="rect">
-            <a:avLst/>
-          </a:prstGeom>
-          <a:noFill/>
-          <a:ln>
-            <a:noFill/>
-          </a:ln>
-        </p:spPr>
-        <p:txBody>
-          <a:bodyPr spcFirstLastPara="1" wrap="square" lIns="91425" tIns="91425" rIns="91425" bIns="91425" anchor="t" anchorCtr="0">
-            <a:spAutoFit/>
-          </a:bodyPr>
-          <a:lstStyle/>
-          <a:p>
-            <a:pPr marL="0" lvl="0" indent="0" algn="l" rtl="0">
-              <a:spcBef>
-                <a:spcPts val="0"/>
-              </a:spcBef>
-              <a:spcAft>
-                <a:spcPts val="0"/>
-              </a:spcAft>
-              <a:buNone/>
-            </a:pPr>
-            <a:r>
-              <a:rPr lang="en" sz="1800">
-                <a:solidFill>
-                  <a:schemeClr val="dk2"/>
-                </a:solidFill>
-              </a:rPr>
-              <a:t>Example of an entropy code</a:t>
-            </a:r>
-            <a:endParaRPr sz="1800">
-              <a:solidFill>
-                <a:schemeClr val="dk2"/>
-              </a:solidFill>
-            </a:endParaRPr>
-          </a:p>
-        </p:txBody>
-      </p:sp>
-    </p:spTree>
-  </p:cSld>
-  <p:clrMapOvr>
-    <a:masterClrMapping/>
-  </p:clrMapOvr>
-</p:sld>
-</file>
-
-<file path=ppt/slides/slide18.xml><?xml version="1.0" encoding="utf-8"?>
-<p:sld xmlns:a="http://schemas.openxmlformats.org/drawingml/2006/main" xmlns:r="http://schemas.openxmlformats.org/officeDocument/2006/relationships" xmlns:p="http://schemas.openxmlformats.org/presentationml/2006/main">
-  <p:cSld>
-    <p:spTree>
-      <p:nvGrpSpPr>
-        <p:cNvPr id="1" name="Shape 178"/>
-        <p:cNvGrpSpPr/>
-        <p:nvPr/>
-      </p:nvGrpSpPr>
-      <p:grpSpPr>
-        <a:xfrm>
-          <a:off x="0" y="0"/>
-          <a:ext cx="0" cy="0"/>
-          <a:chOff x="0" y="0"/>
-          <a:chExt cx="0" cy="0"/>
-        </a:xfrm>
-      </p:grpSpPr>
-      <p:sp>
-        <p:nvSpPr>
-          <p:cNvPr id="179" name="Google Shape;179;p30"/>
-          <p:cNvSpPr txBox="1">
-            <a:spLocks noGrp="1"/>
-          </p:cNvSpPr>
-          <p:nvPr>
-            <p:ph type="title"/>
-          </p:nvPr>
-        </p:nvSpPr>
-        <p:spPr>
-          <a:xfrm>
-            <a:off x="311700" y="292625"/>
-            <a:ext cx="8520600" cy="572700"/>
-          </a:xfrm>
-          <a:prstGeom prst="rect">
-            <a:avLst/>
-          </a:prstGeom>
-        </p:spPr>
-        <p:txBody>
-          <a:bodyPr spcFirstLastPara="1" wrap="square" lIns="91425" tIns="91425" rIns="91425" bIns="91425" anchor="t" anchorCtr="0">
-            <a:normAutofit fontScale="90000"/>
-          </a:bodyPr>
-          <a:lstStyle/>
-          <a:p>
-            <a:pPr marL="0" lvl="0" indent="0" algn="l" rtl="0">
-              <a:spcBef>
-                <a:spcPts val="0"/>
-              </a:spcBef>
-              <a:spcAft>
-                <a:spcPts val="0"/>
-              </a:spcAft>
-              <a:buNone/>
-            </a:pPr>
-            <a:r>
-              <a:rPr lang="en"/>
-              <a:t>Probability density functions</a:t>
-            </a:r>
-            <a:endParaRPr/>
-          </a:p>
-        </p:txBody>
-      </p:sp>
-      <p:sp>
-        <p:nvSpPr>
-          <p:cNvPr id="180" name="Google Shape;180;p30"/>
-          <p:cNvSpPr txBox="1">
-            <a:spLocks noGrp="1"/>
-          </p:cNvSpPr>
-          <p:nvPr>
-            <p:ph type="body" idx="1"/>
-          </p:nvPr>
-        </p:nvSpPr>
-        <p:spPr>
-          <a:xfrm>
-            <a:off x="311700" y="1152475"/>
-            <a:ext cx="8520600" cy="3416400"/>
-          </a:xfrm>
-          <a:prstGeom prst="rect">
-            <a:avLst/>
-          </a:prstGeom>
-        </p:spPr>
-        <p:txBody>
-          <a:bodyPr spcFirstLastPara="1" wrap="square" lIns="91425" tIns="91425" rIns="91425" bIns="91425" anchor="t" anchorCtr="0">
-            <a:normAutofit/>
-          </a:bodyPr>
-          <a:lstStyle/>
-          <a:p>
-            <a:pPr marL="0" lvl="0" indent="0" algn="l" rtl="0">
-              <a:spcBef>
-                <a:spcPts val="0"/>
-              </a:spcBef>
-              <a:spcAft>
-                <a:spcPts val="0"/>
-              </a:spcAft>
-              <a:buNone/>
-            </a:pPr>
-            <a:r>
-              <a:rPr lang="en"/>
-              <a:t>A random process can be characterized by its probability density function (PDF), which is a non-negative function p(x), whose properties are</a:t>
-            </a:r>
-            <a:endParaRPr/>
-          </a:p>
-          <a:p>
-            <a:pPr marL="0" lvl="0" indent="0" algn="l" rtl="0">
-              <a:spcBef>
-                <a:spcPts val="1200"/>
-              </a:spcBef>
-              <a:spcAft>
-                <a:spcPts val="0"/>
-              </a:spcAft>
-              <a:buNone/>
-            </a:pPr>
-            <a:endParaRPr/>
-          </a:p>
-          <a:p>
-            <a:pPr marL="0" lvl="0" indent="0" algn="l" rtl="0">
-              <a:spcBef>
-                <a:spcPts val="1200"/>
-              </a:spcBef>
-              <a:spcAft>
-                <a:spcPts val="0"/>
-              </a:spcAft>
-              <a:buNone/>
-            </a:pPr>
-            <a:r>
-              <a:rPr lang="en"/>
-              <a:t>and</a:t>
-            </a:r>
-            <a:endParaRPr/>
-          </a:p>
-          <a:p>
-            <a:pPr marL="0" lvl="0" indent="0" algn="l" rtl="0">
-              <a:spcBef>
-                <a:spcPts val="1200"/>
-              </a:spcBef>
-              <a:spcAft>
-                <a:spcPts val="0"/>
-              </a:spcAft>
-              <a:buNone/>
-            </a:pPr>
-            <a:endParaRPr/>
-          </a:p>
-          <a:p>
-            <a:pPr marL="0" lvl="0" indent="0" algn="l" rtl="0">
-              <a:spcBef>
-                <a:spcPts val="1200"/>
-              </a:spcBef>
-              <a:spcAft>
-                <a:spcPts val="1200"/>
-              </a:spcAft>
-              <a:buNone/>
-            </a:pPr>
-            <a:r>
-              <a:rPr lang="en"/>
-              <a:t>the PDF area, from x1 to x2, is the probability that the random variable X is observed in this range. </a:t>
-            </a:r>
-            <a:endParaRPr/>
-          </a:p>
-        </p:txBody>
-      </p:sp>
-      <p:pic>
-        <p:nvPicPr>
-          <p:cNvPr id="181" name="Google Shape;181;p30"/>
+          <p:cNvPr id="6" name="Google Shape;165;p28">
+            <a:extLst>
+              <a:ext uri="{FF2B5EF4-FFF2-40B4-BE49-F238E27FC236}">
+                <a16:creationId xmlns:a16="http://schemas.microsoft.com/office/drawing/2014/main" id="{4FF54645-FD8B-6E68-C973-97444CCEC67D}"/>
+              </a:ext>
+            </a:extLst>
+          </p:cNvPr>
           <p:cNvPicPr preferRelativeResize="0"/>
           <p:nvPr/>
         </p:nvPicPr>
@@ -9687,9 +9849,9 @@
           </a:stretch>
         </p:blipFill>
         <p:spPr>
-          <a:xfrm>
-            <a:off x="3668088" y="1895463"/>
-            <a:ext cx="1609725" cy="638175"/>
+          <a:xfrm rot="5400000">
+            <a:off x="3096797" y="-889063"/>
+            <a:ext cx="3064551" cy="8347874"/>
           </a:xfrm>
           <a:prstGeom prst="rect">
             <a:avLst/>
@@ -9700,62 +9862,15 @@
           </a:ln>
         </p:spPr>
       </p:pic>
-      <p:pic>
-        <p:nvPicPr>
-          <p:cNvPr id="182" name="Google Shape;182;p30"/>
-          <p:cNvPicPr preferRelativeResize="0"/>
-          <p:nvPr/>
-        </p:nvPicPr>
-        <p:blipFill>
-          <a:blip r:embed="rId4">
-            <a:alphaModFix/>
-          </a:blip>
-          <a:stretch>
-            <a:fillRect/>
-          </a:stretch>
-        </p:blipFill>
-        <p:spPr>
-          <a:xfrm>
-            <a:off x="2993713" y="2767950"/>
-            <a:ext cx="2790825" cy="666750"/>
-          </a:xfrm>
-          <a:prstGeom prst="rect">
-            <a:avLst/>
-          </a:prstGeom>
-          <a:noFill/>
-          <a:ln>
-            <a:noFill/>
-          </a:ln>
-        </p:spPr>
-      </p:pic>
-    </p:spTree>
-  </p:cSld>
-  <p:clrMapOvr>
-    <a:masterClrMapping/>
-  </p:clrMapOvr>
-</p:sld>
-</file>
-
-<file path=ppt/slides/slide19.xml><?xml version="1.0" encoding="utf-8"?>
-<p:sld xmlns:a="http://schemas.openxmlformats.org/drawingml/2006/main" xmlns:r="http://schemas.openxmlformats.org/officeDocument/2006/relationships" xmlns:p="http://schemas.openxmlformats.org/presentationml/2006/main">
-  <p:cSld>
-    <p:spTree>
-      <p:nvGrpSpPr>
-        <p:cNvPr id="1" name="Shape 186"/>
-        <p:cNvGrpSpPr/>
-        <p:nvPr/>
-      </p:nvGrpSpPr>
-      <p:grpSpPr>
-        <a:xfrm>
-          <a:off x="0" y="0"/>
-          <a:ext cx="0" cy="0"/>
-          <a:chOff x="0" y="0"/>
-          <a:chExt cx="0" cy="0"/>
-        </a:xfrm>
-      </p:grpSpPr>
       <p:sp>
         <p:nvSpPr>
-          <p:cNvPr id="187" name="Google Shape;187;p31"/>
+          <p:cNvPr id="7" name="Google Shape;171;p29">
+            <a:extLst>
+              <a:ext uri="{FF2B5EF4-FFF2-40B4-BE49-F238E27FC236}">
+                <a16:creationId xmlns:a16="http://schemas.microsoft.com/office/drawing/2014/main" id="{2D649CD4-1FCE-A538-5240-95A9E5FFC634}"/>
+              </a:ext>
+            </a:extLst>
+          </p:cNvPr>
           <p:cNvSpPr txBox="1">
             <a:spLocks noGrp="1"/>
           </p:cNvSpPr>
@@ -9765,8 +9880,8 @@
         </p:nvSpPr>
         <p:spPr>
           <a:xfrm>
-            <a:off x="311700" y="365750"/>
-            <a:ext cx="8520600" cy="4203000"/>
+            <a:off x="327135" y="411257"/>
+            <a:ext cx="8422037" cy="1098888"/>
           </a:xfrm>
           <a:prstGeom prst="rect">
             <a:avLst/>
@@ -9778,271 +9893,71 @@
           </a:bodyPr>
           <a:lstStyle/>
           <a:p>
-            <a:pPr marL="0" lvl="0" indent="0" algn="l" rtl="0">
-              <a:spcBef>
-                <a:spcPts val="0"/>
-              </a:spcBef>
-              <a:spcAft>
-                <a:spcPts val="0"/>
-              </a:spcAft>
+            <a:pPr marL="114300" lvl="0" indent="0" algn="l" rtl="0">
+              <a:spcBef>
+                <a:spcPts val="0"/>
+              </a:spcBef>
+              <a:spcAft>
+                <a:spcPts val="0"/>
+              </a:spcAft>
+              <a:buSzPts val="1800"/>
               <a:buNone/>
             </a:pPr>
             <a:r>
-              <a:rPr lang="en"/>
-              <a:t>The mean and the variance of X are defined as</a:t>
+              <a:rPr lang="en" dirty="0"/>
+              <a:t>We can define a cost function that minimizes the distortion</a:t>
             </a:r>
-            <a:endParaRPr/>
-          </a:p>
-          <a:p>
-            <a:pPr marL="0" lvl="0" indent="0" algn="l" rtl="0">
+          </a:p>
+          <a:p>
+            <a:pPr marL="457200" lvl="0" indent="0" algn="l" rtl="0">
               <a:spcBef>
                 <a:spcPts val="1200"/>
               </a:spcBef>
               <a:spcAft>
-                <a:spcPts val="0"/>
-              </a:spcAft>
-              <a:buNone/>
-            </a:pPr>
-            <a:endParaRPr/>
-          </a:p>
-          <a:p>
-            <a:pPr marL="0" lvl="0" indent="0" algn="l" rtl="0">
-              <a:spcBef>
                 <a:spcPts val="1200"/>
-              </a:spcBef>
-              <a:spcAft>
-                <a:spcPts val="0"/>
-              </a:spcAft>
-              <a:buNone/>
-            </a:pPr>
-            <a:endParaRPr/>
-          </a:p>
-          <a:p>
-            <a:pPr marL="0" lvl="0" indent="0" algn="l" rtl="0">
-              <a:spcBef>
-                <a:spcPts val="1200"/>
-              </a:spcBef>
-              <a:spcAft>
-                <a:spcPts val="0"/>
-              </a:spcAft>
-              <a:buNone/>
-            </a:pPr>
-            <a:r>
-              <a:rPr lang="en"/>
-              <a:t>PDFs are useful in the design of optimal signal quantizers as they can be used to determine the assignment of optimal quantization levels.</a:t>
-            </a:r>
-            <a:endParaRPr/>
-          </a:p>
-          <a:p>
-            <a:pPr marL="0" lvl="0" indent="0" algn="l" rtl="0">
-              <a:spcBef>
-                <a:spcPts val="1200"/>
-              </a:spcBef>
-              <a:spcAft>
-                <a:spcPts val="0"/>
-              </a:spcAft>
-              <a:buNone/>
-            </a:pPr>
-            <a:endParaRPr/>
-          </a:p>
-          <a:p>
-            <a:pPr marL="0" lvl="0" indent="0" algn="l" rtl="0">
-              <a:spcBef>
-                <a:spcPts val="1200"/>
-              </a:spcBef>
-              <a:spcAft>
-                <a:spcPts val="1200"/>
-              </a:spcAft>
-              <a:buNone/>
-            </a:pPr>
-            <a:endParaRPr/>
+              </a:spcAft>
+              <a:buNone/>
+            </a:pPr>
+            <a:endParaRPr dirty="0"/>
           </a:p>
         </p:txBody>
       </p:sp>
       <p:pic>
         <p:nvPicPr>
-          <p:cNvPr id="188" name="Google Shape;188;p31"/>
-          <p:cNvPicPr preferRelativeResize="0"/>
-          <p:nvPr/>
-        </p:nvPicPr>
-        <p:blipFill rotWithShape="1">
-          <a:blip r:embed="rId3">
-            <a:alphaModFix/>
-          </a:blip>
-          <a:srcRect t="9024"/>
-          <a:stretch/>
-        </p:blipFill>
-        <p:spPr>
-          <a:xfrm>
-            <a:off x="1952625" y="2537450"/>
-            <a:ext cx="5238750" cy="1958350"/>
-          </a:xfrm>
-          <a:prstGeom prst="rect">
-            <a:avLst/>
-          </a:prstGeom>
-          <a:noFill/>
-          <a:ln>
-            <a:noFill/>
-          </a:ln>
-        </p:spPr>
-      </p:pic>
-      <p:sp>
-        <p:nvSpPr>
-          <p:cNvPr id="189" name="Google Shape;189;p31"/>
-          <p:cNvSpPr txBox="1"/>
-          <p:nvPr/>
-        </p:nvSpPr>
-        <p:spPr>
-          <a:xfrm>
-            <a:off x="2400300" y="4488175"/>
-            <a:ext cx="1609800" cy="274200"/>
-          </a:xfrm>
-          <a:prstGeom prst="rect">
-            <a:avLst/>
-          </a:prstGeom>
-          <a:noFill/>
-          <a:ln>
-            <a:noFill/>
-          </a:ln>
-        </p:spPr>
-        <p:txBody>
-          <a:bodyPr spcFirstLastPara="1" wrap="square" lIns="91425" tIns="91425" rIns="91425" bIns="91425" anchor="t" anchorCtr="0">
-            <a:noAutofit/>
-          </a:bodyPr>
-          <a:lstStyle/>
-          <a:p>
-            <a:pPr marL="0" lvl="0" indent="0" algn="l" rtl="0">
-              <a:spcBef>
-                <a:spcPts val="0"/>
-              </a:spcBef>
-              <a:spcAft>
-                <a:spcPts val="0"/>
-              </a:spcAft>
-              <a:buNone/>
-            </a:pPr>
-            <a:r>
-              <a:rPr lang="en" sz="1600">
-                <a:solidFill>
-                  <a:schemeClr val="dk2"/>
-                </a:solidFill>
-              </a:rPr>
-              <a:t>Gaussian PDF</a:t>
-            </a:r>
-            <a:endParaRPr sz="1600">
-              <a:solidFill>
-                <a:schemeClr val="dk2"/>
-              </a:solidFill>
-            </a:endParaRPr>
-          </a:p>
-        </p:txBody>
-      </p:sp>
-      <p:sp>
-        <p:nvSpPr>
-          <p:cNvPr id="190" name="Google Shape;190;p31"/>
-          <p:cNvSpPr txBox="1"/>
-          <p:nvPr/>
-        </p:nvSpPr>
-        <p:spPr>
-          <a:xfrm>
-            <a:off x="4892025" y="4488175"/>
-            <a:ext cx="1609800" cy="381000"/>
-          </a:xfrm>
-          <a:prstGeom prst="rect">
-            <a:avLst/>
-          </a:prstGeom>
-          <a:noFill/>
-          <a:ln>
-            <a:noFill/>
-          </a:ln>
-        </p:spPr>
-        <p:txBody>
-          <a:bodyPr spcFirstLastPara="1" wrap="square" lIns="91425" tIns="91425" rIns="91425" bIns="91425" anchor="t" anchorCtr="0">
-            <a:noAutofit/>
-          </a:bodyPr>
-          <a:lstStyle/>
-          <a:p>
-            <a:pPr marL="0" lvl="0" indent="0" algn="l" rtl="0">
-              <a:spcBef>
-                <a:spcPts val="0"/>
-              </a:spcBef>
-              <a:spcAft>
-                <a:spcPts val="0"/>
-              </a:spcAft>
-              <a:buNone/>
-            </a:pPr>
-            <a:r>
-              <a:rPr lang="en" sz="1600">
-                <a:solidFill>
-                  <a:schemeClr val="dk2"/>
-                </a:solidFill>
-              </a:rPr>
-              <a:t>Laplacian PDF</a:t>
-            </a:r>
-            <a:endParaRPr sz="1600">
-              <a:solidFill>
-                <a:schemeClr val="dk2"/>
-              </a:solidFill>
-            </a:endParaRPr>
-          </a:p>
-        </p:txBody>
-      </p:sp>
-      <p:pic>
-        <p:nvPicPr>
-          <p:cNvPr id="191" name="Google Shape;191;p31"/>
-          <p:cNvPicPr preferRelativeResize="0"/>
+          <p:cNvPr id="9" name="Picture 8" descr="A black text on a white background&#10;&#10;Description automatically generated">
+            <a:extLst>
+              <a:ext uri="{FF2B5EF4-FFF2-40B4-BE49-F238E27FC236}">
+                <a16:creationId xmlns:a16="http://schemas.microsoft.com/office/drawing/2014/main" id="{14FF5C0C-A1EF-9C59-5BBE-2EB024EE7364}"/>
+              </a:ext>
+            </a:extLst>
+          </p:cNvPr>
+          <p:cNvPicPr>
+            <a:picLocks noChangeAspect="1"/>
+          </p:cNvPicPr>
           <p:nvPr/>
         </p:nvPicPr>
         <p:blipFill>
-          <a:blip r:embed="rId4">
-            <a:alphaModFix/>
-          </a:blip>
+          <a:blip r:embed="rId4"/>
           <a:stretch>
             <a:fillRect/>
           </a:stretch>
         </p:blipFill>
         <p:spPr>
           <a:xfrm>
-            <a:off x="1118225" y="985800"/>
-            <a:ext cx="2457450" cy="590550"/>
-          </a:xfrm>
-          <a:prstGeom prst="rect">
-            <a:avLst/>
-          </a:prstGeom>
-          <a:noFill/>
-          <a:ln>
-            <a:noFill/>
-          </a:ln>
-        </p:spPr>
-      </p:pic>
-      <p:pic>
-        <p:nvPicPr>
-          <p:cNvPr id="192" name="Google Shape;192;p31"/>
-          <p:cNvPicPr preferRelativeResize="0"/>
-          <p:nvPr/>
-        </p:nvPicPr>
-        <p:blipFill>
-          <a:blip r:embed="rId5">
-            <a:alphaModFix/>
-          </a:blip>
-          <a:stretch>
-            <a:fillRect/>
-          </a:stretch>
-        </p:blipFill>
-        <p:spPr>
-          <a:xfrm>
-            <a:off x="4252913" y="938175"/>
-            <a:ext cx="3914775" cy="638175"/>
-          </a:xfrm>
-          <a:prstGeom prst="rect">
-            <a:avLst/>
-          </a:prstGeom>
-          <a:noFill/>
-          <a:ln>
-            <a:noFill/>
-          </a:ln>
+            <a:off x="2860963" y="960701"/>
+            <a:ext cx="3459003" cy="549444"/>
+          </a:xfrm>
+          <a:prstGeom prst="rect">
+            <a:avLst/>
+          </a:prstGeom>
         </p:spPr>
       </p:pic>
     </p:spTree>
+    <p:extLst>
+      <p:ext uri="{BB962C8B-B14F-4D97-AF65-F5344CB8AC3E}">
+        <p14:creationId xmlns:p14="http://schemas.microsoft.com/office/powerpoint/2010/main" val="1707734996"/>
+      </p:ext>
+    </p:extLst>
   </p:cSld>
   <p:clrMapOvr>
     <a:masterClrMapping/>
@@ -10240,6 +10155,373 @@
   <p:cSld>
     <p:spTree>
       <p:nvGrpSpPr>
+        <p:cNvPr id="1" name="Shape 169"/>
+        <p:cNvGrpSpPr/>
+        <p:nvPr/>
+      </p:nvGrpSpPr>
+      <p:grpSpPr>
+        <a:xfrm>
+          <a:off x="0" y="0"/>
+          <a:ext cx="0" cy="0"/>
+          <a:chOff x="0" y="0"/>
+          <a:chExt cx="0" cy="0"/>
+        </a:xfrm>
+      </p:grpSpPr>
+      <p:pic>
+        <p:nvPicPr>
+          <p:cNvPr id="170" name="Google Shape;170;p29"/>
+          <p:cNvPicPr preferRelativeResize="0"/>
+          <p:nvPr/>
+        </p:nvPicPr>
+        <p:blipFill rotWithShape="1">
+          <a:blip r:embed="rId3">
+            <a:alphaModFix/>
+          </a:blip>
+          <a:srcRect r="3446"/>
+          <a:stretch/>
+        </p:blipFill>
+        <p:spPr>
+          <a:xfrm>
+            <a:off x="4549125" y="1350429"/>
+            <a:ext cx="1699275" cy="517050"/>
+          </a:xfrm>
+          <a:prstGeom prst="rect">
+            <a:avLst/>
+          </a:prstGeom>
+          <a:noFill/>
+          <a:ln>
+            <a:noFill/>
+          </a:ln>
+        </p:spPr>
+      </p:pic>
+      <p:sp>
+        <p:nvSpPr>
+          <p:cNvPr id="171" name="Google Shape;171;p29"/>
+          <p:cNvSpPr txBox="1">
+            <a:spLocks noGrp="1"/>
+          </p:cNvSpPr>
+          <p:nvPr>
+            <p:ph type="body" idx="1"/>
+          </p:nvPr>
+        </p:nvSpPr>
+        <p:spPr>
+          <a:xfrm>
+            <a:off x="311700" y="695275"/>
+            <a:ext cx="8520600" cy="3416400"/>
+          </a:xfrm>
+          <a:prstGeom prst="rect">
+            <a:avLst/>
+          </a:prstGeom>
+        </p:spPr>
+        <p:txBody>
+          <a:bodyPr spcFirstLastPara="1" wrap="square" lIns="91425" tIns="91425" rIns="91425" bIns="91425" anchor="t" anchorCtr="0">
+            <a:normAutofit/>
+          </a:bodyPr>
+          <a:lstStyle/>
+          <a:p>
+            <a:pPr marL="457200" lvl="0" indent="-342900" algn="l" rtl="0">
+              <a:spcBef>
+                <a:spcPts val="0"/>
+              </a:spcBef>
+              <a:spcAft>
+                <a:spcPts val="0"/>
+              </a:spcAft>
+              <a:buSzPts val="1800"/>
+              <a:buChar char="●"/>
+            </a:pPr>
+            <a:r>
+              <a:rPr lang="en" dirty="0"/>
+              <a:t>Entropy is a measure of uncertainty of a random variable.</a:t>
+            </a:r>
+            <a:endParaRPr dirty="0"/>
+          </a:p>
+          <a:p>
+            <a:pPr marL="457200" lvl="0" indent="-342900" algn="l" rtl="0">
+              <a:spcBef>
+                <a:spcPts val="0"/>
+              </a:spcBef>
+              <a:spcAft>
+                <a:spcPts val="0"/>
+              </a:spcAft>
+              <a:buSzPts val="1800"/>
+              <a:buChar char="●"/>
+            </a:pPr>
+            <a:r>
+              <a:rPr lang="en" dirty="0"/>
+              <a:t>Shannon proved that the minimum number of bits required to encode a message, X, is given by the entropy,                       ,   , where </a:t>
+            </a:r>
+            <a:r>
+              <a:rPr lang="en" dirty="0" err="1"/>
+              <a:t>p_i</a:t>
+            </a:r>
+            <a:r>
+              <a:rPr lang="en" dirty="0"/>
+              <a:t> is the probability that the </a:t>
+            </a:r>
+            <a:r>
+              <a:rPr lang="en" dirty="0" err="1"/>
+              <a:t>ith</a:t>
+            </a:r>
+            <a:r>
+              <a:rPr lang="en" dirty="0"/>
+              <a:t> symbol is transmitted.</a:t>
+            </a:r>
+            <a:endParaRPr dirty="0"/>
+          </a:p>
+          <a:p>
+            <a:pPr marL="457200" lvl="0" indent="-342900" algn="l" rtl="0">
+              <a:spcBef>
+                <a:spcPts val="0"/>
+              </a:spcBef>
+              <a:spcAft>
+                <a:spcPts val="0"/>
+              </a:spcAft>
+              <a:buSzPts val="1800"/>
+              <a:buChar char="●"/>
+            </a:pPr>
+            <a:r>
+              <a:rPr lang="en" dirty="0"/>
+              <a:t>Typical probability of audio samples: Laplace distribution.</a:t>
+            </a:r>
+            <a:endParaRPr dirty="0"/>
+          </a:p>
+          <a:p>
+            <a:pPr marL="457200" lvl="0" indent="0" algn="l" rtl="0">
+              <a:spcBef>
+                <a:spcPts val="1200"/>
+              </a:spcBef>
+              <a:spcAft>
+                <a:spcPts val="1200"/>
+              </a:spcAft>
+              <a:buNone/>
+            </a:pPr>
+            <a:endParaRPr dirty="0"/>
+          </a:p>
+        </p:txBody>
+      </p:sp>
+      <p:sp>
+        <p:nvSpPr>
+          <p:cNvPr id="172" name="Google Shape;172;p29"/>
+          <p:cNvSpPr txBox="1">
+            <a:spLocks noGrp="1"/>
+          </p:cNvSpPr>
+          <p:nvPr>
+            <p:ph type="title"/>
+          </p:nvPr>
+        </p:nvSpPr>
+        <p:spPr>
+          <a:xfrm>
+            <a:off x="311700" y="140225"/>
+            <a:ext cx="8520600" cy="572700"/>
+          </a:xfrm>
+          <a:prstGeom prst="rect">
+            <a:avLst/>
+          </a:prstGeom>
+        </p:spPr>
+        <p:txBody>
+          <a:bodyPr spcFirstLastPara="1" wrap="square" lIns="91425" tIns="91425" rIns="91425" bIns="91425" anchor="t" anchorCtr="0">
+            <a:normAutofit fontScale="90000"/>
+          </a:bodyPr>
+          <a:lstStyle/>
+          <a:p>
+            <a:pPr marL="0" lvl="0" indent="0" algn="l" rtl="0">
+              <a:spcBef>
+                <a:spcPts val="0"/>
+              </a:spcBef>
+              <a:spcAft>
+                <a:spcPts val="0"/>
+              </a:spcAft>
+              <a:buNone/>
+            </a:pPr>
+            <a:r>
+              <a:rPr lang="en"/>
+              <a:t>Entropy coding</a:t>
+            </a:r>
+            <a:endParaRPr/>
+          </a:p>
+        </p:txBody>
+      </p:sp>
+      <p:pic>
+        <p:nvPicPr>
+          <p:cNvPr id="173" name="Google Shape;173;p29"/>
+          <p:cNvPicPr preferRelativeResize="0"/>
+          <p:nvPr/>
+        </p:nvPicPr>
+        <p:blipFill>
+          <a:blip r:embed="rId4">
+            <a:alphaModFix/>
+          </a:blip>
+          <a:stretch>
+            <a:fillRect/>
+          </a:stretch>
+        </p:blipFill>
+        <p:spPr>
+          <a:xfrm>
+            <a:off x="117739" y="2567326"/>
+            <a:ext cx="4752136" cy="1796853"/>
+          </a:xfrm>
+          <a:prstGeom prst="rect">
+            <a:avLst/>
+          </a:prstGeom>
+          <a:noFill/>
+          <a:ln>
+            <a:noFill/>
+          </a:ln>
+        </p:spPr>
+      </p:pic>
+      <p:sp>
+        <p:nvSpPr>
+          <p:cNvPr id="174" name="Google Shape;174;p29"/>
+          <p:cNvSpPr txBox="1"/>
+          <p:nvPr/>
+        </p:nvSpPr>
+        <p:spPr>
+          <a:xfrm>
+            <a:off x="3294044" y="4504914"/>
+            <a:ext cx="3322200" cy="400079"/>
+          </a:xfrm>
+          <a:prstGeom prst="rect">
+            <a:avLst/>
+          </a:prstGeom>
+          <a:noFill/>
+          <a:ln>
+            <a:noFill/>
+          </a:ln>
+        </p:spPr>
+        <p:txBody>
+          <a:bodyPr spcFirstLastPara="1" wrap="square" lIns="91425" tIns="91425" rIns="91425" bIns="91425" anchor="t" anchorCtr="0">
+            <a:spAutoFit/>
+          </a:bodyPr>
+          <a:lstStyle/>
+          <a:p>
+            <a:pPr marL="0" lvl="0" indent="0" algn="ctr" rtl="0">
+              <a:spcBef>
+                <a:spcPts val="0"/>
+              </a:spcBef>
+              <a:spcAft>
+                <a:spcPts val="0"/>
+              </a:spcAft>
+              <a:buNone/>
+            </a:pPr>
+            <a:r>
+              <a:rPr lang="en" dirty="0">
+                <a:solidFill>
+                  <a:schemeClr val="dk2"/>
+                </a:solidFill>
+              </a:rPr>
+              <a:t>Example of an entropy code</a:t>
+            </a:r>
+            <a:endParaRPr dirty="0">
+              <a:solidFill>
+                <a:schemeClr val="dk2"/>
+              </a:solidFill>
+            </a:endParaRPr>
+          </a:p>
+        </p:txBody>
+      </p:sp>
+      <p:pic>
+        <p:nvPicPr>
+          <p:cNvPr id="3" name="Picture 2" descr="A math equations on a white background&#10;&#10;Description automatically generated">
+            <a:extLst>
+              <a:ext uri="{FF2B5EF4-FFF2-40B4-BE49-F238E27FC236}">
+                <a16:creationId xmlns:a16="http://schemas.microsoft.com/office/drawing/2014/main" id="{BE7D5DE7-7293-6BE0-6CB6-532675765DF4}"/>
+              </a:ext>
+            </a:extLst>
+          </p:cNvPr>
+          <p:cNvPicPr>
+            <a:picLocks noChangeAspect="1"/>
+          </p:cNvPicPr>
+          <p:nvPr/>
+        </p:nvPicPr>
+        <p:blipFill>
+          <a:blip r:embed="rId5"/>
+          <a:stretch>
+            <a:fillRect/>
+          </a:stretch>
+        </p:blipFill>
+        <p:spPr>
+          <a:xfrm>
+            <a:off x="4920454" y="2814203"/>
+            <a:ext cx="4177363" cy="1452995"/>
+          </a:xfrm>
+          <a:prstGeom prst="rect">
+            <a:avLst/>
+          </a:prstGeom>
+        </p:spPr>
+      </p:pic>
+    </p:spTree>
+  </p:cSld>
+  <p:clrMapOvr>
+    <a:masterClrMapping/>
+  </p:clrMapOvr>
+</p:sld>
+</file>
+
+<file path=ppt/slides/slide21.xml><?xml version="1.0" encoding="utf-8"?>
+<p:sld xmlns:a="http://schemas.openxmlformats.org/drawingml/2006/main" xmlns:r="http://schemas.openxmlformats.org/officeDocument/2006/relationships" xmlns:p="http://schemas.openxmlformats.org/presentationml/2006/main">
+  <p:cSld>
+    <p:spTree>
+      <p:nvGrpSpPr>
+        <p:cNvPr id="1" name=""/>
+        <p:cNvGrpSpPr/>
+        <p:nvPr/>
+      </p:nvGrpSpPr>
+      <p:grpSpPr>
+        <a:xfrm>
+          <a:off x="0" y="0"/>
+          <a:ext cx="0" cy="0"/>
+          <a:chOff x="0" y="0"/>
+          <a:chExt cx="0" cy="0"/>
+        </a:xfrm>
+      </p:grpSpPr>
+      <p:pic>
+        <p:nvPicPr>
+          <p:cNvPr id="5" name="Picture 4" descr="A white background with black text&#10;&#10;Description automatically generated">
+            <a:extLst>
+              <a:ext uri="{FF2B5EF4-FFF2-40B4-BE49-F238E27FC236}">
+                <a16:creationId xmlns:a16="http://schemas.microsoft.com/office/drawing/2014/main" id="{D9F6ABF2-1B01-51C2-5625-A06DC1F07FEA}"/>
+              </a:ext>
+            </a:extLst>
+          </p:cNvPr>
+          <p:cNvPicPr>
+            <a:picLocks noChangeAspect="1"/>
+          </p:cNvPicPr>
+          <p:nvPr/>
+        </p:nvPicPr>
+        <p:blipFill>
+          <a:blip r:embed="rId2"/>
+          <a:stretch>
+            <a:fillRect/>
+          </a:stretch>
+        </p:blipFill>
+        <p:spPr>
+          <a:xfrm>
+            <a:off x="551295" y="344632"/>
+            <a:ext cx="7772400" cy="4279050"/>
+          </a:xfrm>
+          <a:prstGeom prst="rect">
+            <a:avLst/>
+          </a:prstGeom>
+        </p:spPr>
+      </p:pic>
+    </p:spTree>
+    <p:extLst>
+      <p:ext uri="{BB962C8B-B14F-4D97-AF65-F5344CB8AC3E}">
+        <p14:creationId xmlns:p14="http://schemas.microsoft.com/office/powerpoint/2010/main" val="535240256"/>
+      </p:ext>
+    </p:extLst>
+  </p:cSld>
+  <p:clrMapOvr>
+    <a:masterClrMapping/>
+  </p:clrMapOvr>
+</p:sld>
+</file>
+
+<file path=ppt/slides/slide22.xml><?xml version="1.0" encoding="utf-8"?>
+<p:sld xmlns:a="http://schemas.openxmlformats.org/drawingml/2006/main" xmlns:r="http://schemas.openxmlformats.org/officeDocument/2006/relationships" xmlns:p="http://schemas.openxmlformats.org/presentationml/2006/main">
+  <p:cSld>
+    <p:spTree>
+      <p:nvGrpSpPr>
         <p:cNvPr id="1" name="Shape 196"/>
         <p:cNvGrpSpPr/>
         <p:nvPr/>
@@ -10358,7 +10640,7 @@
 </p:sld>
 </file>
 
-<file path=ppt/slides/slide21.xml><?xml version="1.0" encoding="utf-8"?>
+<file path=ppt/slides/slide23.xml><?xml version="1.0" encoding="utf-8"?>
 <p:sld xmlns:a="http://schemas.openxmlformats.org/drawingml/2006/main" xmlns:r="http://schemas.openxmlformats.org/officeDocument/2006/relationships" xmlns:p="http://schemas.openxmlformats.org/presentationml/2006/main">
   <p:cSld>
     <p:spTree>
@@ -10453,10 +10735,26 @@
               <a:buChar char="●"/>
             </a:pPr>
             <a:r>
-              <a:rPr lang="en"/>
+              <a:rPr lang="en" dirty="0"/>
+              <a:t>Technique to construct minimum redundancy codes.</a:t>
+            </a:r>
+          </a:p>
+          <a:p>
+            <a:pPr marL="457200" lvl="0" indent="-342900" algn="l" rtl="0">
+              <a:spcBef>
+                <a:spcPts val="0"/>
+              </a:spcBef>
+              <a:spcAft>
+                <a:spcPts val="0"/>
+              </a:spcAft>
+              <a:buSzPts val="1800"/>
+              <a:buChar char="●"/>
+            </a:pPr>
+            <a:r>
+              <a:rPr lang="en" dirty="0"/>
               <a:t>Uses the probability of the symbol to determine the codeword.</a:t>
             </a:r>
-            <a:endParaRPr/>
+            <a:endParaRPr dirty="0"/>
           </a:p>
           <a:p>
             <a:pPr marL="457200" lvl="0" indent="-342900" algn="l" rtl="0">
@@ -10470,10 +10768,10 @@
               <a:buChar char="●"/>
             </a:pPr>
             <a:r>
-              <a:rPr lang="en"/>
+              <a:rPr lang="en" dirty="0"/>
               <a:t>Technique to construct minimum redundancy codes. </a:t>
             </a:r>
-            <a:endParaRPr/>
+            <a:endParaRPr dirty="0"/>
           </a:p>
           <a:p>
             <a:pPr marL="457200" lvl="0" indent="-342900" algn="l" rtl="0">
@@ -10487,10 +10785,10 @@
               <a:buChar char="●"/>
             </a:pPr>
             <a:r>
-              <a:rPr lang="en"/>
+              <a:rPr lang="en" dirty="0"/>
               <a:t>Regarded as the most effective compression method, provided that the codes designed using a specific set of symbol frequencies match the input symbol frequencies.</a:t>
             </a:r>
-            <a:endParaRPr/>
+            <a:endParaRPr dirty="0"/>
           </a:p>
         </p:txBody>
       </p:sp>
@@ -10502,7 +10800,7 @@
 </p:sld>
 </file>
 
-<file path=ppt/slides/slide22.xml><?xml version="1.0" encoding="utf-8"?>
+<file path=ppt/slides/slide24.xml><?xml version="1.0" encoding="utf-8"?>
 <p:sld xmlns:a="http://schemas.openxmlformats.org/drawingml/2006/main" xmlns:r="http://schemas.openxmlformats.org/officeDocument/2006/relationships" xmlns:p="http://schemas.openxmlformats.org/presentationml/2006/main">
   <p:cSld>
     <p:spTree>
@@ -10519,44 +10817,6 @@
           <a:chExt cx="0" cy="0"/>
         </a:xfrm>
       </p:grpSpPr>
-      <p:sp>
-        <p:nvSpPr>
-          <p:cNvPr id="209" name="Google Shape;209;p34"/>
-          <p:cNvSpPr txBox="1">
-            <a:spLocks noGrp="1"/>
-          </p:cNvSpPr>
-          <p:nvPr>
-            <p:ph type="title"/>
-          </p:nvPr>
-        </p:nvSpPr>
-        <p:spPr>
-          <a:xfrm>
-            <a:off x="311700" y="445025"/>
-            <a:ext cx="8520600" cy="572700"/>
-          </a:xfrm>
-          <a:prstGeom prst="rect">
-            <a:avLst/>
-          </a:prstGeom>
-        </p:spPr>
-        <p:txBody>
-          <a:bodyPr spcFirstLastPara="1" wrap="square" lIns="91425" tIns="91425" rIns="91425" bIns="91425" anchor="t" anchorCtr="0">
-            <a:normAutofit fontScale="90000"/>
-          </a:bodyPr>
-          <a:lstStyle/>
-          <a:p>
-            <a:pPr marL="0" lvl="0" indent="0" algn="l" rtl="0">
-              <a:spcBef>
-                <a:spcPts val="0"/>
-              </a:spcBef>
-              <a:spcAft>
-                <a:spcPts val="0"/>
-              </a:spcAft>
-              <a:buNone/>
-            </a:pPr>
-            <a:endParaRPr/>
-          </a:p>
-        </p:txBody>
-      </p:sp>
       <p:pic>
         <p:nvPicPr>
           <p:cNvPr id="210" name="Google Shape;210;p34"/>
@@ -10573,7 +10833,7 @@
         </p:blipFill>
         <p:spPr>
           <a:xfrm>
-            <a:off x="311700" y="1246325"/>
+            <a:off x="270138" y="526225"/>
             <a:ext cx="3797275" cy="2045525"/>
           </a:xfrm>
           <a:prstGeom prst="rect">
@@ -10601,7 +10861,7 @@
         </p:blipFill>
         <p:spPr>
           <a:xfrm>
-            <a:off x="4245276" y="1444450"/>
+            <a:off x="4238348" y="370723"/>
             <a:ext cx="4486350" cy="3150425"/>
           </a:xfrm>
           <a:prstGeom prst="rect">
@@ -10613,6 +10873,204 @@
           </a:ln>
         </p:spPr>
       </p:pic>
+      <p:sp>
+        <p:nvSpPr>
+          <p:cNvPr id="2" name="Google Shape;174;p29">
+            <a:extLst>
+              <a:ext uri="{FF2B5EF4-FFF2-40B4-BE49-F238E27FC236}">
+                <a16:creationId xmlns:a16="http://schemas.microsoft.com/office/drawing/2014/main" id="{36C4DAF8-63A1-7DED-E445-7829D24DDC21}"/>
+              </a:ext>
+            </a:extLst>
+          </p:cNvPr>
+          <p:cNvSpPr txBox="1"/>
+          <p:nvPr/>
+        </p:nvSpPr>
+        <p:spPr>
+          <a:xfrm>
+            <a:off x="4545582" y="3870994"/>
+            <a:ext cx="4598418" cy="400079"/>
+          </a:xfrm>
+          <a:prstGeom prst="rect">
+            <a:avLst/>
+          </a:prstGeom>
+          <a:noFill/>
+          <a:ln>
+            <a:noFill/>
+          </a:ln>
+        </p:spPr>
+        <p:txBody>
+          <a:bodyPr spcFirstLastPara="1" wrap="square" lIns="91425" tIns="91425" rIns="91425" bIns="91425" anchor="t" anchorCtr="0">
+            <a:spAutoFit/>
+          </a:bodyPr>
+          <a:lstStyle/>
+          <a:p>
+            <a:pPr marL="0" lvl="0" indent="0" rtl="0">
+              <a:spcBef>
+                <a:spcPts val="0"/>
+              </a:spcBef>
+              <a:spcAft>
+                <a:spcPts val="0"/>
+              </a:spcAft>
+              <a:buNone/>
+            </a:pPr>
+            <a:r>
+              <a:rPr lang="en" dirty="0">
+                <a:solidFill>
+                  <a:schemeClr val="dk2"/>
+                </a:solidFill>
+              </a:rPr>
+              <a:t>Total length of the encoded bitstream is L_HF = 23 bits.</a:t>
+            </a:r>
+            <a:endParaRPr dirty="0">
+              <a:solidFill>
+                <a:schemeClr val="dk2"/>
+              </a:solidFill>
+            </a:endParaRPr>
+          </a:p>
+        </p:txBody>
+      </p:sp>
+      <p:pic>
+        <p:nvPicPr>
+          <p:cNvPr id="4" name="Picture 3" descr="A math equations on a white background&#10;&#10;Description automatically generated">
+            <a:extLst>
+              <a:ext uri="{FF2B5EF4-FFF2-40B4-BE49-F238E27FC236}">
+                <a16:creationId xmlns:a16="http://schemas.microsoft.com/office/drawing/2014/main" id="{04EEA3B3-F108-C197-F8C0-3FB0FC6DEE8A}"/>
+              </a:ext>
+            </a:extLst>
+          </p:cNvPr>
+          <p:cNvPicPr>
+            <a:picLocks noChangeAspect="1"/>
+          </p:cNvPicPr>
+          <p:nvPr/>
+        </p:nvPicPr>
+        <p:blipFill>
+          <a:blip r:embed="rId5"/>
+          <a:stretch>
+            <a:fillRect/>
+          </a:stretch>
+        </p:blipFill>
+        <p:spPr>
+          <a:xfrm>
+            <a:off x="167572" y="3373582"/>
+            <a:ext cx="3884047" cy="1243693"/>
+          </a:xfrm>
+          <a:prstGeom prst="rect">
+            <a:avLst/>
+          </a:prstGeom>
+        </p:spPr>
+      </p:pic>
+      <p:sp>
+        <p:nvSpPr>
+          <p:cNvPr id="5" name="Google Shape;174;p29">
+            <a:extLst>
+              <a:ext uri="{FF2B5EF4-FFF2-40B4-BE49-F238E27FC236}">
+                <a16:creationId xmlns:a16="http://schemas.microsoft.com/office/drawing/2014/main" id="{7E14BD59-C881-1BC4-627C-031CB6B34E33}"/>
+              </a:ext>
+            </a:extLst>
+          </p:cNvPr>
+          <p:cNvSpPr txBox="1"/>
+          <p:nvPr/>
+        </p:nvSpPr>
+        <p:spPr>
+          <a:xfrm>
+            <a:off x="126009" y="3024087"/>
+            <a:ext cx="2957945" cy="400079"/>
+          </a:xfrm>
+          <a:prstGeom prst="rect">
+            <a:avLst/>
+          </a:prstGeom>
+          <a:noFill/>
+          <a:ln>
+            <a:noFill/>
+          </a:ln>
+        </p:spPr>
+        <p:txBody>
+          <a:bodyPr spcFirstLastPara="1" wrap="square" lIns="91425" tIns="91425" rIns="91425" bIns="91425" anchor="t" anchorCtr="0">
+            <a:spAutoFit/>
+          </a:bodyPr>
+          <a:lstStyle/>
+          <a:p>
+            <a:pPr marL="0" lvl="0" indent="0" rtl="0">
+              <a:spcBef>
+                <a:spcPts val="0"/>
+              </a:spcBef>
+              <a:spcAft>
+                <a:spcPts val="0"/>
+              </a:spcAft>
+              <a:buNone/>
+            </a:pPr>
+            <a:r>
+              <a:rPr lang="en" dirty="0">
+                <a:solidFill>
+                  <a:schemeClr val="dk2"/>
+                </a:solidFill>
+              </a:rPr>
+              <a:t>Entropy of the input bitstream X:</a:t>
+            </a:r>
+            <a:endParaRPr dirty="0">
+              <a:solidFill>
+                <a:schemeClr val="dk2"/>
+              </a:solidFill>
+            </a:endParaRPr>
+          </a:p>
+        </p:txBody>
+      </p:sp>
+      <p:sp>
+        <p:nvSpPr>
+          <p:cNvPr id="6" name="Google Shape;174;p29">
+            <a:extLst>
+              <a:ext uri="{FF2B5EF4-FFF2-40B4-BE49-F238E27FC236}">
+                <a16:creationId xmlns:a16="http://schemas.microsoft.com/office/drawing/2014/main" id="{002DD83A-4072-D171-A330-83B8F5128847}"/>
+              </a:ext>
+            </a:extLst>
+          </p:cNvPr>
+          <p:cNvSpPr txBox="1"/>
+          <p:nvPr/>
+        </p:nvSpPr>
+        <p:spPr>
+          <a:xfrm>
+            <a:off x="4808846" y="672387"/>
+            <a:ext cx="2957945" cy="400079"/>
+          </a:xfrm>
+          <a:prstGeom prst="rect">
+            <a:avLst/>
+          </a:prstGeom>
+          <a:noFill/>
+          <a:ln>
+            <a:noFill/>
+          </a:ln>
+        </p:spPr>
+        <p:txBody>
+          <a:bodyPr spcFirstLastPara="1" wrap="square" lIns="91425" tIns="91425" rIns="91425" bIns="91425" anchor="t" anchorCtr="0">
+            <a:spAutoFit/>
+          </a:bodyPr>
+          <a:lstStyle/>
+          <a:p>
+            <a:pPr marL="0" lvl="0" indent="0" rtl="0">
+              <a:spcBef>
+                <a:spcPts val="0"/>
+              </a:spcBef>
+              <a:spcAft>
+                <a:spcPts val="0"/>
+              </a:spcAft>
+              <a:buNone/>
+            </a:pPr>
+            <a:r>
+              <a:rPr lang="en" dirty="0">
+                <a:solidFill>
+                  <a:schemeClr val="dk2"/>
+                </a:solidFill>
+              </a:rPr>
+              <a:t>Huffman coding tree:</a:t>
+            </a:r>
+            <a:endParaRPr dirty="0">
+              <a:solidFill>
+                <a:schemeClr val="dk2"/>
+              </a:solidFill>
+            </a:endParaRPr>
+          </a:p>
+        </p:txBody>
+      </p:sp>
     </p:spTree>
   </p:cSld>
   <p:clrMapOvr>
@@ -10621,7 +11079,7 @@
 </p:sld>
 </file>
 
-<file path=ppt/slides/slide23.xml><?xml version="1.0" encoding="utf-8"?>
+<file path=ppt/slides/slide25.xml><?xml version="1.0" encoding="utf-8"?>
 <p:sld xmlns:a="http://schemas.openxmlformats.org/drawingml/2006/main" xmlns:r="http://schemas.openxmlformats.org/officeDocument/2006/relationships" xmlns:p="http://schemas.openxmlformats.org/presentationml/2006/main">
   <p:cSld>
     <p:spTree>
@@ -10721,29 +11179,22 @@
             <a:r>
               <a:rPr lang="en" b="1" dirty="0">
                 <a:solidFill>
-                  <a:schemeClr val="tx1"/>
+                  <a:schemeClr val="bg2"/>
                 </a:solidFill>
               </a:rPr>
-              <a:t>Calculate Frequencies</a:t>
+              <a:t>Calculate Frequencies: c</a:t>
             </a:r>
-            <a:br>
-              <a:rPr lang="en" b="1" dirty="0">
-                <a:solidFill>
-                  <a:schemeClr val="tx1"/>
-                </a:solidFill>
-              </a:rPr>
-            </a:br>
             <a:r>
               <a:rPr lang="en" dirty="0">
                 <a:solidFill>
-                  <a:schemeClr val="tx1"/>
+                  <a:schemeClr val="bg2"/>
                 </a:solidFill>
               </a:rPr>
-              <a:t>Calculate the frequency of each character in the input array.</a:t>
+              <a:t>alculate the frequency of each character in the input array.</a:t>
             </a:r>
             <a:endParaRPr dirty="0">
               <a:solidFill>
-                <a:schemeClr val="tx1"/>
+                <a:schemeClr val="bg2"/>
               </a:solidFill>
             </a:endParaRPr>
           </a:p>
@@ -10764,29 +11215,22 @@
             <a:r>
               <a:rPr lang="en" b="1" dirty="0">
                 <a:solidFill>
-                  <a:schemeClr val="tx1"/>
+                  <a:schemeClr val="bg2"/>
                 </a:solidFill>
               </a:rPr>
-              <a:t>Build the Huffman Tree</a:t>
+              <a:t>Build the Huffman Tree: </a:t>
             </a:r>
-            <a:br>
-              <a:rPr lang="en" b="1" dirty="0">
-                <a:solidFill>
-                  <a:schemeClr val="tx1"/>
-                </a:solidFill>
-              </a:rPr>
-            </a:br>
             <a:r>
               <a:rPr lang="en" dirty="0">
                 <a:solidFill>
-                  <a:schemeClr val="tx1"/>
+                  <a:schemeClr val="bg2"/>
                 </a:solidFill>
               </a:rPr>
-              <a:t>The tree is built by merging the two least frequent nodes until there is only one node left. This node becomes the root of the tree.</a:t>
+              <a:t>the tree is built by merging the two least frequent nodes until there is only one node left. This node becomes the root of the tree.</a:t>
             </a:r>
             <a:endParaRPr dirty="0">
               <a:solidFill>
-                <a:schemeClr val="tx1"/>
+                <a:schemeClr val="bg2"/>
               </a:solidFill>
             </a:endParaRPr>
           </a:p>
@@ -10807,29 +11251,22 @@
             <a:r>
               <a:rPr lang="en" b="1" dirty="0">
                 <a:solidFill>
-                  <a:schemeClr val="tx1"/>
+                  <a:schemeClr val="bg2"/>
                 </a:solidFill>
               </a:rPr>
-              <a:t>Generate Huffman Codes</a:t>
+              <a:t>Generate Huffman Codes: </a:t>
             </a:r>
-            <a:br>
-              <a:rPr lang="en" b="1" dirty="0">
-                <a:solidFill>
-                  <a:schemeClr val="tx1"/>
-                </a:solidFill>
-              </a:rPr>
-            </a:br>
             <a:r>
               <a:rPr lang="en" dirty="0">
                 <a:solidFill>
-                  <a:schemeClr val="tx1"/>
+                  <a:schemeClr val="bg2"/>
                 </a:solidFill>
               </a:rPr>
-              <a:t>The codes are generated by traversing the tree. A left edge corresponds to appending '0' to the code, and a right edge corresponds to appending '1'.</a:t>
+              <a:t>the codes are generated by traversing the tree. A left edge corresponds to appending '0' to the code, and a right edge corresponds to appending '1'.</a:t>
             </a:r>
             <a:endParaRPr dirty="0">
               <a:solidFill>
-                <a:schemeClr val="tx1"/>
+                <a:schemeClr val="bg2"/>
               </a:solidFill>
             </a:endParaRPr>
           </a:p>
@@ -10850,29 +11287,22 @@
             <a:r>
               <a:rPr lang="en" b="1" dirty="0">
                 <a:solidFill>
-                  <a:schemeClr val="tx1"/>
+                  <a:schemeClr val="bg2"/>
                 </a:solidFill>
               </a:rPr>
-              <a:t>Encode the Input</a:t>
+              <a:t>Encode the Input: </a:t>
             </a:r>
-            <a:br>
-              <a:rPr lang="en" b="1" dirty="0">
-                <a:solidFill>
-                  <a:schemeClr val="tx1"/>
-                </a:solidFill>
-              </a:rPr>
-            </a:br>
             <a:r>
               <a:rPr lang="en" dirty="0">
                 <a:solidFill>
-                  <a:schemeClr val="tx1"/>
+                  <a:schemeClr val="bg2"/>
                 </a:solidFill>
               </a:rPr>
-              <a:t>The input array is encoded using the generated codes.</a:t>
+              <a:t>the input array is encoded using the generated codes.</a:t>
             </a:r>
             <a:endParaRPr dirty="0">
               <a:solidFill>
-                <a:schemeClr val="tx1"/>
+                <a:schemeClr val="bg2"/>
               </a:solidFill>
             </a:endParaRPr>
           </a:p>
@@ -10893,35 +11323,132 @@
             <a:r>
               <a:rPr lang="en" b="1" dirty="0">
                 <a:solidFill>
-                  <a:schemeClr val="tx1"/>
+                  <a:schemeClr val="bg2"/>
                 </a:solidFill>
               </a:rPr>
-              <a:t>Decode the Encoded Data</a:t>
+              <a:t>Decode the Encoded Data: </a:t>
             </a:r>
-            <a:br>
-              <a:rPr lang="en" b="1" dirty="0">
-                <a:solidFill>
-                  <a:schemeClr val="tx1"/>
-                </a:solidFill>
-              </a:rPr>
-            </a:br>
             <a:r>
               <a:rPr lang="en" dirty="0">
                 <a:solidFill>
-                  <a:schemeClr val="tx1"/>
+                  <a:schemeClr val="bg2"/>
                 </a:solidFill>
               </a:rPr>
-              <a:t>The encoded data is decoded by traversing the tree.</a:t>
+              <a:t>the encoded data is decoded by traversing the tree.</a:t>
             </a:r>
             <a:endParaRPr dirty="0">
               <a:solidFill>
-                <a:schemeClr val="tx1"/>
+                <a:schemeClr val="bg2"/>
               </a:solidFill>
             </a:endParaRPr>
           </a:p>
         </p:txBody>
       </p:sp>
     </p:spTree>
+  </p:cSld>
+  <p:clrMapOvr>
+    <a:masterClrMapping/>
+  </p:clrMapOvr>
+</p:sld>
+</file>
+
+<file path=ppt/slides/slide26.xml><?xml version="1.0" encoding="utf-8"?>
+<p:sld xmlns:a="http://schemas.openxmlformats.org/drawingml/2006/main" xmlns:r="http://schemas.openxmlformats.org/officeDocument/2006/relationships" xmlns:p="http://schemas.openxmlformats.org/presentationml/2006/main">
+  <p:cSld>
+    <p:spTree>
+      <p:nvGrpSpPr>
+        <p:cNvPr id="1" name=""/>
+        <p:cNvGrpSpPr/>
+        <p:nvPr/>
+      </p:nvGrpSpPr>
+      <p:grpSpPr>
+        <a:xfrm>
+          <a:off x="0" y="0"/>
+          <a:ext cx="0" cy="0"/>
+          <a:chOff x="0" y="0"/>
+          <a:chExt cx="0" cy="0"/>
+        </a:xfrm>
+      </p:grpSpPr>
+      <p:sp>
+        <p:nvSpPr>
+          <p:cNvPr id="2" name="Title 1">
+            <a:extLst>
+              <a:ext uri="{FF2B5EF4-FFF2-40B4-BE49-F238E27FC236}">
+                <a16:creationId xmlns:a16="http://schemas.microsoft.com/office/drawing/2014/main" id="{E6D435AE-5225-CB51-5EE4-9734452C8390}"/>
+              </a:ext>
+            </a:extLst>
+          </p:cNvPr>
+          <p:cNvSpPr>
+            <a:spLocks noGrp="1"/>
+          </p:cNvSpPr>
+          <p:nvPr>
+            <p:ph type="title"/>
+          </p:nvPr>
+        </p:nvSpPr>
+        <p:spPr/>
+        <p:txBody>
+          <a:bodyPr>
+            <a:normAutofit fontScale="90000"/>
+          </a:bodyPr>
+          <a:lstStyle/>
+          <a:p>
+            <a:r>
+              <a:rPr lang="en-US" dirty="0"/>
+              <a:t>References</a:t>
+            </a:r>
+          </a:p>
+        </p:txBody>
+      </p:sp>
+      <p:sp>
+        <p:nvSpPr>
+          <p:cNvPr id="3" name="Text Placeholder 2">
+            <a:extLst>
+              <a:ext uri="{FF2B5EF4-FFF2-40B4-BE49-F238E27FC236}">
+                <a16:creationId xmlns:a16="http://schemas.microsoft.com/office/drawing/2014/main" id="{AF301F5F-C0E3-E44A-F5F8-D1BA5BE1E7C6}"/>
+              </a:ext>
+            </a:extLst>
+          </p:cNvPr>
+          <p:cNvSpPr>
+            <a:spLocks noGrp="1"/>
+          </p:cNvSpPr>
+          <p:nvPr>
+            <p:ph type="body" idx="1"/>
+          </p:nvPr>
+        </p:nvSpPr>
+        <p:spPr/>
+        <p:txBody>
+          <a:bodyPr/>
+          <a:lstStyle/>
+          <a:p>
+            <a:r>
+              <a:rPr lang="en-US" dirty="0"/>
+              <a:t>“Chapter 3: Quantization and Entropy Coding” in Andreas </a:t>
+            </a:r>
+            <a:r>
+              <a:rPr lang="en-US" dirty="0" err="1"/>
+              <a:t>Spanias</a:t>
+            </a:r>
+            <a:r>
+              <a:rPr lang="en-US" dirty="0"/>
+              <a:t>, Ted Painter, and Venkatraman </a:t>
+            </a:r>
+            <a:r>
+              <a:rPr lang="en-US" dirty="0" err="1"/>
+              <a:t>Atti</a:t>
+            </a:r>
+            <a:r>
+              <a:rPr lang="en-US" dirty="0"/>
+              <a:t> (2007). Audio Signal Processing and Coding. John Wiley &amp; Sons, Inc.</a:t>
+            </a:r>
+          </a:p>
+        </p:txBody>
+      </p:sp>
+    </p:spTree>
+    <p:extLst>
+      <p:ext uri="{BB962C8B-B14F-4D97-AF65-F5344CB8AC3E}">
+        <p14:creationId xmlns:p14="http://schemas.microsoft.com/office/powerpoint/2010/main" val="911984047"/>
+      </p:ext>
+    </p:extLst>
   </p:cSld>
   <p:clrMapOvr>
     <a:masterClrMapping/>
@@ -11076,10 +11603,10 @@
               <a:buNone/>
             </a:pPr>
             <a:r>
-              <a:rPr lang="en"/>
+              <a:rPr lang="en" dirty="0"/>
               <a:t>Quantization</a:t>
             </a:r>
-            <a:endParaRPr/>
+            <a:endParaRPr dirty="0"/>
           </a:p>
         </p:txBody>
       </p:sp>
@@ -11095,8 +11622,8 @@
         </p:nvSpPr>
         <p:spPr>
           <a:xfrm>
-            <a:off x="311700" y="1152475"/>
-            <a:ext cx="8520600" cy="3416400"/>
+            <a:off x="311700" y="950259"/>
+            <a:ext cx="8520600" cy="3618616"/>
           </a:xfrm>
           <a:prstGeom prst="rect">
             <a:avLst/>
@@ -11159,6 +11686,19 @@
             <a:endParaRPr dirty="0"/>
           </a:p>
           <a:p>
+            <a:pPr marL="114300" lvl="0" indent="0" algn="l" rtl="0">
+              <a:spcBef>
+                <a:spcPts val="0"/>
+              </a:spcBef>
+              <a:spcAft>
+                <a:spcPts val="0"/>
+              </a:spcAft>
+              <a:buSzPts val="1800"/>
+              <a:buNone/>
+            </a:pPr>
+            <a:endParaRPr lang="en" dirty="0"/>
+          </a:p>
+          <a:p>
             <a:pPr marL="457200" lvl="0" indent="-342900" algn="l" rtl="0">
               <a:spcBef>
                 <a:spcPts val="0"/>
@@ -11171,9 +11711,49 @@
             </a:pPr>
             <a:r>
               <a:rPr lang="en" dirty="0"/>
-              <a:t>Most popular case: scalar quantization.</a:t>
+              <a:t>Types of quantization:</a:t>
             </a:r>
-            <a:endParaRPr dirty="0"/>
+          </a:p>
+          <a:p>
+            <a:pPr lvl="1" indent="-342900">
+              <a:buSzPts val="1800"/>
+              <a:buChar char="●"/>
+            </a:pPr>
+            <a:r>
+              <a:rPr lang="en" sz="1800" dirty="0"/>
+              <a:t>memoryless (ex. PCM) or with memory (DPCM)</a:t>
+            </a:r>
+          </a:p>
+          <a:p>
+            <a:pPr lvl="1" indent="-342900">
+              <a:buSzPts val="1800"/>
+              <a:buChar char="●"/>
+            </a:pPr>
+            <a:r>
+              <a:rPr lang="en" sz="1800" dirty="0"/>
+              <a:t>uniform or nonuniform</a:t>
+            </a:r>
+          </a:p>
+          <a:p>
+            <a:pPr lvl="1" indent="-342900">
+              <a:buSzPts val="1800"/>
+              <a:buChar char="●"/>
+            </a:pPr>
+            <a:r>
+              <a:rPr lang="en" sz="1800" dirty="0"/>
+              <a:t>scalar or vector (VQ) </a:t>
+            </a:r>
+          </a:p>
+          <a:p>
+            <a:pPr lvl="1" indent="-342900">
+              <a:buSzPts val="1800"/>
+              <a:buChar char="●"/>
+            </a:pPr>
+            <a:r>
+              <a:rPr lang="en" sz="1800" dirty="0"/>
+              <a:t>parametric or nonparametric</a:t>
+            </a:r>
+            <a:endParaRPr sz="1800" dirty="0"/>
           </a:p>
         </p:txBody>
       </p:sp>
@@ -11186,6 +11766,541 @@
 </file>
 
 <file path=ppt/slides/slide5.xml><?xml version="1.0" encoding="utf-8"?>
+<p:sld xmlns:a="http://schemas.openxmlformats.org/drawingml/2006/main" xmlns:r="http://schemas.openxmlformats.org/officeDocument/2006/relationships" xmlns:p="http://schemas.openxmlformats.org/presentationml/2006/main">
+  <p:cSld>
+    <p:spTree>
+      <p:nvGrpSpPr>
+        <p:cNvPr id="1" name="Shape 178"/>
+        <p:cNvGrpSpPr/>
+        <p:nvPr/>
+      </p:nvGrpSpPr>
+      <p:grpSpPr>
+        <a:xfrm>
+          <a:off x="0" y="0"/>
+          <a:ext cx="0" cy="0"/>
+          <a:chOff x="0" y="0"/>
+          <a:chExt cx="0" cy="0"/>
+        </a:xfrm>
+      </p:grpSpPr>
+      <p:sp>
+        <p:nvSpPr>
+          <p:cNvPr id="179" name="Google Shape;179;p30"/>
+          <p:cNvSpPr txBox="1">
+            <a:spLocks noGrp="1"/>
+          </p:cNvSpPr>
+          <p:nvPr>
+            <p:ph type="title"/>
+          </p:nvPr>
+        </p:nvSpPr>
+        <p:spPr>
+          <a:xfrm>
+            <a:off x="311700" y="292625"/>
+            <a:ext cx="8520600" cy="572700"/>
+          </a:xfrm>
+          <a:prstGeom prst="rect">
+            <a:avLst/>
+          </a:prstGeom>
+        </p:spPr>
+        <p:txBody>
+          <a:bodyPr spcFirstLastPara="1" wrap="square" lIns="91425" tIns="91425" rIns="91425" bIns="91425" anchor="t" anchorCtr="0">
+            <a:normAutofit fontScale="90000"/>
+          </a:bodyPr>
+          <a:lstStyle/>
+          <a:p>
+            <a:pPr marL="0" lvl="0" indent="0" algn="l" rtl="0">
+              <a:spcBef>
+                <a:spcPts val="0"/>
+              </a:spcBef>
+              <a:spcAft>
+                <a:spcPts val="0"/>
+              </a:spcAft>
+              <a:buNone/>
+            </a:pPr>
+            <a:r>
+              <a:rPr lang="en"/>
+              <a:t>Probability density functions</a:t>
+            </a:r>
+            <a:endParaRPr/>
+          </a:p>
+        </p:txBody>
+      </p:sp>
+      <p:sp>
+        <p:nvSpPr>
+          <p:cNvPr id="180" name="Google Shape;180;p30"/>
+          <p:cNvSpPr txBox="1">
+            <a:spLocks noGrp="1"/>
+          </p:cNvSpPr>
+          <p:nvPr>
+            <p:ph type="body" idx="1"/>
+          </p:nvPr>
+        </p:nvSpPr>
+        <p:spPr>
+          <a:xfrm>
+            <a:off x="311700" y="1152475"/>
+            <a:ext cx="8520600" cy="3416400"/>
+          </a:xfrm>
+          <a:prstGeom prst="rect">
+            <a:avLst/>
+          </a:prstGeom>
+        </p:spPr>
+        <p:txBody>
+          <a:bodyPr spcFirstLastPara="1" wrap="square" lIns="91425" tIns="91425" rIns="91425" bIns="91425" anchor="t" anchorCtr="0">
+            <a:normAutofit/>
+          </a:bodyPr>
+          <a:lstStyle/>
+          <a:p>
+            <a:pPr marL="0" lvl="0" indent="0" algn="l" rtl="0">
+              <a:spcBef>
+                <a:spcPts val="0"/>
+              </a:spcBef>
+              <a:spcAft>
+                <a:spcPts val="0"/>
+              </a:spcAft>
+              <a:buNone/>
+            </a:pPr>
+            <a:r>
+              <a:rPr lang="en"/>
+              <a:t>A random process can be characterized by its probability density function (PDF), which is a non-negative function p(x), whose properties are</a:t>
+            </a:r>
+            <a:endParaRPr/>
+          </a:p>
+          <a:p>
+            <a:pPr marL="0" lvl="0" indent="0" algn="l" rtl="0">
+              <a:spcBef>
+                <a:spcPts val="1200"/>
+              </a:spcBef>
+              <a:spcAft>
+                <a:spcPts val="0"/>
+              </a:spcAft>
+              <a:buNone/>
+            </a:pPr>
+            <a:endParaRPr/>
+          </a:p>
+          <a:p>
+            <a:pPr marL="0" lvl="0" indent="0" algn="l" rtl="0">
+              <a:spcBef>
+                <a:spcPts val="1200"/>
+              </a:spcBef>
+              <a:spcAft>
+                <a:spcPts val="0"/>
+              </a:spcAft>
+              <a:buNone/>
+            </a:pPr>
+            <a:r>
+              <a:rPr lang="en"/>
+              <a:t>and</a:t>
+            </a:r>
+            <a:endParaRPr/>
+          </a:p>
+          <a:p>
+            <a:pPr marL="0" lvl="0" indent="0" algn="l" rtl="0">
+              <a:spcBef>
+                <a:spcPts val="1200"/>
+              </a:spcBef>
+              <a:spcAft>
+                <a:spcPts val="0"/>
+              </a:spcAft>
+              <a:buNone/>
+            </a:pPr>
+            <a:endParaRPr/>
+          </a:p>
+          <a:p>
+            <a:pPr marL="0" lvl="0" indent="0" algn="l" rtl="0">
+              <a:spcBef>
+                <a:spcPts val="1200"/>
+              </a:spcBef>
+              <a:spcAft>
+                <a:spcPts val="1200"/>
+              </a:spcAft>
+              <a:buNone/>
+            </a:pPr>
+            <a:r>
+              <a:rPr lang="en"/>
+              <a:t>the PDF area, from x1 to x2, is the probability that the random variable X is observed in this range. </a:t>
+            </a:r>
+            <a:endParaRPr/>
+          </a:p>
+        </p:txBody>
+      </p:sp>
+      <p:pic>
+        <p:nvPicPr>
+          <p:cNvPr id="181" name="Google Shape;181;p30"/>
+          <p:cNvPicPr preferRelativeResize="0"/>
+          <p:nvPr/>
+        </p:nvPicPr>
+        <p:blipFill>
+          <a:blip r:embed="rId3">
+            <a:alphaModFix/>
+          </a:blip>
+          <a:stretch>
+            <a:fillRect/>
+          </a:stretch>
+        </p:blipFill>
+        <p:spPr>
+          <a:xfrm>
+            <a:off x="3668088" y="1924723"/>
+            <a:ext cx="1609725" cy="638175"/>
+          </a:xfrm>
+          <a:prstGeom prst="rect">
+            <a:avLst/>
+          </a:prstGeom>
+          <a:noFill/>
+          <a:ln>
+            <a:noFill/>
+          </a:ln>
+        </p:spPr>
+      </p:pic>
+      <p:pic>
+        <p:nvPicPr>
+          <p:cNvPr id="182" name="Google Shape;182;p30"/>
+          <p:cNvPicPr preferRelativeResize="0"/>
+          <p:nvPr/>
+        </p:nvPicPr>
+        <p:blipFill>
+          <a:blip r:embed="rId4">
+            <a:alphaModFix/>
+          </a:blip>
+          <a:stretch>
+            <a:fillRect/>
+          </a:stretch>
+        </p:blipFill>
+        <p:spPr>
+          <a:xfrm>
+            <a:off x="2993713" y="2767950"/>
+            <a:ext cx="2790825" cy="666750"/>
+          </a:xfrm>
+          <a:prstGeom prst="rect">
+            <a:avLst/>
+          </a:prstGeom>
+          <a:noFill/>
+          <a:ln>
+            <a:noFill/>
+          </a:ln>
+        </p:spPr>
+      </p:pic>
+    </p:spTree>
+  </p:cSld>
+  <p:clrMapOvr>
+    <a:masterClrMapping/>
+  </p:clrMapOvr>
+</p:sld>
+</file>
+
+<file path=ppt/slides/slide6.xml><?xml version="1.0" encoding="utf-8"?>
+<p:sld xmlns:a="http://schemas.openxmlformats.org/drawingml/2006/main" xmlns:r="http://schemas.openxmlformats.org/officeDocument/2006/relationships" xmlns:p="http://schemas.openxmlformats.org/presentationml/2006/main">
+  <p:cSld>
+    <p:spTree>
+      <p:nvGrpSpPr>
+        <p:cNvPr id="1" name="Shape 186"/>
+        <p:cNvGrpSpPr/>
+        <p:nvPr/>
+      </p:nvGrpSpPr>
+      <p:grpSpPr>
+        <a:xfrm>
+          <a:off x="0" y="0"/>
+          <a:ext cx="0" cy="0"/>
+          <a:chOff x="0" y="0"/>
+          <a:chExt cx="0" cy="0"/>
+        </a:xfrm>
+      </p:grpSpPr>
+      <p:sp>
+        <p:nvSpPr>
+          <p:cNvPr id="187" name="Google Shape;187;p31"/>
+          <p:cNvSpPr txBox="1">
+            <a:spLocks noGrp="1"/>
+          </p:cNvSpPr>
+          <p:nvPr>
+            <p:ph type="body" idx="1"/>
+          </p:nvPr>
+        </p:nvSpPr>
+        <p:spPr>
+          <a:xfrm>
+            <a:off x="311700" y="365750"/>
+            <a:ext cx="8520600" cy="4203000"/>
+          </a:xfrm>
+          <a:prstGeom prst="rect">
+            <a:avLst/>
+          </a:prstGeom>
+        </p:spPr>
+        <p:txBody>
+          <a:bodyPr spcFirstLastPara="1" wrap="square" lIns="91425" tIns="91425" rIns="91425" bIns="91425" anchor="t" anchorCtr="0">
+            <a:normAutofit/>
+          </a:bodyPr>
+          <a:lstStyle/>
+          <a:p>
+            <a:pPr marL="0" lvl="0" indent="0" algn="l" rtl="0">
+              <a:spcBef>
+                <a:spcPts val="0"/>
+              </a:spcBef>
+              <a:spcAft>
+                <a:spcPts val="0"/>
+              </a:spcAft>
+              <a:buNone/>
+            </a:pPr>
+            <a:r>
+              <a:rPr lang="en"/>
+              <a:t>The mean and the variance of X are defined as</a:t>
+            </a:r>
+            <a:endParaRPr/>
+          </a:p>
+          <a:p>
+            <a:pPr marL="0" lvl="0" indent="0" algn="l" rtl="0">
+              <a:spcBef>
+                <a:spcPts val="1200"/>
+              </a:spcBef>
+              <a:spcAft>
+                <a:spcPts val="0"/>
+              </a:spcAft>
+              <a:buNone/>
+            </a:pPr>
+            <a:endParaRPr/>
+          </a:p>
+          <a:p>
+            <a:pPr marL="0" lvl="0" indent="0" algn="l" rtl="0">
+              <a:spcBef>
+                <a:spcPts val="1200"/>
+              </a:spcBef>
+              <a:spcAft>
+                <a:spcPts val="0"/>
+              </a:spcAft>
+              <a:buNone/>
+            </a:pPr>
+            <a:endParaRPr/>
+          </a:p>
+          <a:p>
+            <a:pPr marL="0" lvl="0" indent="0" algn="l" rtl="0">
+              <a:spcBef>
+                <a:spcPts val="1200"/>
+              </a:spcBef>
+              <a:spcAft>
+                <a:spcPts val="0"/>
+              </a:spcAft>
+              <a:buNone/>
+            </a:pPr>
+            <a:r>
+              <a:rPr lang="en"/>
+              <a:t>PDFs are useful in the design of optimal signal quantizers as they can be used to determine the assignment of optimal quantization levels.</a:t>
+            </a:r>
+            <a:endParaRPr/>
+          </a:p>
+          <a:p>
+            <a:pPr marL="0" lvl="0" indent="0" algn="l" rtl="0">
+              <a:spcBef>
+                <a:spcPts val="1200"/>
+              </a:spcBef>
+              <a:spcAft>
+                <a:spcPts val="0"/>
+              </a:spcAft>
+              <a:buNone/>
+            </a:pPr>
+            <a:endParaRPr/>
+          </a:p>
+          <a:p>
+            <a:pPr marL="0" lvl="0" indent="0" algn="l" rtl="0">
+              <a:spcBef>
+                <a:spcPts val="1200"/>
+              </a:spcBef>
+              <a:spcAft>
+                <a:spcPts val="1200"/>
+              </a:spcAft>
+              <a:buNone/>
+            </a:pPr>
+            <a:endParaRPr/>
+          </a:p>
+        </p:txBody>
+      </p:sp>
+      <p:pic>
+        <p:nvPicPr>
+          <p:cNvPr id="188" name="Google Shape;188;p31"/>
+          <p:cNvPicPr preferRelativeResize="0"/>
+          <p:nvPr/>
+        </p:nvPicPr>
+        <p:blipFill rotWithShape="1">
+          <a:blip r:embed="rId3">
+            <a:alphaModFix/>
+          </a:blip>
+          <a:srcRect t="9024"/>
+          <a:stretch/>
+        </p:blipFill>
+        <p:spPr>
+          <a:xfrm>
+            <a:off x="1952625" y="2537450"/>
+            <a:ext cx="5238750" cy="1958350"/>
+          </a:xfrm>
+          <a:prstGeom prst="rect">
+            <a:avLst/>
+          </a:prstGeom>
+          <a:noFill/>
+          <a:ln>
+            <a:noFill/>
+          </a:ln>
+        </p:spPr>
+      </p:pic>
+      <p:sp>
+        <p:nvSpPr>
+          <p:cNvPr id="189" name="Google Shape;189;p31"/>
+          <p:cNvSpPr txBox="1"/>
+          <p:nvPr/>
+        </p:nvSpPr>
+        <p:spPr>
+          <a:xfrm>
+            <a:off x="2400300" y="4488175"/>
+            <a:ext cx="1609800" cy="274200"/>
+          </a:xfrm>
+          <a:prstGeom prst="rect">
+            <a:avLst/>
+          </a:prstGeom>
+          <a:noFill/>
+          <a:ln>
+            <a:noFill/>
+          </a:ln>
+        </p:spPr>
+        <p:txBody>
+          <a:bodyPr spcFirstLastPara="1" wrap="square" lIns="91425" tIns="91425" rIns="91425" bIns="91425" anchor="t" anchorCtr="0">
+            <a:noAutofit/>
+          </a:bodyPr>
+          <a:lstStyle/>
+          <a:p>
+            <a:pPr marL="0" lvl="0" indent="0" algn="l" rtl="0">
+              <a:spcBef>
+                <a:spcPts val="0"/>
+              </a:spcBef>
+              <a:spcAft>
+                <a:spcPts val="0"/>
+              </a:spcAft>
+              <a:buNone/>
+            </a:pPr>
+            <a:r>
+              <a:rPr lang="en" sz="1600">
+                <a:solidFill>
+                  <a:schemeClr val="dk2"/>
+                </a:solidFill>
+              </a:rPr>
+              <a:t>Gaussian PDF</a:t>
+            </a:r>
+            <a:endParaRPr sz="1600">
+              <a:solidFill>
+                <a:schemeClr val="dk2"/>
+              </a:solidFill>
+            </a:endParaRPr>
+          </a:p>
+        </p:txBody>
+      </p:sp>
+      <p:sp>
+        <p:nvSpPr>
+          <p:cNvPr id="190" name="Google Shape;190;p31"/>
+          <p:cNvSpPr txBox="1"/>
+          <p:nvPr/>
+        </p:nvSpPr>
+        <p:spPr>
+          <a:xfrm>
+            <a:off x="4892025" y="4488175"/>
+            <a:ext cx="1609800" cy="381000"/>
+          </a:xfrm>
+          <a:prstGeom prst="rect">
+            <a:avLst/>
+          </a:prstGeom>
+          <a:noFill/>
+          <a:ln>
+            <a:noFill/>
+          </a:ln>
+        </p:spPr>
+        <p:txBody>
+          <a:bodyPr spcFirstLastPara="1" wrap="square" lIns="91425" tIns="91425" rIns="91425" bIns="91425" anchor="t" anchorCtr="0">
+            <a:noAutofit/>
+          </a:bodyPr>
+          <a:lstStyle/>
+          <a:p>
+            <a:pPr marL="0" lvl="0" indent="0" algn="l" rtl="0">
+              <a:spcBef>
+                <a:spcPts val="0"/>
+              </a:spcBef>
+              <a:spcAft>
+                <a:spcPts val="0"/>
+              </a:spcAft>
+              <a:buNone/>
+            </a:pPr>
+            <a:r>
+              <a:rPr lang="en" sz="1600">
+                <a:solidFill>
+                  <a:schemeClr val="dk2"/>
+                </a:solidFill>
+              </a:rPr>
+              <a:t>Laplacian PDF</a:t>
+            </a:r>
+            <a:endParaRPr sz="1600">
+              <a:solidFill>
+                <a:schemeClr val="dk2"/>
+              </a:solidFill>
+            </a:endParaRPr>
+          </a:p>
+        </p:txBody>
+      </p:sp>
+      <p:pic>
+        <p:nvPicPr>
+          <p:cNvPr id="191" name="Google Shape;191;p31"/>
+          <p:cNvPicPr preferRelativeResize="0"/>
+          <p:nvPr/>
+        </p:nvPicPr>
+        <p:blipFill>
+          <a:blip r:embed="rId4">
+            <a:alphaModFix/>
+          </a:blip>
+          <a:stretch>
+            <a:fillRect/>
+          </a:stretch>
+        </p:blipFill>
+        <p:spPr>
+          <a:xfrm>
+            <a:off x="1118225" y="985800"/>
+            <a:ext cx="2457450" cy="590550"/>
+          </a:xfrm>
+          <a:prstGeom prst="rect">
+            <a:avLst/>
+          </a:prstGeom>
+          <a:noFill/>
+          <a:ln>
+            <a:noFill/>
+          </a:ln>
+        </p:spPr>
+      </p:pic>
+      <p:pic>
+        <p:nvPicPr>
+          <p:cNvPr id="192" name="Google Shape;192;p31"/>
+          <p:cNvPicPr preferRelativeResize="0"/>
+          <p:nvPr/>
+        </p:nvPicPr>
+        <p:blipFill>
+          <a:blip r:embed="rId5">
+            <a:alphaModFix/>
+          </a:blip>
+          <a:stretch>
+            <a:fillRect/>
+          </a:stretch>
+        </p:blipFill>
+        <p:spPr>
+          <a:xfrm>
+            <a:off x="4252913" y="938175"/>
+            <a:ext cx="3914775" cy="638175"/>
+          </a:xfrm>
+          <a:prstGeom prst="rect">
+            <a:avLst/>
+          </a:prstGeom>
+          <a:noFill/>
+          <a:ln>
+            <a:noFill/>
+          </a:ln>
+        </p:spPr>
+      </p:pic>
+    </p:spTree>
+  </p:cSld>
+  <p:clrMapOvr>
+    <a:masterClrMapping/>
+  </p:clrMapOvr>
+</p:sld>
+</file>
+
+<file path=ppt/slides/slide7.xml><?xml version="1.0" encoding="utf-8"?>
 <p:sld xmlns:a="http://schemas.openxmlformats.org/drawingml/2006/main" xmlns:r="http://schemas.openxmlformats.org/officeDocument/2006/relationships" xmlns:p="http://schemas.openxmlformats.org/presentationml/2006/main">
   <p:cSld>
     <p:spTree>
@@ -11459,7 +12574,7 @@
 </p:sld>
 </file>
 
-<file path=ppt/slides/slide6.xml><?xml version="1.0" encoding="utf-8"?>
+<file path=ppt/slides/slide8.xml><?xml version="1.0" encoding="utf-8"?>
 <p:sld xmlns:a="http://schemas.openxmlformats.org/drawingml/2006/main" xmlns:r="http://schemas.openxmlformats.org/officeDocument/2006/relationships" xmlns:p="http://schemas.openxmlformats.org/presentationml/2006/main">
   <p:cSld>
     <p:spTree>
@@ -11632,7 +12747,7 @@
 </p:sld>
 </file>
 
-<file path=ppt/slides/slide7.xml><?xml version="1.0" encoding="utf-8"?>
+<file path=ppt/slides/slide9.xml><?xml version="1.0" encoding="utf-8"?>
 <p:sld xmlns:a="http://schemas.openxmlformats.org/drawingml/2006/main" xmlns:r="http://schemas.openxmlformats.org/officeDocument/2006/relationships" xmlns:p="http://schemas.openxmlformats.org/presentationml/2006/main">
   <p:cSld>
     <p:spTree>
@@ -11685,10 +12800,10 @@
               <a:buChar char="●"/>
             </a:pPr>
             <a:r>
-              <a:rPr lang="en"/>
+              <a:rPr lang="en" dirty="0"/>
               <a:t>The difference between adjacent quantization levels, i.e., the step size ∆, is constant.</a:t>
             </a:r>
-            <a:endParaRPr/>
+            <a:endParaRPr dirty="0"/>
           </a:p>
           <a:p>
             <a:pPr marL="457200" lvl="0" indent="-342900" algn="l" rtl="0">
@@ -11702,10 +12817,10 @@
               <a:buChar char="●"/>
             </a:pPr>
             <a:r>
-              <a:rPr lang="en"/>
+              <a:rPr lang="en" dirty="0"/>
               <a:t>The number of quantization levels, Q, is Q = 2^Rb, where Rb denotes the number of bits.</a:t>
             </a:r>
-            <a:endParaRPr/>
+            <a:endParaRPr dirty="0"/>
           </a:p>
           <a:p>
             <a:pPr marL="457200" lvl="0" indent="-342900" algn="l" rtl="0">
@@ -11719,10 +12834,10 @@
               <a:buChar char="●"/>
             </a:pPr>
             <a:r>
-              <a:rPr lang="en"/>
+              <a:rPr lang="en" dirty="0"/>
               <a:t>The performance of uniform PCM can be described in terms of signal-to-noise ratio, SNR =</a:t>
             </a:r>
-            <a:endParaRPr/>
+            <a:endParaRPr dirty="0"/>
           </a:p>
           <a:p>
             <a:pPr marL="457200" lvl="0" indent="-342900" algn="l" rtl="0">
@@ -11736,10 +12851,26 @@
               <a:buChar char="●"/>
             </a:pPr>
             <a:r>
-              <a:rPr lang="en"/>
-              <a:t>Consider a signal s is quantized in the interval (-smax, smax). A uniform step size is          A    </a:t>
+              <a:rPr lang="en" dirty="0"/>
+              <a:t>Consider a signal s is quantized in the interval (-</a:t>
             </a:r>
-            <a:endParaRPr/>
+            <a:r>
+              <a:rPr lang="en" dirty="0" err="1"/>
+              <a:t>smax</a:t>
+            </a:r>
+            <a:r>
+              <a:rPr lang="en" dirty="0"/>
+              <a:t>, </a:t>
+            </a:r>
+            <a:r>
+              <a:rPr lang="en" dirty="0" err="1"/>
+              <a:t>smax</a:t>
+            </a:r>
+            <a:r>
+              <a:rPr lang="en" dirty="0"/>
+              <a:t>). A uniform step size is          A    </a:t>
+            </a:r>
+            <a:endParaRPr dirty="0"/>
           </a:p>
           <a:p>
             <a:pPr marL="457200" lvl="0" indent="-342900" algn="l" rtl="0">
@@ -11753,10 +12884,10 @@
               <a:buChar char="●"/>
             </a:pPr>
             <a:r>
-              <a:rPr lang="en"/>
+              <a:rPr lang="en" dirty="0"/>
               <a:t>Let's assume a quantization noise with uniform PDF, </a:t>
             </a:r>
-            <a:endParaRPr/>
+            <a:endParaRPr dirty="0"/>
           </a:p>
           <a:p>
             <a:pPr marL="457200" lvl="0" indent="-342900" algn="l" rtl="0">
@@ -11770,10 +12901,10 @@
               <a:buChar char="●"/>
             </a:pPr>
             <a:r>
-              <a:rPr lang="en"/>
-              <a:t>The variance is </a:t>
+              <a:rPr lang="en" dirty="0"/>
+              <a:t>The variance of the quantization noise is </a:t>
             </a:r>
-            <a:endParaRPr/>
+            <a:endParaRPr dirty="0"/>
           </a:p>
           <a:p>
             <a:pPr marL="457200" lvl="0" indent="-342900" algn="l" rtl="0">
@@ -11787,10 +12918,10 @@
               <a:buChar char="●"/>
             </a:pPr>
             <a:r>
-              <a:rPr lang="en"/>
+              <a:rPr lang="en" dirty="0"/>
               <a:t>Increase of 1 bit reduces the noise variance by a factor of four and improves the SNR approximately by 6dB.</a:t>
             </a:r>
-            <a:endParaRPr/>
+            <a:endParaRPr dirty="0"/>
           </a:p>
         </p:txBody>
       </p:sp>
@@ -11864,7 +12995,7 @@
         </p:blipFill>
         <p:spPr>
           <a:xfrm>
-            <a:off x="2356150" y="3163275"/>
+            <a:off x="4965206" y="3177906"/>
             <a:ext cx="1804375" cy="456225"/>
           </a:xfrm>
           <a:prstGeom prst="rect">
@@ -11904,300 +13035,6 @@
           </a:ln>
         </p:spPr>
       </p:pic>
-    </p:spTree>
-  </p:cSld>
-  <p:clrMapOvr>
-    <a:masterClrMapping/>
-  </p:clrMapOvr>
-</p:sld>
-</file>
-
-<file path=ppt/slides/slide8.xml><?xml version="1.0" encoding="utf-8"?>
-<p:sld xmlns:a="http://schemas.openxmlformats.org/drawingml/2006/main" xmlns:r="http://schemas.openxmlformats.org/officeDocument/2006/relationships" xmlns:p="http://schemas.openxmlformats.org/presentationml/2006/main">
-  <p:cSld>
-    <p:spTree>
-      <p:nvGrpSpPr>
-        <p:cNvPr id="1" name="Shape 101"/>
-        <p:cNvGrpSpPr/>
-        <p:nvPr/>
-      </p:nvGrpSpPr>
-      <p:grpSpPr>
-        <a:xfrm>
-          <a:off x="0" y="0"/>
-          <a:ext cx="0" cy="0"/>
-          <a:chOff x="0" y="0"/>
-          <a:chExt cx="0" cy="0"/>
-        </a:xfrm>
-      </p:grpSpPr>
-      <p:sp>
-        <p:nvSpPr>
-          <p:cNvPr id="102" name="Google Shape;102;p20"/>
-          <p:cNvSpPr txBox="1">
-            <a:spLocks noGrp="1"/>
-          </p:cNvSpPr>
-          <p:nvPr>
-            <p:ph type="title"/>
-          </p:nvPr>
-        </p:nvSpPr>
-        <p:spPr>
-          <a:xfrm>
-            <a:off x="311700" y="164750"/>
-            <a:ext cx="8520600" cy="572700"/>
-          </a:xfrm>
-          <a:prstGeom prst="rect">
-            <a:avLst/>
-          </a:prstGeom>
-        </p:spPr>
-        <p:txBody>
-          <a:bodyPr spcFirstLastPara="1" wrap="square" lIns="91425" tIns="91425" rIns="91425" bIns="91425" anchor="t" anchorCtr="0">
-            <a:normAutofit fontScale="90000"/>
-          </a:bodyPr>
-          <a:lstStyle/>
-          <a:p>
-            <a:pPr marL="0" lvl="0" indent="0" algn="l" rtl="0">
-              <a:spcBef>
-                <a:spcPts val="0"/>
-              </a:spcBef>
-              <a:spcAft>
-                <a:spcPts val="0"/>
-              </a:spcAft>
-              <a:buNone/>
-            </a:pPr>
-            <a:r>
-              <a:rPr lang="en"/>
-              <a:t>Scalar quantization: non uniform </a:t>
-            </a:r>
-            <a:endParaRPr/>
-          </a:p>
-        </p:txBody>
-      </p:sp>
-      <p:pic>
-        <p:nvPicPr>
-          <p:cNvPr id="103" name="Google Shape;103;p20"/>
-          <p:cNvPicPr preferRelativeResize="0"/>
-          <p:nvPr/>
-        </p:nvPicPr>
-        <p:blipFill>
-          <a:blip r:embed="rId3">
-            <a:alphaModFix/>
-          </a:blip>
-          <a:stretch>
-            <a:fillRect/>
-          </a:stretch>
-        </p:blipFill>
-        <p:spPr>
-          <a:xfrm>
-            <a:off x="152400" y="1170125"/>
-            <a:ext cx="4330575" cy="3552500"/>
-          </a:xfrm>
-          <a:prstGeom prst="rect">
-            <a:avLst/>
-          </a:prstGeom>
-          <a:noFill/>
-          <a:ln>
-            <a:noFill/>
-          </a:ln>
-        </p:spPr>
-      </p:pic>
-      <p:pic>
-        <p:nvPicPr>
-          <p:cNvPr id="104" name="Google Shape;104;p20"/>
-          <p:cNvPicPr preferRelativeResize="0"/>
-          <p:nvPr/>
-        </p:nvPicPr>
-        <p:blipFill>
-          <a:blip r:embed="rId4">
-            <a:alphaModFix/>
-          </a:blip>
-          <a:stretch>
-            <a:fillRect/>
-          </a:stretch>
-        </p:blipFill>
-        <p:spPr>
-          <a:xfrm>
-            <a:off x="5422225" y="1282350"/>
-            <a:ext cx="3100025" cy="3192950"/>
-          </a:xfrm>
-          <a:prstGeom prst="rect">
-            <a:avLst/>
-          </a:prstGeom>
-          <a:noFill/>
-          <a:ln>
-            <a:noFill/>
-          </a:ln>
-        </p:spPr>
-      </p:pic>
-    </p:spTree>
-  </p:cSld>
-  <p:clrMapOvr>
-    <a:masterClrMapping/>
-  </p:clrMapOvr>
-</p:sld>
-</file>
-
-<file path=ppt/slides/slide9.xml><?xml version="1.0" encoding="utf-8"?>
-<p:sld xmlns:a="http://schemas.openxmlformats.org/drawingml/2006/main" xmlns:r="http://schemas.openxmlformats.org/officeDocument/2006/relationships" xmlns:p="http://schemas.openxmlformats.org/presentationml/2006/main">
-  <p:cSld>
-    <p:spTree>
-      <p:nvGrpSpPr>
-        <p:cNvPr id="1" name="Shape 108"/>
-        <p:cNvGrpSpPr/>
-        <p:nvPr/>
-      </p:nvGrpSpPr>
-      <p:grpSpPr>
-        <a:xfrm>
-          <a:off x="0" y="0"/>
-          <a:ext cx="0" cy="0"/>
-          <a:chOff x="0" y="0"/>
-          <a:chExt cx="0" cy="0"/>
-        </a:xfrm>
-      </p:grpSpPr>
-      <p:sp>
-        <p:nvSpPr>
-          <p:cNvPr id="109" name="Google Shape;109;p21"/>
-          <p:cNvSpPr txBox="1">
-            <a:spLocks noGrp="1"/>
-          </p:cNvSpPr>
-          <p:nvPr>
-            <p:ph type="body" idx="1"/>
-          </p:nvPr>
-        </p:nvSpPr>
-        <p:spPr>
-          <a:xfrm>
-            <a:off x="129550" y="695275"/>
-            <a:ext cx="8907900" cy="2482200"/>
-          </a:xfrm>
-          <a:prstGeom prst="rect">
-            <a:avLst/>
-          </a:prstGeom>
-        </p:spPr>
-        <p:txBody>
-          <a:bodyPr spcFirstLastPara="1" wrap="square" lIns="91425" tIns="91425" rIns="91425" bIns="91425" anchor="t" anchorCtr="0">
-            <a:normAutofit/>
-          </a:bodyPr>
-          <a:lstStyle/>
-          <a:p>
-            <a:pPr marL="457200" lvl="0" indent="-342900" algn="l" rtl="0">
-              <a:spcBef>
-                <a:spcPts val="0"/>
-              </a:spcBef>
-              <a:spcAft>
-                <a:spcPts val="0"/>
-              </a:spcAft>
-              <a:buSzPts val="1800"/>
-              <a:buChar char="●"/>
-            </a:pPr>
-            <a:r>
-              <a:rPr lang="en"/>
-              <a:t>Non-uniform PCM quantizers use a non uniform step size that can be determined from the statistical structure of the signal.</a:t>
-            </a:r>
-            <a:endParaRPr/>
-          </a:p>
-          <a:p>
-            <a:pPr marL="457200" lvl="0" indent="-342900" algn="l" rtl="0">
-              <a:spcBef>
-                <a:spcPts val="0"/>
-              </a:spcBef>
-              <a:spcAft>
-                <a:spcPts val="0"/>
-              </a:spcAft>
-              <a:buSzPts val="1800"/>
-              <a:buChar char="●"/>
-            </a:pPr>
-            <a:r>
-              <a:rPr lang="en"/>
-              <a:t>PDF-optimized PCM uses fine step sizes for frequently occurring amplitudes and coarse step sizes for less frequently occurring amplitudes.</a:t>
-            </a:r>
-            <a:endParaRPr/>
-          </a:p>
-          <a:p>
-            <a:pPr marL="457200" lvl="0" indent="-342900" algn="l" rtl="0">
-              <a:spcBef>
-                <a:spcPts val="0"/>
-              </a:spcBef>
-              <a:spcAft>
-                <a:spcPts val="0"/>
-              </a:spcAft>
-              <a:buSzPts val="1800"/>
-              <a:buChar char="●"/>
-            </a:pPr>
-            <a:r>
-              <a:rPr lang="en"/>
-              <a:t>A signal with a Gaussian PDF can be quantized more efficiently by computing the quantization step sizes and the corresponding centroids such that the mean square quantization noise is minimized.</a:t>
-            </a:r>
-            <a:endParaRPr/>
-          </a:p>
-        </p:txBody>
-      </p:sp>
-      <p:pic>
-        <p:nvPicPr>
-          <p:cNvPr id="110" name="Google Shape;110;p21"/>
-          <p:cNvPicPr preferRelativeResize="0"/>
-          <p:nvPr/>
-        </p:nvPicPr>
-        <p:blipFill rotWithShape="1">
-          <a:blip r:embed="rId3">
-            <a:alphaModFix/>
-          </a:blip>
-          <a:srcRect l="3956"/>
-          <a:stretch/>
-        </p:blipFill>
-        <p:spPr>
-          <a:xfrm>
-            <a:off x="4997675" y="2612425"/>
-            <a:ext cx="3697449" cy="2447275"/>
-          </a:xfrm>
-          <a:prstGeom prst="rect">
-            <a:avLst/>
-          </a:prstGeom>
-          <a:noFill/>
-          <a:ln>
-            <a:noFill/>
-          </a:ln>
-        </p:spPr>
-      </p:pic>
-      <p:sp>
-        <p:nvSpPr>
-          <p:cNvPr id="111" name="Google Shape;111;p21"/>
-          <p:cNvSpPr txBox="1">
-            <a:spLocks noGrp="1"/>
-          </p:cNvSpPr>
-          <p:nvPr>
-            <p:ph type="title"/>
-          </p:nvPr>
-        </p:nvSpPr>
-        <p:spPr>
-          <a:xfrm>
-            <a:off x="273600" y="140225"/>
-            <a:ext cx="8520600" cy="572700"/>
-          </a:xfrm>
-          <a:prstGeom prst="rect">
-            <a:avLst/>
-          </a:prstGeom>
-        </p:spPr>
-        <p:txBody>
-          <a:bodyPr spcFirstLastPara="1" wrap="square" lIns="91425" tIns="91425" rIns="91425" bIns="91425" anchor="t" anchorCtr="0">
-            <a:normAutofit fontScale="90000"/>
-          </a:bodyPr>
-          <a:lstStyle/>
-          <a:p>
-            <a:pPr marL="0" lvl="0" indent="0" algn="l" rtl="0">
-              <a:spcBef>
-                <a:spcPts val="0"/>
-              </a:spcBef>
-              <a:spcAft>
-                <a:spcPts val="0"/>
-              </a:spcAft>
-              <a:buNone/>
-            </a:pPr>
-            <a:r>
-              <a:rPr lang="en"/>
-              <a:t>PDF-optimized PCM</a:t>
-            </a:r>
-            <a:endParaRPr/>
-          </a:p>
-        </p:txBody>
-      </p:sp>
     </p:spTree>
   </p:cSld>
   <p:clrMapOvr>

--- a/lectures/2. Quantization and _entropy coding.pptx
+++ b/lectures/2. Quantization and _entropy coding.pptx
@@ -10260,7 +10260,7 @@
             </a:r>
             <a:r>
               <a:rPr lang="en" dirty="0" err="1"/>
-              <a:t>ith</a:t>
+              <a:t>i-th</a:t>
             </a:r>
             <a:r>
               <a:rPr lang="en" dirty="0"/>
@@ -10598,6 +10598,9 @@
           <a:lstStyle/>
           <a:p>
             <a:pPr marL="457200" lvl="0" indent="-342900" algn="l" rtl="0">
+              <a:lnSpc>
+                <a:spcPct val="150000"/>
+              </a:lnSpc>
               <a:spcBef>
                 <a:spcPts val="0"/>
               </a:spcBef>
@@ -10615,6 +10618,9 @@
           </a:p>
           <a:p>
             <a:pPr marL="457200" lvl="0" indent="-342900" algn="l" rtl="0">
+              <a:lnSpc>
+                <a:spcPct val="150000"/>
+              </a:lnSpc>
               <a:spcBef>
                 <a:spcPts val="0"/>
               </a:spcBef>
@@ -10725,6 +10731,9 @@
           <a:lstStyle/>
           <a:p>
             <a:pPr marL="457200" lvl="0" indent="-342900" algn="l" rtl="0">
+              <a:lnSpc>
+                <a:spcPct val="150000"/>
+              </a:lnSpc>
               <a:spcBef>
                 <a:spcPts val="0"/>
               </a:spcBef>
@@ -10741,6 +10750,9 @@
           </a:p>
           <a:p>
             <a:pPr marL="457200" lvl="0" indent="-342900" algn="l" rtl="0">
+              <a:lnSpc>
+                <a:spcPct val="150000"/>
+              </a:lnSpc>
               <a:spcBef>
                 <a:spcPts val="0"/>
               </a:spcBef>
@@ -10758,6 +10770,9 @@
           </a:p>
           <a:p>
             <a:pPr marL="457200" lvl="0" indent="-342900" algn="l" rtl="0">
+              <a:lnSpc>
+                <a:spcPct val="150000"/>
+              </a:lnSpc>
               <a:spcBef>
                 <a:spcPts val="0"/>
               </a:spcBef>
@@ -10768,25 +10783,12 @@
               <a:buChar char="●"/>
             </a:pPr>
             <a:r>
-              <a:rPr lang="en" dirty="0"/>
-              <a:t>Technique to construct minimum redundancy codes. </a:t>
+              <a:rPr lang="en"/>
+              <a:t>Regarded </a:t>
             </a:r>
-            <a:endParaRPr dirty="0"/>
-          </a:p>
-          <a:p>
-            <a:pPr marL="457200" lvl="0" indent="-342900" algn="l" rtl="0">
-              <a:spcBef>
-                <a:spcPts val="0"/>
-              </a:spcBef>
-              <a:spcAft>
-                <a:spcPts val="0"/>
-              </a:spcAft>
-              <a:buSzPts val="1800"/>
-              <a:buChar char="●"/>
-            </a:pPr>
             <a:r>
               <a:rPr lang="en" dirty="0"/>
-              <a:t>Regarded as the most effective compression method, provided that the codes designed using a specific set of symbol frequencies match the input symbol frequencies.</a:t>
+              <a:t>as the most effective compression method, provided that the codes designed using a specific set of symbol frequencies match the input symbol frequencies.</a:t>
             </a:r>
             <a:endParaRPr dirty="0"/>
           </a:p>
@@ -10887,15 +10889,17 @@
         </p:nvSpPr>
         <p:spPr>
           <a:xfrm>
-            <a:off x="4545582" y="3870994"/>
-            <a:ext cx="4598418" cy="400079"/>
+            <a:off x="4921082" y="3822204"/>
+            <a:ext cx="3579364" cy="615523"/>
           </a:xfrm>
           <a:prstGeom prst="rect">
             <a:avLst/>
           </a:prstGeom>
           <a:noFill/>
           <a:ln>
-            <a:noFill/>
+            <a:solidFill>
+              <a:schemeClr val="bg2"/>
+            </a:solidFill>
           </a:ln>
         </p:spPr>
         <p:txBody>
@@ -10904,7 +10908,7 @@
           </a:bodyPr>
           <a:lstStyle/>
           <a:p>
-            <a:pPr marL="0" lvl="0" indent="0" rtl="0">
+            <a:pPr marL="0" lvl="0" indent="0" algn="ctr" rtl="0">
               <a:spcBef>
                 <a:spcPts val="0"/>
               </a:spcBef>
@@ -10914,14 +10918,29 @@
               <a:buNone/>
             </a:pPr>
             <a:r>
-              <a:rPr lang="en" dirty="0">
+              <a:rPr lang="en" b="1" dirty="0">
                 <a:solidFill>
                   <a:schemeClr val="dk2"/>
                 </a:solidFill>
               </a:rPr>
-              <a:t>Total length of the encoded bitstream is L_HF = 23 bits.</a:t>
+              <a:t>Total length of the encoded bitstream is </a:t>
             </a:r>
-            <a:endParaRPr dirty="0">
+            <a:br>
+              <a:rPr lang="en" b="1" dirty="0">
+                <a:solidFill>
+                  <a:schemeClr val="dk2"/>
+                </a:solidFill>
+              </a:rPr>
+            </a:br>
+            <a:r>
+              <a:rPr lang="en" b="1" dirty="0">
+                <a:solidFill>
+                  <a:schemeClr val="dk2"/>
+                </a:solidFill>
+              </a:rPr>
+              <a:t>L_HF = 23 bits.</a:t>
+            </a:r>
+            <a:endParaRPr b="1" dirty="0">
               <a:solidFill>
                 <a:schemeClr val="dk2"/>
               </a:solidFill>
@@ -10951,8 +10970,8 @@
         </p:blipFill>
         <p:spPr>
           <a:xfrm>
-            <a:off x="167572" y="3373582"/>
-            <a:ext cx="3884047" cy="1243693"/>
+            <a:off x="167572" y="3373581"/>
+            <a:ext cx="4369680" cy="1399195"/>
           </a:xfrm>
           <a:prstGeom prst="rect">
             <a:avLst/>

--- a/lectures/2. Quantization and _entropy coding.pptx
+++ b/lectures/2. Quantization and _entropy coding.pptx
@@ -2510,6 +2510,67 @@
         </p:txBody>
       </p:sp>
     </p:spTree>
+  </p:cSld>
+  <p:clrMapOvr>
+    <a:masterClrMapping/>
+  </p:clrMapOvr>
+</p:notes>
+</file>
+
+<file path=ppt/notesSlides/notesSlide25.xml><?xml version="1.0" encoding="utf-8"?>
+<p:notes xmlns:a="http://schemas.openxmlformats.org/drawingml/2006/main" xmlns:r="http://schemas.openxmlformats.org/officeDocument/2006/relationships" xmlns:p="http://schemas.openxmlformats.org/presentationml/2006/main">
+  <p:cSld>
+    <p:spTree>
+      <p:nvGrpSpPr>
+        <p:cNvPr id="1" name=""/>
+        <p:cNvGrpSpPr/>
+        <p:nvPr/>
+      </p:nvGrpSpPr>
+      <p:grpSpPr>
+        <a:xfrm>
+          <a:off x="0" y="0"/>
+          <a:ext cx="0" cy="0"/>
+          <a:chOff x="0" y="0"/>
+          <a:chExt cx="0" cy="0"/>
+        </a:xfrm>
+      </p:grpSpPr>
+      <p:sp>
+        <p:nvSpPr>
+          <p:cNvPr id="2" name="Slide Image Placeholder 1"/>
+          <p:cNvSpPr>
+            <a:spLocks noGrp="1" noRot="1" noChangeAspect="1"/>
+          </p:cNvSpPr>
+          <p:nvPr>
+            <p:ph type="sldImg"/>
+          </p:nvPr>
+        </p:nvSpPr>
+        <p:spPr/>
+      </p:sp>
+      <p:sp>
+        <p:nvSpPr>
+          <p:cNvPr id="3" name="Notes Placeholder 2"/>
+          <p:cNvSpPr>
+            <a:spLocks noGrp="1"/>
+          </p:cNvSpPr>
+          <p:nvPr>
+            <p:ph type="body" idx="1"/>
+          </p:nvPr>
+        </p:nvSpPr>
+        <p:spPr/>
+        <p:txBody>
+          <a:bodyPr/>
+          <a:lstStyle/>
+          <a:p>
+            <a:endParaRPr lang="en-US"/>
+          </a:p>
+        </p:txBody>
+      </p:sp>
+    </p:spTree>
+    <p:extLst>
+      <p:ext uri="{BB962C8B-B14F-4D97-AF65-F5344CB8AC3E}">
+        <p14:creationId xmlns:p14="http://schemas.microsoft.com/office/powerpoint/2010/main" val="918448512"/>
+      </p:ext>
+    </p:extLst>
   </p:cSld>
   <p:clrMapOvr>
     <a:masterClrMapping/>

--- a/lectures/2. Quantization and _entropy coding.pptx
+++ b/lectures/2. Quantization and _entropy coding.pptx
@@ -2544,7 +2544,12 @@
             <p:ph type="sldImg"/>
           </p:nvPr>
         </p:nvSpPr>
-        <p:spPr/>
+        <p:spPr>
+          <a:xfrm>
+            <a:off x="381000" y="685800"/>
+            <a:ext cx="6096000" cy="3429000"/>
+          </a:xfrm>
+        </p:spPr>
       </p:sp>
       <p:sp>
         <p:nvSpPr>
@@ -11521,6 +11526,78 @@
               <a:t> (2007). Audio Signal Processing and Coding. John Wiley &amp; Sons, Inc.</a:t>
             </a:r>
           </a:p>
+          <a:p>
+            <a:r>
+              <a:rPr lang="en-US" dirty="0">
+                <a:hlinkClick r:id="rId3"/>
+              </a:rPr>
+              <a:t>https://github.com/xserra/audio-coding-materials/</a:t>
+            </a:r>
+            <a:endParaRPr lang="en-US" dirty="0"/>
+          </a:p>
+          <a:p>
+            <a:pPr lvl="1"/>
+            <a:r>
+              <a:rPr lang="en-US" dirty="0"/>
+              <a:t>examples/</a:t>
+            </a:r>
+            <a:r>
+              <a:rPr lang="en-US" dirty="0" err="1"/>
+              <a:t>downsample-chirp.ipynb</a:t>
+            </a:r>
+            <a:endParaRPr lang="en-US" dirty="0"/>
+          </a:p>
+          <a:p>
+            <a:pPr lvl="1"/>
+            <a:r>
+              <a:rPr lang="en-US" dirty="0"/>
+              <a:t>examples/</a:t>
+            </a:r>
+            <a:r>
+              <a:rPr lang="en-US" dirty="0" err="1"/>
+              <a:t>resample.ipynb</a:t>
+            </a:r>
+            <a:endParaRPr lang="en-US" dirty="0"/>
+          </a:p>
+          <a:p>
+            <a:pPr lvl="1"/>
+            <a:r>
+              <a:rPr lang="en-US" dirty="0"/>
+              <a:t>examples/</a:t>
+            </a:r>
+            <a:r>
+              <a:rPr lang="en-US" dirty="0" err="1"/>
+              <a:t>entropy.ipynb</a:t>
+            </a:r>
+            <a:endParaRPr lang="en-US" dirty="0"/>
+          </a:p>
+          <a:p>
+            <a:pPr lvl="1"/>
+            <a:r>
+              <a:rPr lang="en-US" dirty="0"/>
+              <a:t>examples/</a:t>
+            </a:r>
+            <a:r>
+              <a:rPr lang="en-US" dirty="0" err="1"/>
+              <a:t>huffman-coding.ipynb</a:t>
+            </a:r>
+            <a:endParaRPr lang="en-US" dirty="0"/>
+          </a:p>
+          <a:p>
+            <a:pPr lvl="1"/>
+            <a:endParaRPr lang="en-US" dirty="0"/>
+          </a:p>
+          <a:p>
+            <a:pPr lvl="1"/>
+            <a:endParaRPr lang="en-US" dirty="0"/>
+          </a:p>
+          <a:p>
+            <a:pPr lvl="1"/>
+            <a:endParaRPr lang="en-US" dirty="0"/>
+          </a:p>
+          <a:p>
+            <a:endParaRPr lang="en-US" dirty="0"/>
+          </a:p>
         </p:txBody>
       </p:sp>
     </p:spTree>

--- a/lectures/2. Quantization and _entropy coding.pptx
+++ b/lectures/2. Quantization and _entropy coding.pptx
@@ -1067,7 +1067,7 @@
         </p:nvSpPr>
         <p:spPr>
           <a:xfrm>
-            <a:off x="381300" y="685800"/>
+            <a:off x="381000" y="685800"/>
             <a:ext cx="6096000" cy="3429000"/>
           </a:xfrm>
           <a:custGeom>
@@ -1130,7 +1130,7 @@
               </a:spcAft>
               <a:buNone/>
             </a:pPr>
-            <a:endParaRPr/>
+            <a:endParaRPr dirty="0"/>
           </a:p>
         </p:txBody>
       </p:sp>
@@ -8316,83 +8316,6 @@
           <a:chExt cx="0" cy="0"/>
         </a:xfrm>
       </p:grpSpPr>
-      <p:sp>
-        <p:nvSpPr>
-          <p:cNvPr id="109" name="Google Shape;109;p21"/>
-          <p:cNvSpPr txBox="1">
-            <a:spLocks noGrp="1"/>
-          </p:cNvSpPr>
-          <p:nvPr>
-            <p:ph type="body" idx="1"/>
-          </p:nvPr>
-        </p:nvSpPr>
-        <p:spPr>
-          <a:xfrm>
-            <a:off x="129550" y="695275"/>
-            <a:ext cx="8907900" cy="2482200"/>
-          </a:xfrm>
-          <a:prstGeom prst="rect">
-            <a:avLst/>
-          </a:prstGeom>
-        </p:spPr>
-        <p:txBody>
-          <a:bodyPr spcFirstLastPara="1" wrap="square" lIns="91425" tIns="91425" rIns="91425" bIns="91425" anchor="t" anchorCtr="0">
-            <a:normAutofit/>
-          </a:bodyPr>
-          <a:lstStyle/>
-          <a:p>
-            <a:pPr marL="457200" lvl="0" indent="-342900" algn="l" rtl="0">
-              <a:spcBef>
-                <a:spcPts val="0"/>
-              </a:spcBef>
-              <a:spcAft>
-                <a:spcPts val="0"/>
-              </a:spcAft>
-              <a:buSzPts val="1800"/>
-              <a:buChar char="●"/>
-            </a:pPr>
-            <a:r>
-              <a:rPr lang="en"/>
-              <a:t>Non-uniform PCM quantizers use a non uniform step size that can be determined from the statistical structure of the signal.</a:t>
-            </a:r>
-            <a:endParaRPr/>
-          </a:p>
-          <a:p>
-            <a:pPr marL="457200" lvl="0" indent="-342900" algn="l" rtl="0">
-              <a:spcBef>
-                <a:spcPts val="0"/>
-              </a:spcBef>
-              <a:spcAft>
-                <a:spcPts val="0"/>
-              </a:spcAft>
-              <a:buSzPts val="1800"/>
-              <a:buChar char="●"/>
-            </a:pPr>
-            <a:r>
-              <a:rPr lang="en"/>
-              <a:t>PDF-optimized PCM uses fine step sizes for frequently occurring amplitudes and coarse step sizes for less frequently occurring amplitudes.</a:t>
-            </a:r>
-            <a:endParaRPr/>
-          </a:p>
-          <a:p>
-            <a:pPr marL="457200" lvl="0" indent="-342900" algn="l" rtl="0">
-              <a:spcBef>
-                <a:spcPts val="0"/>
-              </a:spcBef>
-              <a:spcAft>
-                <a:spcPts val="0"/>
-              </a:spcAft>
-              <a:buSzPts val="1800"/>
-              <a:buChar char="●"/>
-            </a:pPr>
-            <a:r>
-              <a:rPr lang="en"/>
-              <a:t>A signal with a Gaussian PDF can be quantized more efficiently by computing the quantization step sizes and the corresponding centroids such that the mean square quantization noise is minimized.</a:t>
-            </a:r>
-            <a:endParaRPr/>
-          </a:p>
-        </p:txBody>
-      </p:sp>
       <p:pic>
         <p:nvPicPr>
           <p:cNvPr id="110" name="Google Shape;110;p21"/>
@@ -8420,6 +8343,83 @@
           </a:ln>
         </p:spPr>
       </p:pic>
+      <p:sp>
+        <p:nvSpPr>
+          <p:cNvPr id="109" name="Google Shape;109;p21"/>
+          <p:cNvSpPr txBox="1">
+            <a:spLocks noGrp="1"/>
+          </p:cNvSpPr>
+          <p:nvPr>
+            <p:ph type="body" idx="1"/>
+          </p:nvPr>
+        </p:nvSpPr>
+        <p:spPr>
+          <a:xfrm>
+            <a:off x="129550" y="695275"/>
+            <a:ext cx="8907900" cy="2482200"/>
+          </a:xfrm>
+          <a:prstGeom prst="rect">
+            <a:avLst/>
+          </a:prstGeom>
+        </p:spPr>
+        <p:txBody>
+          <a:bodyPr spcFirstLastPara="1" wrap="square" lIns="91425" tIns="91425" rIns="91425" bIns="91425" anchor="t" anchorCtr="0">
+            <a:normAutofit/>
+          </a:bodyPr>
+          <a:lstStyle/>
+          <a:p>
+            <a:pPr marL="457200" lvl="0" indent="-342900" algn="l" rtl="0">
+              <a:spcBef>
+                <a:spcPts val="0"/>
+              </a:spcBef>
+              <a:spcAft>
+                <a:spcPts val="0"/>
+              </a:spcAft>
+              <a:buSzPts val="1800"/>
+              <a:buChar char="●"/>
+            </a:pPr>
+            <a:r>
+              <a:rPr lang="en" dirty="0"/>
+              <a:t>Non-uniform PCM quantizers use a non uniform step size that can be determined from the statistical structure of the signal.</a:t>
+            </a:r>
+            <a:endParaRPr dirty="0"/>
+          </a:p>
+          <a:p>
+            <a:pPr marL="457200" lvl="0" indent="-342900" algn="l" rtl="0">
+              <a:spcBef>
+                <a:spcPts val="0"/>
+              </a:spcBef>
+              <a:spcAft>
+                <a:spcPts val="0"/>
+              </a:spcAft>
+              <a:buSzPts val="1800"/>
+              <a:buChar char="●"/>
+            </a:pPr>
+            <a:r>
+              <a:rPr lang="en" dirty="0"/>
+              <a:t>PDF-optimized PCM uses fine step sizes for frequently occurring amplitudes and coarse step sizes for less frequently occurring amplitudes.</a:t>
+            </a:r>
+            <a:endParaRPr dirty="0"/>
+          </a:p>
+          <a:p>
+            <a:pPr marL="457200" lvl="0" indent="-342900" algn="l" rtl="0">
+              <a:spcBef>
+                <a:spcPts val="0"/>
+              </a:spcBef>
+              <a:spcAft>
+                <a:spcPts val="0"/>
+              </a:spcAft>
+              <a:buSzPts val="1800"/>
+              <a:buChar char="●"/>
+            </a:pPr>
+            <a:r>
+              <a:rPr lang="en" dirty="0"/>
+              <a:t>A signal with a Gaussian PDF can be quantized more efficiently by computing the quantization step sizes and the corresponding centroids such that the mean square quantization noise is minimized.</a:t>
+            </a:r>
+            <a:endParaRPr dirty="0"/>
+          </a:p>
+        </p:txBody>
+      </p:sp>
       <p:sp>
         <p:nvSpPr>
           <p:cNvPr id="111" name="Google Shape;111;p21"/>
@@ -8635,6 +8635,55 @@
           </a:p>
         </p:txBody>
       </p:sp>
+      <p:sp>
+        <p:nvSpPr>
+          <p:cNvPr id="2" name="Google Shape;109;p21">
+            <a:extLst>
+              <a:ext uri="{FF2B5EF4-FFF2-40B4-BE49-F238E27FC236}">
+                <a16:creationId xmlns:a16="http://schemas.microsoft.com/office/drawing/2014/main" id="{B66510C7-A327-15F1-7DD8-9CAE5DD70488}"/>
+              </a:ext>
+            </a:extLst>
+          </p:cNvPr>
+          <p:cNvSpPr txBox="1">
+            <a:spLocks noGrp="1"/>
+          </p:cNvSpPr>
+          <p:nvPr>
+            <p:ph type="body" idx="1"/>
+          </p:nvPr>
+        </p:nvSpPr>
+        <p:spPr>
+          <a:xfrm>
+            <a:off x="226175" y="2307675"/>
+            <a:ext cx="5160926" cy="1023875"/>
+          </a:xfrm>
+          <a:prstGeom prst="rect">
+            <a:avLst/>
+          </a:prstGeom>
+        </p:spPr>
+        <p:txBody>
+          <a:bodyPr spcFirstLastPara="1" wrap="square" lIns="91425" tIns="91425" rIns="91425" bIns="91425" anchor="t" anchorCtr="0">
+            <a:normAutofit fontScale="92500"/>
+          </a:bodyPr>
+          <a:lstStyle/>
+          <a:p>
+            <a:pPr marL="114300" lvl="0" indent="0" algn="l" rtl="0">
+              <a:spcBef>
+                <a:spcPts val="0"/>
+              </a:spcBef>
+              <a:spcAft>
+                <a:spcPts val="0"/>
+              </a:spcAft>
+              <a:buSzPts val="1800"/>
+              <a:buNone/>
+            </a:pPr>
+            <a:r>
+              <a:rPr lang="en-US" dirty="0"/>
+              <a:t>g(.) maps non-uniform step sizes to uniform step sizes, such that a simple linear quantizer is used.</a:t>
+            </a:r>
+            <a:endParaRPr dirty="0"/>
+          </a:p>
+        </p:txBody>
+      </p:sp>
     </p:spTree>
   </p:cSld>
   <p:clrMapOvr>
@@ -9359,7 +9408,7 @@
         </p:blipFill>
         <p:spPr>
           <a:xfrm>
-            <a:off x="2964010" y="2905110"/>
+            <a:off x="2964010" y="2940830"/>
             <a:ext cx="2571750" cy="666750"/>
           </a:xfrm>
           <a:prstGeom prst="rect">
@@ -10248,7 +10297,7 @@
         </p:blipFill>
         <p:spPr>
           <a:xfrm>
-            <a:off x="4549125" y="1350429"/>
+            <a:off x="4549125" y="1964797"/>
             <a:ext cx="1699275" cy="517050"/>
           </a:xfrm>
           <a:prstGeom prst="rect">
@@ -10260,6 +10309,48 @@
           </a:ln>
         </p:spPr>
       </p:pic>
+      <p:sp>
+        <p:nvSpPr>
+          <p:cNvPr id="172" name="Google Shape;172;p29"/>
+          <p:cNvSpPr txBox="1">
+            <a:spLocks noGrp="1"/>
+          </p:cNvSpPr>
+          <p:nvPr>
+            <p:ph type="title"/>
+          </p:nvPr>
+        </p:nvSpPr>
+        <p:spPr>
+          <a:xfrm>
+            <a:off x="311700" y="140225"/>
+            <a:ext cx="8520600" cy="572700"/>
+          </a:xfrm>
+          <a:prstGeom prst="rect">
+            <a:avLst/>
+          </a:prstGeom>
+        </p:spPr>
+        <p:txBody>
+          <a:bodyPr spcFirstLastPara="1" wrap="square" lIns="91425" tIns="91425" rIns="91425" bIns="91425" anchor="t" anchorCtr="0">
+            <a:normAutofit fontScale="90000"/>
+          </a:bodyPr>
+          <a:lstStyle/>
+          <a:p>
+            <a:pPr marL="0" lvl="0" indent="0" algn="l" rtl="0">
+              <a:spcBef>
+                <a:spcPts val="0"/>
+              </a:spcBef>
+              <a:spcAft>
+                <a:spcPts val="0"/>
+              </a:spcAft>
+              <a:buNone/>
+            </a:pPr>
+            <a:r>
+              <a:rPr lang="en"/>
+              <a:t>Entropy coding</a:t>
+            </a:r>
+            <a:endParaRPr/>
+          </a:p>
+        </p:txBody>
+      </p:sp>
       <p:sp>
         <p:nvSpPr>
           <p:cNvPr id="171" name="Google Shape;171;p29"/>
@@ -10272,8 +10363,8 @@
         </p:nvSpPr>
         <p:spPr>
           <a:xfrm>
-            <a:off x="311700" y="695275"/>
-            <a:ext cx="8520600" cy="3416400"/>
+            <a:off x="288825" y="561973"/>
+            <a:ext cx="8520600" cy="2612281"/>
           </a:xfrm>
           <a:prstGeom prst="rect">
             <a:avLst/>
@@ -10281,10 +10372,34 @@
         </p:spPr>
         <p:txBody>
           <a:bodyPr spcFirstLastPara="1" wrap="square" lIns="91425" tIns="91425" rIns="91425" bIns="91425" anchor="t" anchorCtr="0">
-            <a:normAutofit/>
+            <a:normAutofit lnSpcReduction="10000"/>
           </a:bodyPr>
           <a:lstStyle/>
           <a:p>
+            <a:pPr marL="114300" lvl="0" indent="0" algn="l" rtl="0">
+              <a:spcBef>
+                <a:spcPts val="0"/>
+              </a:spcBef>
+              <a:spcAft>
+                <a:spcPts val="0"/>
+              </a:spcAft>
+              <a:buSzPts val="1800"/>
+              <a:buNone/>
+            </a:pPr>
+            <a:r>
+              <a:rPr lang="en" b="1" i="1" dirty="0"/>
+              <a:t>Definition</a:t>
+            </a:r>
+            <a:r>
+              <a:rPr lang="en" dirty="0"/>
+              <a:t>: lossless compression based on exploiting statistical correlations of the data.</a:t>
+            </a:r>
+            <a:br>
+              <a:rPr lang="en" dirty="0"/>
+            </a:br>
+            <a:endParaRPr lang="en" dirty="0"/>
+          </a:p>
+          <a:p>
             <a:pPr marL="457200" lvl="0" indent="-342900" algn="l" rtl="0">
               <a:spcBef>
                 <a:spcPts val="0"/>
@@ -10314,7 +10429,7 @@
             </a:pPr>
             <a:r>
               <a:rPr lang="en" dirty="0"/>
-              <a:t>Shannon proved that the minimum number of bits required to encode a message, X, is given by the entropy,                       ,   , where </a:t>
+              <a:t>Shannon proved that the minimum number of bits required to encode a message, X, is given by the entropy,                           , where </a:t>
             </a:r>
             <a:r>
               <a:rPr lang="en" dirty="0" err="1"/>
@@ -10350,60 +10465,6 @@
               <a:t>Typical probability of audio samples: Laplace distribution.</a:t>
             </a:r>
             <a:endParaRPr dirty="0"/>
-          </a:p>
-          <a:p>
-            <a:pPr marL="457200" lvl="0" indent="0" algn="l" rtl="0">
-              <a:spcBef>
-                <a:spcPts val="1200"/>
-              </a:spcBef>
-              <a:spcAft>
-                <a:spcPts val="1200"/>
-              </a:spcAft>
-              <a:buNone/>
-            </a:pPr>
-            <a:endParaRPr dirty="0"/>
-          </a:p>
-        </p:txBody>
-      </p:sp>
-      <p:sp>
-        <p:nvSpPr>
-          <p:cNvPr id="172" name="Google Shape;172;p29"/>
-          <p:cNvSpPr txBox="1">
-            <a:spLocks noGrp="1"/>
-          </p:cNvSpPr>
-          <p:nvPr>
-            <p:ph type="title"/>
-          </p:nvPr>
-        </p:nvSpPr>
-        <p:spPr>
-          <a:xfrm>
-            <a:off x="311700" y="140225"/>
-            <a:ext cx="8520600" cy="572700"/>
-          </a:xfrm>
-          <a:prstGeom prst="rect">
-            <a:avLst/>
-          </a:prstGeom>
-        </p:spPr>
-        <p:txBody>
-          <a:bodyPr spcFirstLastPara="1" wrap="square" lIns="91425" tIns="91425" rIns="91425" bIns="91425" anchor="t" anchorCtr="0">
-            <a:normAutofit fontScale="90000"/>
-          </a:bodyPr>
-          <a:lstStyle/>
-          <a:p>
-            <a:pPr marL="0" lvl="0" indent="0" algn="l" rtl="0">
-              <a:spcBef>
-                <a:spcPts val="0"/>
-              </a:spcBef>
-              <a:spcAft>
-                <a:spcPts val="0"/>
-              </a:spcAft>
-              <a:buNone/>
-            </a:pPr>
-            <a:r>
-              <a:rPr lang="en"/>
-              <a:t>Entropy coding</a:t>
-            </a:r>
-            <a:endParaRPr/>
           </a:p>
         </p:txBody>
       </p:sp>
@@ -10423,7 +10484,7 @@
         </p:blipFill>
         <p:spPr>
           <a:xfrm>
-            <a:off x="117739" y="2567326"/>
+            <a:off x="117739" y="3045962"/>
             <a:ext cx="4752136" cy="1796853"/>
           </a:xfrm>
           <a:prstGeom prst="rect">
@@ -10443,7 +10504,7 @@
         </p:nvSpPr>
         <p:spPr>
           <a:xfrm>
-            <a:off x="3294044" y="4504914"/>
+            <a:off x="3294044" y="4719229"/>
             <a:ext cx="3322200" cy="400079"/>
           </a:xfrm>
           <a:prstGeom prst="rect">
@@ -10470,14 +10531,14 @@
               <a:buNone/>
             </a:pPr>
             <a:r>
-              <a:rPr lang="en" dirty="0">
+              <a:rPr lang="en" i="1" dirty="0">
                 <a:solidFill>
                   <a:schemeClr val="dk2"/>
                 </a:solidFill>
               </a:rPr>
               <a:t>Example of an entropy code</a:t>
             </a:r>
-            <a:endParaRPr dirty="0">
+            <a:endParaRPr i="1" dirty="0">
               <a:solidFill>
                 <a:schemeClr val="dk2"/>
               </a:solidFill>
@@ -10507,7 +10568,7 @@
         </p:blipFill>
         <p:spPr>
           <a:xfrm>
-            <a:off x="4920454" y="2814203"/>
+            <a:off x="4920454" y="3128532"/>
             <a:ext cx="4177363" cy="1452995"/>
           </a:xfrm>
           <a:prstGeom prst="rect">
@@ -11267,7 +11328,7 @@
                   <a:schemeClr val="bg2"/>
                 </a:solidFill>
               </a:rPr>
-              <a:t>Calculate Frequencies: c</a:t>
+              <a:t>Calculate Frequencies: </a:t>
             </a:r>
             <a:r>
               <a:rPr lang="en" dirty="0">
@@ -11275,7 +11336,7 @@
                   <a:schemeClr val="bg2"/>
                 </a:solidFill>
               </a:rPr>
-              <a:t>alculate the frequency of each character in the input array.</a:t>
+              <a:t>calculate the frequency of each character in the input array.</a:t>
             </a:r>
             <a:endParaRPr dirty="0">
               <a:solidFill>
@@ -11779,8 +11840,8 @@
         </p:nvSpPr>
         <p:spPr>
           <a:xfrm>
-            <a:off x="311700" y="950259"/>
-            <a:ext cx="8520600" cy="3618616"/>
+            <a:off x="311700" y="778669"/>
+            <a:ext cx="8520600" cy="4214812"/>
           </a:xfrm>
           <a:prstGeom prst="rect">
             <a:avLst/>
@@ -11788,9 +11849,42 @@
         </p:spPr>
         <p:txBody>
           <a:bodyPr spcFirstLastPara="1" wrap="square" lIns="91425" tIns="91425" rIns="91425" bIns="91425" anchor="t" anchorCtr="0">
-            <a:normAutofit/>
+            <a:normAutofit fontScale="92500" lnSpcReduction="20000"/>
           </a:bodyPr>
           <a:lstStyle/>
+          <a:p>
+            <a:pPr marL="114300" lvl="0" indent="0" algn="l" rtl="0">
+              <a:spcBef>
+                <a:spcPts val="0"/>
+              </a:spcBef>
+              <a:spcAft>
+                <a:spcPts val="0"/>
+              </a:spcAft>
+              <a:buSzPts val="1800"/>
+              <a:buNone/>
+            </a:pPr>
+            <a:r>
+              <a:rPr lang="en-US" b="1" i="1" dirty="0"/>
+              <a:t>Definition: </a:t>
+            </a:r>
+            <a:r>
+              <a:rPr lang="en-US" dirty="0"/>
+              <a:t>binary representation of signals.</a:t>
+            </a:r>
+          </a:p>
+          <a:p>
+            <a:pPr marL="114300" lvl="0" indent="0" algn="l" rtl="0">
+              <a:spcBef>
+                <a:spcPts val="0"/>
+              </a:spcBef>
+              <a:spcAft>
+                <a:spcPts val="0"/>
+              </a:spcAft>
+              <a:buSzPts val="1800"/>
+              <a:buNone/>
+            </a:pPr>
+            <a:endParaRPr lang="en" dirty="0"/>
+          </a:p>
           <a:p>
             <a:pPr marL="457200" lvl="0" indent="-342900" algn="l" rtl="0">
               <a:spcBef>
@@ -11878,8 +11972,13 @@
             </a:pPr>
             <a:r>
               <a:rPr lang="en" sz="1800" dirty="0"/>
-              <a:t>memoryless (ex. PCM) or with memory (DPCM)</a:t>
-            </a:r>
+              <a:t>Memoryless (ex. PCM) or with memory (DPCM). </a:t>
+            </a:r>
+            <a:r>
+              <a:rPr lang="en-US" sz="1800" dirty="0"/>
+              <a:t>Whether the encoding rules rely on past samples or not.</a:t>
+            </a:r>
+            <a:endParaRPr lang="en" sz="1800" dirty="0"/>
           </a:p>
           <a:p>
             <a:pPr lvl="1" indent="-342900">
@@ -11888,8 +11987,13 @@
             </a:pPr>
             <a:r>
               <a:rPr lang="en" sz="1800" dirty="0"/>
-              <a:t>uniform or nonuniform</a:t>
-            </a:r>
+              <a:t>Uniform or nonuniform. </a:t>
+            </a:r>
+            <a:r>
+              <a:rPr lang="en-US" sz="1800" dirty="0"/>
+              <a:t>Based on the step-size or the quantization (discretization) levels employed.</a:t>
+            </a:r>
+            <a:endParaRPr lang="en" sz="1800" dirty="0"/>
           </a:p>
           <a:p>
             <a:pPr lvl="1" indent="-342900">
@@ -11898,7 +12002,7 @@
             </a:pPr>
             <a:r>
               <a:rPr lang="en" sz="1800" dirty="0"/>
-              <a:t>scalar or vector (VQ) </a:t>
+              <a:t>Scalar or vector (VQ). Whether each sampled is quantized individually or blocks of samples and quantized jointly.</a:t>
             </a:r>
           </a:p>
           <a:p>
@@ -11908,7 +12012,7 @@
             </a:pPr>
             <a:r>
               <a:rPr lang="en" sz="1800" dirty="0"/>
-              <a:t>parametric or nonparametric</a:t>
+              <a:t>Parametric or nonparametric. Whether the actual signal is quantized or signal transforms are used before quantization.</a:t>
             </a:r>
             <a:endParaRPr sz="1800" dirty="0"/>
           </a:p>
@@ -11974,10 +12078,10 @@
               <a:buNone/>
             </a:pPr>
             <a:r>
-              <a:rPr lang="en"/>
+              <a:rPr lang="en" dirty="0"/>
               <a:t>Probability density functions</a:t>
             </a:r>
-            <a:endParaRPr/>
+            <a:endParaRPr dirty="0"/>
           </a:p>
         </p:txBody>
       </p:sp>
@@ -11993,8 +12097,8 @@
         </p:nvSpPr>
         <p:spPr>
           <a:xfrm>
-            <a:off x="311700" y="1152475"/>
-            <a:ext cx="8520600" cy="3416400"/>
+            <a:off x="311700" y="992981"/>
+            <a:ext cx="8520600" cy="3575894"/>
           </a:xfrm>
           <a:prstGeom prst="rect">
             <a:avLst/>
@@ -12015,11 +12119,23 @@
               </a:spcAft>
               <a:buNone/>
             </a:pPr>
-            <a:r>
-              <a:rPr lang="en"/>
+            <a:endParaRPr lang="en" dirty="0"/>
+          </a:p>
+          <a:p>
+            <a:pPr marL="0" lvl="0" indent="0" algn="l" rtl="0">
+              <a:spcBef>
+                <a:spcPts val="0"/>
+              </a:spcBef>
+              <a:spcAft>
+                <a:spcPts val="0"/>
+              </a:spcAft>
+              <a:buNone/>
+            </a:pPr>
+            <a:r>
+              <a:rPr lang="en" dirty="0"/>
               <a:t>A random process can be characterized by its probability density function (PDF), which is a non-negative function p(x), whose properties are</a:t>
             </a:r>
-            <a:endParaRPr/>
+            <a:endParaRPr dirty="0"/>
           </a:p>
           <a:p>
             <a:pPr marL="0" lvl="0" indent="0" algn="l" rtl="0">
@@ -12031,7 +12147,7 @@
               </a:spcAft>
               <a:buNone/>
             </a:pPr>
-            <a:endParaRPr/>
+            <a:endParaRPr dirty="0"/>
           </a:p>
           <a:p>
             <a:pPr marL="0" lvl="0" indent="0" algn="l" rtl="0">
@@ -12044,10 +12160,10 @@
               <a:buNone/>
             </a:pPr>
             <a:r>
-              <a:rPr lang="en"/>
+              <a:rPr lang="en" dirty="0"/>
               <a:t>and</a:t>
             </a:r>
-            <a:endParaRPr/>
+            <a:endParaRPr dirty="0"/>
           </a:p>
           <a:p>
             <a:pPr marL="0" lvl="0" indent="0" algn="l" rtl="0">
@@ -12059,7 +12175,7 @@
               </a:spcAft>
               <a:buNone/>
             </a:pPr>
-            <a:endParaRPr/>
+            <a:endParaRPr dirty="0"/>
           </a:p>
           <a:p>
             <a:pPr marL="0" lvl="0" indent="0" algn="l" rtl="0">
@@ -12072,10 +12188,10 @@
               <a:buNone/>
             </a:pPr>
             <a:r>
-              <a:rPr lang="en"/>
+              <a:rPr lang="en" dirty="0"/>
               <a:t>the PDF area, from x1 to x2, is the probability that the random variable X is observed in this range. </a:t>
             </a:r>
-            <a:endParaRPr/>
+            <a:endParaRPr dirty="0"/>
           </a:p>
         </p:txBody>
       </p:sp>
@@ -12095,7 +12211,7 @@
         </p:blipFill>
         <p:spPr>
           <a:xfrm>
-            <a:off x="3668088" y="1924723"/>
+            <a:off x="3660944" y="2129775"/>
             <a:ext cx="1609725" cy="638175"/>
           </a:xfrm>
           <a:prstGeom prst="rect">
@@ -12123,7 +12239,7 @@
         </p:blipFill>
         <p:spPr>
           <a:xfrm>
-            <a:off x="2993713" y="2767950"/>
+            <a:off x="2993713" y="2925113"/>
             <a:ext cx="2790825" cy="666750"/>
           </a:xfrm>
           <a:prstGeom prst="rect">
@@ -12921,6 +13037,34 @@
           <a:chExt cx="0" cy="0"/>
         </a:xfrm>
       </p:grpSpPr>
+      <p:pic>
+        <p:nvPicPr>
+          <p:cNvPr id="97" name="Google Shape;97;p19"/>
+          <p:cNvPicPr preferRelativeResize="0"/>
+          <p:nvPr/>
+        </p:nvPicPr>
+        <p:blipFill>
+          <a:blip r:embed="rId3">
+            <a:alphaModFix/>
+          </a:blip>
+          <a:stretch>
+            <a:fillRect/>
+          </a:stretch>
+        </p:blipFill>
+        <p:spPr>
+          <a:xfrm>
+            <a:off x="2090663" y="1900700"/>
+            <a:ext cx="2427987" cy="456225"/>
+          </a:xfrm>
+          <a:prstGeom prst="rect">
+            <a:avLst/>
+          </a:prstGeom>
+          <a:noFill/>
+          <a:ln>
+            <a:noFill/>
+          </a:ln>
+        </p:spPr>
+      </p:pic>
       <p:sp>
         <p:nvSpPr>
           <p:cNvPr id="93" name="Google Shape;93;p19"/>
@@ -13089,7 +13233,7 @@
           <p:nvPr/>
         </p:nvPicPr>
         <p:blipFill rotWithShape="1">
-          <a:blip r:embed="rId3">
+          <a:blip r:embed="rId4">
             <a:alphaModFix/>
           </a:blip>
           <a:srcRect t="14170"/>
@@ -13116,7 +13260,7 @@
           <p:nvPr/>
         </p:nvPicPr>
         <p:blipFill>
-          <a:blip r:embed="rId4">
+          <a:blip r:embed="rId5">
             <a:alphaModFix/>
           </a:blip>
           <a:stretch>
@@ -13144,7 +13288,7 @@
           <p:nvPr/>
         </p:nvPicPr>
         <p:blipFill rotWithShape="1">
-          <a:blip r:embed="rId5">
+          <a:blip r:embed="rId6">
             <a:alphaModFix/>
           </a:blip>
           <a:srcRect b="6576"/>
@@ -13154,34 +13298,6 @@
           <a:xfrm>
             <a:off x="4965206" y="3177906"/>
             <a:ext cx="1804375" cy="456225"/>
-          </a:xfrm>
-          <a:prstGeom prst="rect">
-            <a:avLst/>
-          </a:prstGeom>
-          <a:noFill/>
-          <a:ln>
-            <a:noFill/>
-          </a:ln>
-        </p:spPr>
-      </p:pic>
-      <p:pic>
-        <p:nvPicPr>
-          <p:cNvPr id="97" name="Google Shape;97;p19"/>
-          <p:cNvPicPr preferRelativeResize="0"/>
-          <p:nvPr/>
-        </p:nvPicPr>
-        <p:blipFill>
-          <a:blip r:embed="rId6">
-            <a:alphaModFix/>
-          </a:blip>
-          <a:stretch>
-            <a:fillRect/>
-          </a:stretch>
-        </p:blipFill>
-        <p:spPr>
-          <a:xfrm>
-            <a:off x="2090663" y="1900700"/>
-            <a:ext cx="2427987" cy="456225"/>
           </a:xfrm>
           <a:prstGeom prst="rect">
             <a:avLst/>

--- a/lectures/2. Quantization and _entropy coding.pptx
+++ b/lectures/2. Quantization and _entropy coding.pptx
@@ -8654,7 +8654,7 @@
         <p:spPr>
           <a:xfrm>
             <a:off x="226175" y="2307675"/>
-            <a:ext cx="5160926" cy="1023875"/>
+            <a:ext cx="5160926" cy="2330250"/>
           </a:xfrm>
           <a:prstGeom prst="rect">
             <a:avLst/>
@@ -8662,7 +8662,7 @@
         </p:spPr>
         <p:txBody>
           <a:bodyPr spcFirstLastPara="1" wrap="square" lIns="91425" tIns="91425" rIns="91425" bIns="91425" anchor="t" anchorCtr="0">
-            <a:normAutofit fontScale="92500"/>
+            <a:normAutofit fontScale="77500" lnSpcReduction="20000"/>
           </a:bodyPr>
           <a:lstStyle/>
           <a:p>
@@ -8679,6 +8679,74 @@
             <a:r>
               <a:rPr lang="en-US" dirty="0"/>
               <a:t>g(.) maps non-uniform step sizes to uniform step sizes, such that a simple linear quantizer is used.</a:t>
+            </a:r>
+          </a:p>
+          <a:p>
+            <a:pPr marL="114300" lvl="0" indent="0" algn="l" rtl="0">
+              <a:spcBef>
+                <a:spcPts val="0"/>
+              </a:spcBef>
+              <a:spcAft>
+                <a:spcPts val="0"/>
+              </a:spcAft>
+              <a:buSzPts val="1800"/>
+              <a:buNone/>
+            </a:pPr>
+            <a:br>
+              <a:rPr lang="en-US" dirty="0"/>
+            </a:br>
+            <a:r>
+              <a:rPr lang="en-US" dirty="0"/>
+              <a:t>Two telephony standards have been developed based on logarithmic </a:t>
+            </a:r>
+            <a:r>
+              <a:rPr lang="en-US" dirty="0" err="1"/>
+              <a:t>companding</a:t>
+            </a:r>
+            <a:r>
+              <a:rPr lang="en-US" dirty="0"/>
+              <a:t>, i.e., the </a:t>
+            </a:r>
+            <a:r>
+              <a:rPr lang="el-GR" dirty="0"/>
+              <a:t>μ-</a:t>
+            </a:r>
+            <a:r>
+              <a:rPr lang="en-US" dirty="0"/>
+              <a:t>law (in USA) and the A-law (in Europe).</a:t>
+            </a:r>
+          </a:p>
+          <a:p>
+            <a:pPr marL="114300" lvl="0" indent="0" algn="l" rtl="0">
+              <a:spcBef>
+                <a:spcPts val="0"/>
+              </a:spcBef>
+              <a:spcAft>
+                <a:spcPts val="0"/>
+              </a:spcAft>
+              <a:buSzPts val="1800"/>
+              <a:buNone/>
+            </a:pPr>
+            <a:endParaRPr lang="en-US" dirty="0"/>
+          </a:p>
+          <a:p>
+            <a:pPr marL="114300" lvl="0" indent="0" algn="l" rtl="0">
+              <a:spcBef>
+                <a:spcPts val="0"/>
+              </a:spcBef>
+              <a:spcAft>
+                <a:spcPts val="0"/>
+              </a:spcAft>
+              <a:buSzPts val="1800"/>
+              <a:buNone/>
+            </a:pPr>
+            <a:r>
+              <a:rPr lang="en-US" dirty="0" err="1"/>
+              <a:t>Companding</a:t>
+            </a:r>
+            <a:r>
+              <a:rPr lang="en-US" dirty="0"/>
+              <a:t> schemes have been found to reduce bit rates, without degradation, by as much as 4 bits/sample relative to uniform PCM.</a:t>
             </a:r>
             <a:endParaRPr dirty="0"/>
           </a:p>
@@ -10297,7 +10365,7 @@
         </p:blipFill>
         <p:spPr>
           <a:xfrm>
-            <a:off x="4549125" y="1964797"/>
+            <a:off x="4549125" y="1821918"/>
             <a:ext cx="1699275" cy="517050"/>
           </a:xfrm>
           <a:prstGeom prst="rect">
@@ -10309,6 +10377,119 @@
           </a:ln>
         </p:spPr>
       </p:pic>
+      <p:sp>
+        <p:nvSpPr>
+          <p:cNvPr id="171" name="Google Shape;171;p29"/>
+          <p:cNvSpPr txBox="1">
+            <a:spLocks noGrp="1"/>
+          </p:cNvSpPr>
+          <p:nvPr>
+            <p:ph type="body" idx="1"/>
+          </p:nvPr>
+        </p:nvSpPr>
+        <p:spPr>
+          <a:xfrm>
+            <a:off x="288825" y="561973"/>
+            <a:ext cx="8520600" cy="2612281"/>
+          </a:xfrm>
+          <a:prstGeom prst="rect">
+            <a:avLst/>
+          </a:prstGeom>
+        </p:spPr>
+        <p:txBody>
+          <a:bodyPr spcFirstLastPara="1" wrap="square" lIns="91425" tIns="91425" rIns="91425" bIns="91425" anchor="t" anchorCtr="0">
+            <a:normAutofit/>
+          </a:bodyPr>
+          <a:lstStyle/>
+          <a:p>
+            <a:pPr marL="114300" lvl="0" indent="0" algn="l" rtl="0">
+              <a:spcBef>
+                <a:spcPts val="0"/>
+              </a:spcBef>
+              <a:spcAft>
+                <a:spcPts val="0"/>
+              </a:spcAft>
+              <a:buSzPts val="1800"/>
+              <a:buNone/>
+            </a:pPr>
+            <a:r>
+              <a:rPr lang="en" b="1" i="1" dirty="0"/>
+              <a:t>Definition</a:t>
+            </a:r>
+            <a:r>
+              <a:rPr lang="en" dirty="0"/>
+              <a:t>: lossless compression based on exploiting statistical correlations of the data.</a:t>
+            </a:r>
+          </a:p>
+          <a:p>
+            <a:pPr marL="457200" lvl="0" indent="-342900" algn="l" rtl="0">
+              <a:spcBef>
+                <a:spcPts val="0"/>
+              </a:spcBef>
+              <a:spcAft>
+                <a:spcPts val="0"/>
+              </a:spcAft>
+              <a:buSzPts val="1800"/>
+              <a:buChar char="●"/>
+            </a:pPr>
+            <a:r>
+              <a:rPr lang="en" dirty="0"/>
+              <a:t>Entropy is a measure of uncertainty of a random variable.</a:t>
+            </a:r>
+            <a:endParaRPr dirty="0"/>
+          </a:p>
+          <a:p>
+            <a:pPr marL="457200" lvl="0" indent="-342900" algn="l" rtl="0">
+              <a:spcBef>
+                <a:spcPts val="0"/>
+              </a:spcBef>
+              <a:spcAft>
+                <a:spcPts val="0"/>
+              </a:spcAft>
+              <a:buSzPts val="1800"/>
+              <a:buChar char="●"/>
+            </a:pPr>
+            <a:r>
+              <a:rPr lang="en" dirty="0"/>
+              <a:t>Shannon proved that the minimum number of bits required to encode a message, X, is given by the entropy,                           , where </a:t>
+            </a:r>
+            <a:r>
+              <a:rPr lang="en" dirty="0" err="1"/>
+              <a:t>p_i</a:t>
+            </a:r>
+            <a:r>
+              <a:rPr lang="en" dirty="0"/>
+              <a:t> is the probability that the </a:t>
+            </a:r>
+            <a:r>
+              <a:rPr lang="en" dirty="0" err="1"/>
+              <a:t>i-th</a:t>
+            </a:r>
+            <a:r>
+              <a:rPr lang="en" dirty="0"/>
+              <a:t> symbol is transmitted.</a:t>
+            </a:r>
+            <a:endParaRPr dirty="0"/>
+          </a:p>
+          <a:p>
+            <a:pPr marL="457200" lvl="0" indent="-342900" algn="l" rtl="0">
+              <a:spcBef>
+                <a:spcPts val="0"/>
+              </a:spcBef>
+              <a:spcAft>
+                <a:spcPts val="0"/>
+              </a:spcAft>
+              <a:buSzPts val="1800"/>
+              <a:buChar char="●"/>
+            </a:pPr>
+            <a:r>
+              <a:rPr lang="en" dirty="0"/>
+              <a:t>Typical probability of audio samples: Laplace distribution.</a:t>
+            </a:r>
+            <a:endParaRPr dirty="0"/>
+          </a:p>
+        </p:txBody>
+      </p:sp>
       <p:sp>
         <p:nvSpPr>
           <p:cNvPr id="172" name="Google Shape;172;p29"/>
@@ -10348,123 +10529,6 @@
               <a:t>Entropy coding</a:t>
             </a:r>
             <a:endParaRPr/>
-          </a:p>
-        </p:txBody>
-      </p:sp>
-      <p:sp>
-        <p:nvSpPr>
-          <p:cNvPr id="171" name="Google Shape;171;p29"/>
-          <p:cNvSpPr txBox="1">
-            <a:spLocks noGrp="1"/>
-          </p:cNvSpPr>
-          <p:nvPr>
-            <p:ph type="body" idx="1"/>
-          </p:nvPr>
-        </p:nvSpPr>
-        <p:spPr>
-          <a:xfrm>
-            <a:off x="288825" y="561973"/>
-            <a:ext cx="8520600" cy="2612281"/>
-          </a:xfrm>
-          <a:prstGeom prst="rect">
-            <a:avLst/>
-          </a:prstGeom>
-        </p:spPr>
-        <p:txBody>
-          <a:bodyPr spcFirstLastPara="1" wrap="square" lIns="91425" tIns="91425" rIns="91425" bIns="91425" anchor="t" anchorCtr="0">
-            <a:normAutofit lnSpcReduction="10000"/>
-          </a:bodyPr>
-          <a:lstStyle/>
-          <a:p>
-            <a:pPr marL="114300" lvl="0" indent="0" algn="l" rtl="0">
-              <a:spcBef>
-                <a:spcPts val="0"/>
-              </a:spcBef>
-              <a:spcAft>
-                <a:spcPts val="0"/>
-              </a:spcAft>
-              <a:buSzPts val="1800"/>
-              <a:buNone/>
-            </a:pPr>
-            <a:r>
-              <a:rPr lang="en" b="1" i="1" dirty="0"/>
-              <a:t>Definition</a:t>
-            </a:r>
-            <a:r>
-              <a:rPr lang="en" dirty="0"/>
-              <a:t>: lossless compression based on exploiting statistical correlations of the data.</a:t>
-            </a:r>
-            <a:br>
-              <a:rPr lang="en" dirty="0"/>
-            </a:br>
-            <a:endParaRPr lang="en" dirty="0"/>
-          </a:p>
-          <a:p>
-            <a:pPr marL="457200" lvl="0" indent="-342900" algn="l" rtl="0">
-              <a:spcBef>
-                <a:spcPts val="0"/>
-              </a:spcBef>
-              <a:spcAft>
-                <a:spcPts val="0"/>
-              </a:spcAft>
-              <a:buSzPts val="1800"/>
-              <a:buChar char="●"/>
-            </a:pPr>
-            <a:r>
-              <a:rPr lang="en" dirty="0"/>
-              <a:t>Entropy is a measure of uncertainty of a random variable.</a:t>
-            </a:r>
-            <a:endParaRPr dirty="0"/>
-          </a:p>
-          <a:p>
-            <a:pPr marL="457200" lvl="0" indent="-342900" algn="l" rtl="0">
-              <a:spcBef>
-                <a:spcPts val="0"/>
-              </a:spcBef>
-              <a:spcAft>
-                <a:spcPts val="0"/>
-              </a:spcAft>
-              <a:buSzPts val="1800"/>
-              <a:buChar char="●"/>
-            </a:pPr>
-            <a:r>
-              <a:rPr lang="en" dirty="0"/>
-              <a:t>Shannon proved that the minimum number of bits required to encode a message, X, is given by the entropy,                           , where </a:t>
-            </a:r>
-            <a:r>
-              <a:rPr lang="en" dirty="0" err="1"/>
-              <a:t>p_i</a:t>
-            </a:r>
-            <a:r>
-              <a:rPr lang="en" dirty="0"/>
-              <a:t> is the probability that the </a:t>
-            </a:r>
-            <a:r>
-              <a:rPr lang="en" dirty="0" err="1"/>
-              <a:t>i-th</a:t>
-            </a:r>
-            <a:r>
-              <a:rPr lang="en" dirty="0"/>
-              <a:t> symbol is transmitted.</a:t>
-            </a:r>
-            <a:endParaRPr dirty="0"/>
-          </a:p>
-          <a:p>
-            <a:pPr marL="457200" lvl="0" indent="-342900" algn="l" rtl="0">
-              <a:spcBef>
-                <a:spcPts val="0"/>
-              </a:spcBef>
-              <a:spcAft>
-                <a:spcPts val="0"/>
-              </a:spcAft>
-              <a:buSzPts val="1800"/>
-              <a:buChar char="●"/>
-            </a:pPr>
-            <a:r>
-              <a:rPr lang="en" dirty="0"/>
-              <a:t>Typical probability of audio samples: Laplace distribution.</a:t>
-            </a:r>
-            <a:endParaRPr dirty="0"/>
           </a:p>
         </p:txBody>
       </p:sp>
@@ -10576,6 +10640,62 @@
           </a:prstGeom>
         </p:spPr>
       </p:pic>
+      <p:sp>
+        <p:nvSpPr>
+          <p:cNvPr id="2" name="Google Shape;174;p29">
+            <a:extLst>
+              <a:ext uri="{FF2B5EF4-FFF2-40B4-BE49-F238E27FC236}">
+                <a16:creationId xmlns:a16="http://schemas.microsoft.com/office/drawing/2014/main" id="{6010CAAE-E5D1-A70F-6D52-FD0315DBA7D2}"/>
+              </a:ext>
+            </a:extLst>
+          </p:cNvPr>
+          <p:cNvSpPr txBox="1"/>
+          <p:nvPr/>
+        </p:nvSpPr>
+        <p:spPr>
+          <a:xfrm>
+            <a:off x="5627362" y="4301938"/>
+            <a:ext cx="3470455" cy="338524"/>
+          </a:xfrm>
+          <a:prstGeom prst="rect">
+            <a:avLst/>
+          </a:prstGeom>
+          <a:noFill/>
+          <a:ln>
+            <a:noFill/>
+          </a:ln>
+        </p:spPr>
+        <p:txBody>
+          <a:bodyPr spcFirstLastPara="1" wrap="square" lIns="91425" tIns="91425" rIns="91425" bIns="91425" anchor="t" anchorCtr="0">
+            <a:spAutoFit/>
+          </a:bodyPr>
+          <a:lstStyle/>
+          <a:p>
+            <a:pPr marL="0" lvl="0" indent="0" algn="ctr" rtl="0">
+              <a:spcBef>
+                <a:spcPts val="0"/>
+              </a:spcBef>
+              <a:spcAft>
+                <a:spcPts val="0"/>
+              </a:spcAft>
+              <a:buNone/>
+            </a:pPr>
+            <a:r>
+              <a:rPr lang="en" sz="1000" b="1" i="1" dirty="0">
+                <a:solidFill>
+                  <a:schemeClr val="dk2"/>
+                </a:solidFill>
+              </a:rPr>
+              <a:t>-&gt; 2 bits with entropy code, 3 bits with uniform code.</a:t>
+            </a:r>
+            <a:endParaRPr sz="1000" b="1" i="1" dirty="0">
+              <a:solidFill>
+                <a:schemeClr val="dk2"/>
+              </a:solidFill>
+            </a:endParaRPr>
+          </a:p>
+        </p:txBody>
+      </p:sp>
     </p:spTree>
   </p:cSld>
   <p:clrMapOvr>
@@ -11849,20 +11969,10 @@
         </p:spPr>
         <p:txBody>
           <a:bodyPr spcFirstLastPara="1" wrap="square" lIns="91425" tIns="91425" rIns="91425" bIns="91425" anchor="t" anchorCtr="0">
-            <a:normAutofit fontScale="92500" lnSpcReduction="20000"/>
+            <a:normAutofit/>
           </a:bodyPr>
           <a:lstStyle/>
           <a:p>
-            <a:pPr marL="114300" lvl="0" indent="0" algn="l" rtl="0">
-              <a:spcBef>
-                <a:spcPts val="0"/>
-              </a:spcBef>
-              <a:spcAft>
-                <a:spcPts val="0"/>
-              </a:spcAft>
-              <a:buSzPts val="1800"/>
-              <a:buNone/>
-            </a:pPr>
             <a:r>
               <a:rPr lang="en-US" b="1" i="1" dirty="0"/>
               <a:t>Definition: </a:t>
@@ -11873,29 +11983,7 @@
             </a:r>
           </a:p>
           <a:p>
-            <a:pPr marL="114300" lvl="0" indent="0" algn="l" rtl="0">
-              <a:spcBef>
-                <a:spcPts val="0"/>
-              </a:spcBef>
-              <a:spcAft>
-                <a:spcPts val="0"/>
-              </a:spcAft>
-              <a:buSzPts val="1800"/>
-              <a:buNone/>
-            </a:pPr>
-            <a:endParaRPr lang="en" dirty="0"/>
-          </a:p>
-          <a:p>
-            <a:pPr marL="457200" lvl="0" indent="-342900" algn="l" rtl="0">
-              <a:spcBef>
-                <a:spcPts val="0"/>
-              </a:spcBef>
-              <a:spcAft>
-                <a:spcPts val="0"/>
-              </a:spcAft>
-              <a:buSzPts val="1800"/>
-              <a:buChar char="●"/>
-            </a:pPr>
+            <a:pPr lvl="1"/>
             <a:r>
               <a:rPr lang="en" dirty="0"/>
               <a:t>Data reduction by removing irrelevance.</a:t>
@@ -11903,16 +11991,7 @@
             <a:endParaRPr dirty="0"/>
           </a:p>
           <a:p>
-            <a:pPr marL="457200" lvl="0" indent="-342900" algn="l" rtl="0">
-              <a:spcBef>
-                <a:spcPts val="0"/>
-              </a:spcBef>
-              <a:spcAft>
-                <a:spcPts val="0"/>
-              </a:spcAft>
-              <a:buSzPts val="1800"/>
-              <a:buChar char="●"/>
-            </a:pPr>
+            <a:pPr lvl="1"/>
             <a:r>
               <a:rPr lang="en" dirty="0"/>
               <a:t>Explicit control of quantization distortion according to time/frequency-dependent masking threshold (perceptual coder).</a:t>
@@ -11920,16 +11999,7 @@
             <a:endParaRPr dirty="0"/>
           </a:p>
           <a:p>
-            <a:pPr marL="457200" lvl="0" indent="-342900" algn="l" rtl="0">
-              <a:spcBef>
-                <a:spcPts val="0"/>
-              </a:spcBef>
-              <a:spcAft>
-                <a:spcPts val="0"/>
-              </a:spcAft>
-              <a:buSzPts val="1800"/>
-              <a:buChar char="●"/>
-            </a:pPr>
+            <a:pPr lvl="1"/>
             <a:r>
               <a:rPr lang="en" dirty="0"/>
               <a:t>High variability in local SNR (e.g. 0db ..&gt; 30db).</a:t>
@@ -11971,14 +12041,13 @@
               <a:buChar char="●"/>
             </a:pPr>
             <a:r>
-              <a:rPr lang="en" sz="1800" dirty="0"/>
+              <a:rPr lang="en" dirty="0"/>
               <a:t>Memoryless (ex. PCM) or with memory (DPCM). </a:t>
             </a:r>
             <a:r>
-              <a:rPr lang="en-US" sz="1800" dirty="0"/>
+              <a:rPr lang="en-US" dirty="0"/>
               <a:t>Whether the encoding rules rely on past samples or not.</a:t>
             </a:r>
-            <a:endParaRPr lang="en" sz="1800" dirty="0"/>
           </a:p>
           <a:p>
             <a:pPr lvl="1" indent="-342900">
@@ -11986,14 +12055,13 @@
               <a:buChar char="●"/>
             </a:pPr>
             <a:r>
-              <a:rPr lang="en" sz="1800" dirty="0"/>
+              <a:rPr lang="en" dirty="0"/>
               <a:t>Uniform or nonuniform. </a:t>
             </a:r>
             <a:r>
-              <a:rPr lang="en-US" sz="1800" dirty="0"/>
+              <a:rPr lang="en-US" dirty="0"/>
               <a:t>Based on the step-size or the quantization (discretization) levels employed.</a:t>
             </a:r>
-            <a:endParaRPr lang="en" sz="1800" dirty="0"/>
           </a:p>
           <a:p>
             <a:pPr lvl="1" indent="-342900">
@@ -12001,7 +12069,7 @@
               <a:buChar char="●"/>
             </a:pPr>
             <a:r>
-              <a:rPr lang="en" sz="1800" dirty="0"/>
+              <a:rPr lang="en" dirty="0"/>
               <a:t>Scalar or vector (VQ). Whether each sampled is quantized individually or blocks of samples and quantized jointly.</a:t>
             </a:r>
           </a:p>
@@ -12011,10 +12079,10 @@
               <a:buChar char="●"/>
             </a:pPr>
             <a:r>
-              <a:rPr lang="en" sz="1800" dirty="0"/>
+              <a:rPr lang="en" dirty="0"/>
               <a:t>Parametric or nonparametric. Whether the actual signal is quantized or signal transforms are used before quantization.</a:t>
             </a:r>
-            <a:endParaRPr sz="1800" dirty="0"/>
+            <a:endParaRPr dirty="0"/>
           </a:p>
         </p:txBody>
       </p:sp>
@@ -13269,7 +13337,7 @@
         </p:blipFill>
         <p:spPr>
           <a:xfrm>
-            <a:off x="6118850" y="2762750"/>
+            <a:off x="6118850" y="2769894"/>
             <a:ext cx="2287250" cy="521475"/>
           </a:xfrm>
           <a:prstGeom prst="rect">
